--- a/group19.pptx
+++ b/group19.pptx
@@ -108,6 +108,11 @@
       </a:defRPr>
     </a:lvl9pPr>
   </p:defaultTextStyle>
+  <p:extLst>
+    <p:ext uri="{EFAFB233-063F-42B5-8137-9DF3F51BA10A}">
+      <p15:sldGuideLst xmlns:p15="http://schemas.microsoft.com/office/powerpoint/2012/main"/>
+    </p:ext>
+  </p:extLst>
 </p:presentation>
 </file>
 
@@ -4111,8 +4116,37 @@
         </p:blipFill>
         <p:spPr>
           <a:xfrm>
-            <a:off x="1371600" y="3521243"/>
+            <a:off x="2703095" y="3521243"/>
             <a:ext cx="2454442" cy="2438400"/>
+          </a:xfrm>
+          <a:prstGeom prst="rect">
+            <a:avLst/>
+          </a:prstGeom>
+        </p:spPr>
+      </p:pic>
+      <p:pic>
+        <p:nvPicPr>
+          <p:cNvPr id="3" name="圖片 2">
+            <a:extLst>
+              <a:ext uri="{FF2B5EF4-FFF2-40B4-BE49-F238E27FC236}">
+                <a16:creationId xmlns:a16="http://schemas.microsoft.com/office/drawing/2014/main" id="{72DE9059-AEFA-43F3-9EBD-9EA37A84D918}"/>
+              </a:ext>
+            </a:extLst>
+          </p:cNvPr>
+          <p:cNvPicPr>
+            <a:picLocks noChangeAspect="1"/>
+          </p:cNvPicPr>
+          <p:nvPr/>
+        </p:nvPicPr>
+        <p:blipFill rotWithShape="1">
+          <a:blip r:embed="rId3"/>
+          <a:srcRect t="10489" r="9913" b="2151"/>
+          <a:stretch/>
+        </p:blipFill>
+        <p:spPr>
+          <a:xfrm>
+            <a:off x="7395412" y="3521242"/>
+            <a:ext cx="2454442" cy="2438401"/>
           </a:xfrm>
           <a:prstGeom prst="rect">
             <a:avLst/>
@@ -4174,7 +4208,7 @@
               <a:rPr lang="zh-TW" altLang="en-US" dirty="0">
                 <a:latin typeface="微軟正黑體" panose="020B0604030504040204" pitchFamily="34" charset="-120"/>
               </a:rPr>
-              <a:t>遊戲理念規則</a:t>
+              <a:t>遊戲玩法與規則</a:t>
             </a:r>
             <a:endParaRPr lang="zh-TW" altLang="en-US" dirty="0"/>
           </a:p>
@@ -4201,7 +4235,32 @@
           <a:bodyPr/>
           <a:lstStyle/>
           <a:p>
-            <a:endParaRPr lang="zh-TW" altLang="en-US"/>
+            <a:r>
+              <a:rPr lang="zh-TW" altLang="en-US" dirty="0"/>
+              <a:t>上下左右移動角色</a:t>
+            </a:r>
+            <a:endParaRPr lang="en-US" altLang="zh-TW" dirty="0"/>
+          </a:p>
+          <a:p>
+            <a:r>
+              <a:rPr lang="zh-TW" altLang="en-US" dirty="0"/>
+              <a:t>若木桶旁有空間則可以被推動</a:t>
+            </a:r>
+            <a:endParaRPr lang="en-US" altLang="zh-TW" dirty="0"/>
+          </a:p>
+          <a:p>
+            <a:r>
+              <a:rPr lang="zh-TW" altLang="en-US" dirty="0"/>
+              <a:t>到達樓梯則進入下一層</a:t>
+            </a:r>
+            <a:endParaRPr lang="en-US" altLang="zh-TW" dirty="0"/>
+          </a:p>
+          <a:p>
+            <a:r>
+              <a:rPr lang="zh-TW" altLang="en-US"/>
+              <a:t>遇到敵人要消耗一次移動次數</a:t>
+            </a:r>
+            <a:endParaRPr lang="en-US" altLang="zh-TW" dirty="0"/>
           </a:p>
         </p:txBody>
       </p:sp>

--- a/group19.pptx
+++ b/group19.pptx
@@ -4,12 +4,15 @@
   <p:sldMasterIdLst>
     <p:sldMasterId id="2147483660" r:id="rId1"/>
   </p:sldMasterIdLst>
+  <p:notesMasterIdLst>
+    <p:notesMasterId r:id="rId7"/>
+  </p:notesMasterIdLst>
   <p:sldIdLst>
     <p:sldId id="256" r:id="rId2"/>
-    <p:sldId id="257" r:id="rId3"/>
-    <p:sldId id="258" r:id="rId4"/>
-    <p:sldId id="259" r:id="rId5"/>
-    <p:sldId id="260" r:id="rId6"/>
+    <p:sldId id="258" r:id="rId3"/>
+    <p:sldId id="261" r:id="rId4"/>
+    <p:sldId id="260" r:id="rId5"/>
+    <p:sldId id="257" r:id="rId6"/>
   </p:sldIdLst>
   <p:sldSz cx="12192000" cy="6858000"/>
   <p:notesSz cx="6858000" cy="9144000"/>
@@ -114,6 +117,597 @@
     </p:ext>
   </p:extLst>
 </p:presentation>
+</file>
+
+<file path=ppt/notesMasters/notesMaster1.xml><?xml version="1.0" encoding="utf-8"?>
+<p:notesMaster xmlns:a="http://schemas.openxmlformats.org/drawingml/2006/main" xmlns:r="http://schemas.openxmlformats.org/officeDocument/2006/relationships" xmlns:p="http://schemas.openxmlformats.org/presentationml/2006/main">
+  <p:cSld>
+    <p:bg>
+      <p:bgRef idx="1001">
+        <a:schemeClr val="bg1"/>
+      </p:bgRef>
+    </p:bg>
+    <p:spTree>
+      <p:nvGrpSpPr>
+        <p:cNvPr id="1" name=""/>
+        <p:cNvGrpSpPr/>
+        <p:nvPr/>
+      </p:nvGrpSpPr>
+      <p:grpSpPr>
+        <a:xfrm>
+          <a:off x="0" y="0"/>
+          <a:ext cx="0" cy="0"/>
+          <a:chOff x="0" y="0"/>
+          <a:chExt cx="0" cy="0"/>
+        </a:xfrm>
+      </p:grpSpPr>
+      <p:sp>
+        <p:nvSpPr>
+          <p:cNvPr id="2" name="頁首版面配置區 1"/>
+          <p:cNvSpPr>
+            <a:spLocks noGrp="1"/>
+          </p:cNvSpPr>
+          <p:nvPr>
+            <p:ph type="hdr" sz="quarter"/>
+          </p:nvPr>
+        </p:nvSpPr>
+        <p:spPr>
+          <a:xfrm>
+            <a:off x="0" y="0"/>
+            <a:ext cx="2971800" cy="458788"/>
+          </a:xfrm>
+          <a:prstGeom prst="rect">
+            <a:avLst/>
+          </a:prstGeom>
+        </p:spPr>
+        <p:txBody>
+          <a:bodyPr vert="horz" lIns="91440" tIns="45720" rIns="91440" bIns="45720" rtlCol="0"/>
+          <a:lstStyle>
+            <a:lvl1pPr algn="l">
+              <a:defRPr sz="1200"/>
+            </a:lvl1pPr>
+          </a:lstStyle>
+          <a:p>
+            <a:endParaRPr lang="zh-TW" altLang="en-US"/>
+          </a:p>
+        </p:txBody>
+      </p:sp>
+      <p:sp>
+        <p:nvSpPr>
+          <p:cNvPr id="3" name="日期版面配置區 2"/>
+          <p:cNvSpPr>
+            <a:spLocks noGrp="1"/>
+          </p:cNvSpPr>
+          <p:nvPr>
+            <p:ph type="dt" idx="1"/>
+          </p:nvPr>
+        </p:nvSpPr>
+        <p:spPr>
+          <a:xfrm>
+            <a:off x="3884613" y="0"/>
+            <a:ext cx="2971800" cy="458788"/>
+          </a:xfrm>
+          <a:prstGeom prst="rect">
+            <a:avLst/>
+          </a:prstGeom>
+        </p:spPr>
+        <p:txBody>
+          <a:bodyPr vert="horz" lIns="91440" tIns="45720" rIns="91440" bIns="45720" rtlCol="0"/>
+          <a:lstStyle>
+            <a:lvl1pPr algn="r">
+              <a:defRPr sz="1200"/>
+            </a:lvl1pPr>
+          </a:lstStyle>
+          <a:p>
+            <a:fld id="{2872811F-5A8E-49EC-87F3-1802E82BEC0B}" type="datetimeFigureOut">
+              <a:rPr lang="zh-TW" altLang="en-US" smtClean="0"/>
+              <a:t>2021/12/27</a:t>
+            </a:fld>
+            <a:endParaRPr lang="zh-TW" altLang="en-US"/>
+          </a:p>
+        </p:txBody>
+      </p:sp>
+      <p:sp>
+        <p:nvSpPr>
+          <p:cNvPr id="4" name="投影片影像版面配置區 3"/>
+          <p:cNvSpPr>
+            <a:spLocks noGrp="1" noRot="1" noChangeAspect="1"/>
+          </p:cNvSpPr>
+          <p:nvPr>
+            <p:ph type="sldImg" idx="2"/>
+          </p:nvPr>
+        </p:nvSpPr>
+        <p:spPr>
+          <a:xfrm>
+            <a:off x="685800" y="1143000"/>
+            <a:ext cx="5486400" cy="3086100"/>
+          </a:xfrm>
+          <a:prstGeom prst="rect">
+            <a:avLst/>
+          </a:prstGeom>
+          <a:noFill/>
+          <a:ln w="12700">
+            <a:solidFill>
+              <a:prstClr val="black"/>
+            </a:solidFill>
+          </a:ln>
+        </p:spPr>
+        <p:txBody>
+          <a:bodyPr vert="horz" lIns="91440" tIns="45720" rIns="91440" bIns="45720" rtlCol="0" anchor="ctr"/>
+          <a:lstStyle/>
+          <a:p>
+            <a:endParaRPr lang="zh-TW" altLang="en-US"/>
+          </a:p>
+        </p:txBody>
+      </p:sp>
+      <p:sp>
+        <p:nvSpPr>
+          <p:cNvPr id="5" name="備忘稿版面配置區 4"/>
+          <p:cNvSpPr>
+            <a:spLocks noGrp="1"/>
+          </p:cNvSpPr>
+          <p:nvPr>
+            <p:ph type="body" sz="quarter" idx="3"/>
+          </p:nvPr>
+        </p:nvSpPr>
+        <p:spPr>
+          <a:xfrm>
+            <a:off x="685800" y="4400550"/>
+            <a:ext cx="5486400" cy="3600450"/>
+          </a:xfrm>
+          <a:prstGeom prst="rect">
+            <a:avLst/>
+          </a:prstGeom>
+        </p:spPr>
+        <p:txBody>
+          <a:bodyPr vert="horz" lIns="91440" tIns="45720" rIns="91440" bIns="45720" rtlCol="0"/>
+          <a:lstStyle/>
+          <a:p>
+            <a:pPr lvl="0"/>
+            <a:r>
+              <a:rPr lang="zh-TW" altLang="en-US"/>
+              <a:t>編輯母片文字樣式</a:t>
+            </a:r>
+          </a:p>
+          <a:p>
+            <a:pPr lvl="1"/>
+            <a:r>
+              <a:rPr lang="zh-TW" altLang="en-US"/>
+              <a:t>第二層</a:t>
+            </a:r>
+          </a:p>
+          <a:p>
+            <a:pPr lvl="2"/>
+            <a:r>
+              <a:rPr lang="zh-TW" altLang="en-US"/>
+              <a:t>第三層</a:t>
+            </a:r>
+          </a:p>
+          <a:p>
+            <a:pPr lvl="3"/>
+            <a:r>
+              <a:rPr lang="zh-TW" altLang="en-US"/>
+              <a:t>第四層</a:t>
+            </a:r>
+          </a:p>
+          <a:p>
+            <a:pPr lvl="4"/>
+            <a:r>
+              <a:rPr lang="zh-TW" altLang="en-US"/>
+              <a:t>第五層</a:t>
+            </a:r>
+          </a:p>
+        </p:txBody>
+      </p:sp>
+      <p:sp>
+        <p:nvSpPr>
+          <p:cNvPr id="6" name="頁尾版面配置區 5"/>
+          <p:cNvSpPr>
+            <a:spLocks noGrp="1"/>
+          </p:cNvSpPr>
+          <p:nvPr>
+            <p:ph type="ftr" sz="quarter" idx="4"/>
+          </p:nvPr>
+        </p:nvSpPr>
+        <p:spPr>
+          <a:xfrm>
+            <a:off x="0" y="8685213"/>
+            <a:ext cx="2971800" cy="458787"/>
+          </a:xfrm>
+          <a:prstGeom prst="rect">
+            <a:avLst/>
+          </a:prstGeom>
+        </p:spPr>
+        <p:txBody>
+          <a:bodyPr vert="horz" lIns="91440" tIns="45720" rIns="91440" bIns="45720" rtlCol="0" anchor="b"/>
+          <a:lstStyle>
+            <a:lvl1pPr algn="l">
+              <a:defRPr sz="1200"/>
+            </a:lvl1pPr>
+          </a:lstStyle>
+          <a:p>
+            <a:endParaRPr lang="zh-TW" altLang="en-US"/>
+          </a:p>
+        </p:txBody>
+      </p:sp>
+      <p:sp>
+        <p:nvSpPr>
+          <p:cNvPr id="7" name="投影片編號版面配置區 6"/>
+          <p:cNvSpPr>
+            <a:spLocks noGrp="1"/>
+          </p:cNvSpPr>
+          <p:nvPr>
+            <p:ph type="sldNum" sz="quarter" idx="5"/>
+          </p:nvPr>
+        </p:nvSpPr>
+        <p:spPr>
+          <a:xfrm>
+            <a:off x="3884613" y="8685213"/>
+            <a:ext cx="2971800" cy="458787"/>
+          </a:xfrm>
+          <a:prstGeom prst="rect">
+            <a:avLst/>
+          </a:prstGeom>
+        </p:spPr>
+        <p:txBody>
+          <a:bodyPr vert="horz" lIns="91440" tIns="45720" rIns="91440" bIns="45720" rtlCol="0" anchor="b"/>
+          <a:lstStyle>
+            <a:lvl1pPr algn="r">
+              <a:defRPr sz="1200"/>
+            </a:lvl1pPr>
+          </a:lstStyle>
+          <a:p>
+            <a:fld id="{518DE363-99AB-4E1F-93EC-5DED477F94EE}" type="slidenum">
+              <a:rPr lang="zh-TW" altLang="en-US" smtClean="0"/>
+              <a:t>‹#›</a:t>
+            </a:fld>
+            <a:endParaRPr lang="zh-TW" altLang="en-US"/>
+          </a:p>
+        </p:txBody>
+      </p:sp>
+    </p:spTree>
+    <p:extLst>
+      <p:ext uri="{BB962C8B-B14F-4D97-AF65-F5344CB8AC3E}">
+        <p14:creationId xmlns:p14="http://schemas.microsoft.com/office/powerpoint/2010/main" val="273344819"/>
+      </p:ext>
+    </p:extLst>
+  </p:cSld>
+  <p:clrMap bg1="lt1" tx1="dk1" bg2="lt2" tx2="dk2" accent1="accent1" accent2="accent2" accent3="accent3" accent4="accent4" accent5="accent5" accent6="accent6" hlink="hlink" folHlink="folHlink"/>
+  <p:notesStyle>
+    <a:lvl1pPr marL="0" algn="l" defTabSz="914400" rtl="0" eaLnBrk="1" latinLnBrk="0" hangingPunct="1">
+      <a:defRPr sz="1200" kern="1200">
+        <a:solidFill>
+          <a:schemeClr val="tx1"/>
+        </a:solidFill>
+        <a:latin typeface="+mn-lt"/>
+        <a:ea typeface="+mn-ea"/>
+        <a:cs typeface="+mn-cs"/>
+      </a:defRPr>
+    </a:lvl1pPr>
+    <a:lvl2pPr marL="457200" algn="l" defTabSz="914400" rtl="0" eaLnBrk="1" latinLnBrk="0" hangingPunct="1">
+      <a:defRPr sz="1200" kern="1200">
+        <a:solidFill>
+          <a:schemeClr val="tx1"/>
+        </a:solidFill>
+        <a:latin typeface="+mn-lt"/>
+        <a:ea typeface="+mn-ea"/>
+        <a:cs typeface="+mn-cs"/>
+      </a:defRPr>
+    </a:lvl2pPr>
+    <a:lvl3pPr marL="914400" algn="l" defTabSz="914400" rtl="0" eaLnBrk="1" latinLnBrk="0" hangingPunct="1">
+      <a:defRPr sz="1200" kern="1200">
+        <a:solidFill>
+          <a:schemeClr val="tx1"/>
+        </a:solidFill>
+        <a:latin typeface="+mn-lt"/>
+        <a:ea typeface="+mn-ea"/>
+        <a:cs typeface="+mn-cs"/>
+      </a:defRPr>
+    </a:lvl3pPr>
+    <a:lvl4pPr marL="1371600" algn="l" defTabSz="914400" rtl="0" eaLnBrk="1" latinLnBrk="0" hangingPunct="1">
+      <a:defRPr sz="1200" kern="1200">
+        <a:solidFill>
+          <a:schemeClr val="tx1"/>
+        </a:solidFill>
+        <a:latin typeface="+mn-lt"/>
+        <a:ea typeface="+mn-ea"/>
+        <a:cs typeface="+mn-cs"/>
+      </a:defRPr>
+    </a:lvl4pPr>
+    <a:lvl5pPr marL="1828800" algn="l" defTabSz="914400" rtl="0" eaLnBrk="1" latinLnBrk="0" hangingPunct="1">
+      <a:defRPr sz="1200" kern="1200">
+        <a:solidFill>
+          <a:schemeClr val="tx1"/>
+        </a:solidFill>
+        <a:latin typeface="+mn-lt"/>
+        <a:ea typeface="+mn-ea"/>
+        <a:cs typeface="+mn-cs"/>
+      </a:defRPr>
+    </a:lvl5pPr>
+    <a:lvl6pPr marL="2286000" algn="l" defTabSz="914400" rtl="0" eaLnBrk="1" latinLnBrk="0" hangingPunct="1">
+      <a:defRPr sz="1200" kern="1200">
+        <a:solidFill>
+          <a:schemeClr val="tx1"/>
+        </a:solidFill>
+        <a:latin typeface="+mn-lt"/>
+        <a:ea typeface="+mn-ea"/>
+        <a:cs typeface="+mn-cs"/>
+      </a:defRPr>
+    </a:lvl6pPr>
+    <a:lvl7pPr marL="2743200" algn="l" defTabSz="914400" rtl="0" eaLnBrk="1" latinLnBrk="0" hangingPunct="1">
+      <a:defRPr sz="1200" kern="1200">
+        <a:solidFill>
+          <a:schemeClr val="tx1"/>
+        </a:solidFill>
+        <a:latin typeface="+mn-lt"/>
+        <a:ea typeface="+mn-ea"/>
+        <a:cs typeface="+mn-cs"/>
+      </a:defRPr>
+    </a:lvl7pPr>
+    <a:lvl8pPr marL="3200400" algn="l" defTabSz="914400" rtl="0" eaLnBrk="1" latinLnBrk="0" hangingPunct="1">
+      <a:defRPr sz="1200" kern="1200">
+        <a:solidFill>
+          <a:schemeClr val="tx1"/>
+        </a:solidFill>
+        <a:latin typeface="+mn-lt"/>
+        <a:ea typeface="+mn-ea"/>
+        <a:cs typeface="+mn-cs"/>
+      </a:defRPr>
+    </a:lvl8pPr>
+    <a:lvl9pPr marL="3657600" algn="l" defTabSz="914400" rtl="0" eaLnBrk="1" latinLnBrk="0" hangingPunct="1">
+      <a:defRPr sz="1200" kern="1200">
+        <a:solidFill>
+          <a:schemeClr val="tx1"/>
+        </a:solidFill>
+        <a:latin typeface="+mn-lt"/>
+        <a:ea typeface="+mn-ea"/>
+        <a:cs typeface="+mn-cs"/>
+      </a:defRPr>
+    </a:lvl9pPr>
+  </p:notesStyle>
+</p:notesMaster>
+</file>
+
+<file path=ppt/notesSlides/notesSlide1.xml><?xml version="1.0" encoding="utf-8"?>
+<p:notes xmlns:a="http://schemas.openxmlformats.org/drawingml/2006/main" xmlns:r="http://schemas.openxmlformats.org/officeDocument/2006/relationships" xmlns:p="http://schemas.openxmlformats.org/presentationml/2006/main">
+  <p:cSld>
+    <p:spTree>
+      <p:nvGrpSpPr>
+        <p:cNvPr id="1" name=""/>
+        <p:cNvGrpSpPr/>
+        <p:nvPr/>
+      </p:nvGrpSpPr>
+      <p:grpSpPr>
+        <a:xfrm>
+          <a:off x="0" y="0"/>
+          <a:ext cx="0" cy="0"/>
+          <a:chOff x="0" y="0"/>
+          <a:chExt cx="0" cy="0"/>
+        </a:xfrm>
+      </p:grpSpPr>
+      <p:sp>
+        <p:nvSpPr>
+          <p:cNvPr id="2" name="投影片影像版面配置區 1"/>
+          <p:cNvSpPr>
+            <a:spLocks noGrp="1" noRot="1" noChangeAspect="1"/>
+          </p:cNvSpPr>
+          <p:nvPr>
+            <p:ph type="sldImg"/>
+          </p:nvPr>
+        </p:nvSpPr>
+        <p:spPr/>
+      </p:sp>
+      <p:sp>
+        <p:nvSpPr>
+          <p:cNvPr id="3" name="備忘稿版面配置區 2"/>
+          <p:cNvSpPr>
+            <a:spLocks noGrp="1"/>
+          </p:cNvSpPr>
+          <p:nvPr>
+            <p:ph type="body" idx="1"/>
+          </p:nvPr>
+        </p:nvSpPr>
+        <p:spPr/>
+        <p:txBody>
+          <a:bodyPr/>
+          <a:lstStyle/>
+          <a:p>
+            <a:r>
+              <a:rPr lang="en-US" altLang="zh-TW" dirty="0"/>
+              <a:t>ESC</a:t>
+            </a:r>
+            <a:r>
+              <a:rPr lang="zh-TW" altLang="en-US" dirty="0"/>
+              <a:t> 離開</a:t>
+            </a:r>
+          </a:p>
+        </p:txBody>
+      </p:sp>
+      <p:sp>
+        <p:nvSpPr>
+          <p:cNvPr id="4" name="投影片編號版面配置區 3"/>
+          <p:cNvSpPr>
+            <a:spLocks noGrp="1"/>
+          </p:cNvSpPr>
+          <p:nvPr>
+            <p:ph type="sldNum" sz="quarter" idx="5"/>
+          </p:nvPr>
+        </p:nvSpPr>
+        <p:spPr/>
+        <p:txBody>
+          <a:bodyPr/>
+          <a:lstStyle/>
+          <a:p>
+            <a:fld id="{518DE363-99AB-4E1F-93EC-5DED477F94EE}" type="slidenum">
+              <a:rPr lang="zh-TW" altLang="en-US" smtClean="0"/>
+              <a:t>2</a:t>
+            </a:fld>
+            <a:endParaRPr lang="zh-TW" altLang="en-US"/>
+          </a:p>
+        </p:txBody>
+      </p:sp>
+    </p:spTree>
+    <p:extLst>
+      <p:ext uri="{BB962C8B-B14F-4D97-AF65-F5344CB8AC3E}">
+        <p14:creationId xmlns:p14="http://schemas.microsoft.com/office/powerpoint/2010/main" val="4072888895"/>
+      </p:ext>
+    </p:extLst>
+  </p:cSld>
+  <p:clrMapOvr>
+    <a:masterClrMapping/>
+  </p:clrMapOvr>
+</p:notes>
+</file>
+
+<file path=ppt/notesSlides/notesSlide2.xml><?xml version="1.0" encoding="utf-8"?>
+<p:notes xmlns:a="http://schemas.openxmlformats.org/drawingml/2006/main" xmlns:r="http://schemas.openxmlformats.org/officeDocument/2006/relationships" xmlns:p="http://schemas.openxmlformats.org/presentationml/2006/main">
+  <p:cSld>
+    <p:spTree>
+      <p:nvGrpSpPr>
+        <p:cNvPr id="1" name=""/>
+        <p:cNvGrpSpPr/>
+        <p:nvPr/>
+      </p:nvGrpSpPr>
+      <p:grpSpPr>
+        <a:xfrm>
+          <a:off x="0" y="0"/>
+          <a:ext cx="0" cy="0"/>
+          <a:chOff x="0" y="0"/>
+          <a:chExt cx="0" cy="0"/>
+        </a:xfrm>
+      </p:grpSpPr>
+      <p:sp>
+        <p:nvSpPr>
+          <p:cNvPr id="2" name="投影片影像版面配置區 1"/>
+          <p:cNvSpPr>
+            <a:spLocks noGrp="1" noRot="1" noChangeAspect="1"/>
+          </p:cNvSpPr>
+          <p:nvPr>
+            <p:ph type="sldImg"/>
+          </p:nvPr>
+        </p:nvSpPr>
+        <p:spPr/>
+      </p:sp>
+      <p:sp>
+        <p:nvSpPr>
+          <p:cNvPr id="3" name="備忘稿版面配置區 2"/>
+          <p:cNvSpPr>
+            <a:spLocks noGrp="1"/>
+          </p:cNvSpPr>
+          <p:nvPr>
+            <p:ph type="body" idx="1"/>
+          </p:nvPr>
+        </p:nvSpPr>
+        <p:spPr/>
+        <p:txBody>
+          <a:bodyPr/>
+          <a:lstStyle/>
+          <a:p>
+            <a:r>
+              <a:rPr lang="zh-TW" altLang="en-US" b="1" dirty="0"/>
+              <a:t>將畫面切分成</a:t>
+            </a:r>
+            <a:r>
+              <a:rPr lang="en-US" altLang="zh-TW" b="1" dirty="0"/>
+              <a:t>Tile</a:t>
+            </a:r>
+            <a:r>
+              <a:rPr lang="zh-TW" altLang="en-US" b="1" dirty="0"/>
+              <a:t> 使用</a:t>
+            </a:r>
+            <a:r>
+              <a:rPr lang="en-US" altLang="zh-TW" b="1" dirty="0"/>
+              <a:t>Resource Compiler</a:t>
+            </a:r>
+            <a:r>
+              <a:rPr lang="zh-TW" altLang="en-US" b="1" dirty="0"/>
+              <a:t>編譯成</a:t>
+            </a:r>
+            <a:r>
+              <a:rPr lang="en-US" altLang="zh-TW" b="1" dirty="0"/>
+              <a:t>obj</a:t>
+            </a:r>
+            <a:r>
+              <a:rPr lang="zh-TW" altLang="en-US" b="1" dirty="0"/>
+              <a:t> 透過</a:t>
+            </a:r>
+            <a:r>
+              <a:rPr lang="en-US" altLang="zh-TW" b="1" dirty="0"/>
+              <a:t>link</a:t>
+            </a:r>
+            <a:r>
+              <a:rPr lang="zh-TW" altLang="en-US" b="1" dirty="0"/>
+              <a:t>連結</a:t>
+            </a:r>
+            <a:endParaRPr lang="en-US" altLang="zh-TW" b="1" dirty="0"/>
+          </a:p>
+          <a:p>
+            <a:pPr marL="0" marR="0" lvl="0" indent="0" algn="l" defTabSz="914400" rtl="0" eaLnBrk="1" fontAlgn="auto" latinLnBrk="0" hangingPunct="1">
+              <a:lnSpc>
+                <a:spcPct val="100000"/>
+              </a:lnSpc>
+              <a:spcBef>
+                <a:spcPts val="0"/>
+              </a:spcBef>
+              <a:spcAft>
+                <a:spcPts val="0"/>
+              </a:spcAft>
+              <a:buClrTx/>
+              <a:buSzTx/>
+              <a:buFontTx/>
+              <a:buNone/>
+              <a:tabLst/>
+              <a:defRPr/>
+            </a:pPr>
+            <a:r>
+              <a:rPr lang="zh-TW" altLang="en-US" b="1" dirty="0"/>
+              <a:t>右方</a:t>
+            </a:r>
+            <a:r>
+              <a:rPr lang="zh-TW" altLang="en-US" b="0" dirty="0"/>
+              <a:t>遊戲邏輯流程圖</a:t>
+            </a:r>
+            <a:endParaRPr lang="en-US" altLang="zh-TW" b="1" dirty="0"/>
+          </a:p>
+          <a:p>
+            <a:endParaRPr lang="en-US" altLang="zh-TW" b="1" dirty="0"/>
+          </a:p>
+        </p:txBody>
+      </p:sp>
+      <p:sp>
+        <p:nvSpPr>
+          <p:cNvPr id="4" name="投影片編號版面配置區 3"/>
+          <p:cNvSpPr>
+            <a:spLocks noGrp="1"/>
+          </p:cNvSpPr>
+          <p:nvPr>
+            <p:ph type="sldNum" sz="quarter" idx="5"/>
+          </p:nvPr>
+        </p:nvSpPr>
+        <p:spPr/>
+        <p:txBody>
+          <a:bodyPr/>
+          <a:lstStyle/>
+          <a:p>
+            <a:fld id="{518DE363-99AB-4E1F-93EC-5DED477F94EE}" type="slidenum">
+              <a:rPr lang="zh-TW" altLang="en-US" smtClean="0"/>
+              <a:t>3</a:t>
+            </a:fld>
+            <a:endParaRPr lang="zh-TW" altLang="en-US"/>
+          </a:p>
+        </p:txBody>
+      </p:sp>
+    </p:spTree>
+    <p:extLst>
+      <p:ext uri="{BB962C8B-B14F-4D97-AF65-F5344CB8AC3E}">
+        <p14:creationId xmlns:p14="http://schemas.microsoft.com/office/powerpoint/2010/main" val="1761270733"/>
+      </p:ext>
+    </p:extLst>
+  </p:cSld>
+  <p:clrMapOvr>
+    <a:masterClrMapping/>
+  </p:clrMapOvr>
+</p:notes>
 </file>
 
 <file path=ppt/slideLayouts/slideLayout1.xml><?xml version="1.0" encoding="utf-8"?>
@@ -3872,8 +4466,17 @@
           <a:lstStyle/>
           <a:p>
             <a:r>
-              <a:rPr lang="zh-TW" altLang="en-US" dirty="0"/>
-              <a:t>推箱子</a:t>
+              <a:rPr lang="zh-TW" altLang="en-US" sz="2400" dirty="0">
+                <a:latin typeface="微軟正黑體" panose="020B0604030504040204" pitchFamily="34" charset="-120"/>
+              </a:rPr>
+              <a:t>組合語言語系統程式期末專題</a:t>
+            </a:r>
+            <a:br>
+              <a:rPr lang="en-US" altLang="zh-TW" dirty="0"/>
+            </a:br>
+            <a:r>
+              <a:rPr lang="zh-TW" altLang="en-US" b="1" dirty="0"/>
+              <a:t>推箱子遊戲</a:t>
             </a:r>
           </a:p>
         </p:txBody>
@@ -3947,10 +4550,62 @@
       </p:grpSpPr>
       <p:sp>
         <p:nvSpPr>
+          <p:cNvPr id="9" name="矩形 8">
+            <a:extLst>
+              <a:ext uri="{FF2B5EF4-FFF2-40B4-BE49-F238E27FC236}">
+                <a16:creationId xmlns:a16="http://schemas.microsoft.com/office/drawing/2014/main" id="{ED8A86B6-582D-4E8E-9F50-8965CDFD585D}"/>
+              </a:ext>
+            </a:extLst>
+          </p:cNvPr>
+          <p:cNvSpPr/>
+          <p:nvPr/>
+        </p:nvSpPr>
+        <p:spPr>
+          <a:xfrm>
+            <a:off x="8398041" y="1801906"/>
+            <a:ext cx="2700265" cy="4715436"/>
+          </a:xfrm>
+          <a:prstGeom prst="rect">
+            <a:avLst/>
+          </a:prstGeom>
+          <a:solidFill>
+            <a:schemeClr val="bg1"/>
+          </a:solidFill>
+          <a:ln>
+            <a:noFill/>
+          </a:ln>
+        </p:spPr>
+        <p:style>
+          <a:lnRef idx="2">
+            <a:schemeClr val="accent1">
+              <a:shade val="50000"/>
+            </a:schemeClr>
+          </a:lnRef>
+          <a:fillRef idx="1">
+            <a:schemeClr val="accent1"/>
+          </a:fillRef>
+          <a:effectRef idx="0">
+            <a:schemeClr val="accent1"/>
+          </a:effectRef>
+          <a:fontRef idx="minor">
+            <a:schemeClr val="lt1"/>
+          </a:fontRef>
+        </p:style>
+        <p:txBody>
+          <a:bodyPr rtlCol="0" anchor="ctr"/>
+          <a:lstStyle/>
+          <a:p>
+            <a:pPr algn="ctr"/>
+            <a:endParaRPr lang="zh-TW" altLang="en-US"/>
+          </a:p>
+        </p:txBody>
+      </p:sp>
+      <p:sp>
+        <p:nvSpPr>
           <p:cNvPr id="2" name="標題 1">
             <a:extLst>
               <a:ext uri="{FF2B5EF4-FFF2-40B4-BE49-F238E27FC236}">
-                <a16:creationId xmlns:a16="http://schemas.microsoft.com/office/drawing/2014/main" id="{5C3C57D1-E3F3-4FD0-8F3E-932797E7C18B}"/>
+                <a16:creationId xmlns:a16="http://schemas.microsoft.com/office/drawing/2014/main" id="{B6472800-251C-452F-ABC5-7A455BC542B2}"/>
               </a:ext>
             </a:extLst>
           </p:cNvPr>
@@ -3964,7 +4619,7 @@
         <p:spPr>
           <a:xfrm>
             <a:off x="1371600" y="685800"/>
-            <a:ext cx="9601200" cy="1014413"/>
+            <a:ext cx="5855368" cy="1485900"/>
           </a:xfrm>
         </p:spPr>
         <p:txBody>
@@ -3972,6 +4627,2207 @@
           <a:lstStyle/>
           <a:p>
             <a:r>
+              <a:rPr lang="zh-TW" altLang="en-US" dirty="0">
+                <a:latin typeface="微軟正黑體" panose="020B0604030504040204" pitchFamily="34" charset="-120"/>
+              </a:rPr>
+              <a:t>遊戲玩法與規則</a:t>
+            </a:r>
+            <a:endParaRPr lang="zh-TW" altLang="en-US" dirty="0"/>
+          </a:p>
+        </p:txBody>
+      </p:sp>
+      <p:sp>
+        <p:nvSpPr>
+          <p:cNvPr id="3" name="內容版面配置區 2">
+            <a:extLst>
+              <a:ext uri="{FF2B5EF4-FFF2-40B4-BE49-F238E27FC236}">
+                <a16:creationId xmlns:a16="http://schemas.microsoft.com/office/drawing/2014/main" id="{D89B406C-E824-467B-9253-23F67C692545}"/>
+              </a:ext>
+            </a:extLst>
+          </p:cNvPr>
+          <p:cNvSpPr>
+            <a:spLocks noGrp="1"/>
+          </p:cNvSpPr>
+          <p:nvPr>
+            <p:ph idx="1"/>
+          </p:nvPr>
+        </p:nvSpPr>
+        <p:spPr>
+          <a:xfrm>
+            <a:off x="1371600" y="2286000"/>
+            <a:ext cx="7026442" cy="3581400"/>
+          </a:xfrm>
+        </p:spPr>
+        <p:txBody>
+          <a:bodyPr>
+            <a:normAutofit lnSpcReduction="10000"/>
+          </a:bodyPr>
+          <a:lstStyle/>
+          <a:p>
+            <a:r>
+              <a:rPr lang="zh-TW" altLang="en-US" sz="2400" dirty="0"/>
+              <a:t>鍵盤上下左右移動角色</a:t>
+            </a:r>
+            <a:endParaRPr lang="en-US" altLang="zh-TW" sz="2400" dirty="0"/>
+          </a:p>
+          <a:p>
+            <a:r>
+              <a:rPr lang="zh-TW" altLang="en-US" sz="2400" dirty="0"/>
+              <a:t>若木桶旁有空間則可以被推動</a:t>
+            </a:r>
+            <a:endParaRPr lang="en-US" altLang="zh-TW" sz="2400" dirty="0"/>
+          </a:p>
+          <a:p>
+            <a:r>
+              <a:rPr lang="zh-TW" altLang="en-US" sz="2400" dirty="0"/>
+              <a:t>不能一次推動兩個木桶</a:t>
+            </a:r>
+            <a:endParaRPr lang="en-US" altLang="zh-TW" sz="2400" dirty="0"/>
+          </a:p>
+          <a:p>
+            <a:r>
+              <a:rPr lang="zh-TW" altLang="en-US" sz="2400" dirty="0"/>
+              <a:t>遇到敵人可以推動，要消耗一次移動次數</a:t>
+            </a:r>
+            <a:endParaRPr lang="en-US" altLang="zh-TW" sz="2400" dirty="0"/>
+          </a:p>
+          <a:p>
+            <a:r>
+              <a:rPr lang="zh-TW" altLang="en-US" sz="2400" dirty="0"/>
+              <a:t>若將敵人推向牆壁或尖刺可以消滅敵人</a:t>
+            </a:r>
+            <a:endParaRPr lang="en-US" altLang="zh-TW" sz="2400" dirty="0"/>
+          </a:p>
+          <a:p>
+            <a:r>
+              <a:rPr lang="zh-TW" altLang="en-US" sz="2400" dirty="0"/>
+              <a:t>每個關卡有限定移動次數</a:t>
+            </a:r>
+            <a:br>
+              <a:rPr lang="en-US" altLang="zh-TW" sz="2400" dirty="0"/>
+            </a:br>
+            <a:r>
+              <a:rPr lang="zh-TW" altLang="en-US" sz="2400" dirty="0"/>
+              <a:t>次數用盡則關卡重啟</a:t>
+            </a:r>
+            <a:endParaRPr lang="en-US" altLang="zh-TW" sz="2400" dirty="0"/>
+          </a:p>
+          <a:p>
+            <a:r>
+              <a:rPr lang="zh-TW" altLang="en-US" sz="2400" dirty="0"/>
+              <a:t>到達樓梯則進入下一層</a:t>
+            </a:r>
+            <a:endParaRPr lang="en-US" altLang="zh-TW" sz="2400" dirty="0"/>
+          </a:p>
+          <a:p>
+            <a:endParaRPr lang="en-US" altLang="zh-TW" dirty="0"/>
+          </a:p>
+        </p:txBody>
+      </p:sp>
+      <p:pic>
+        <p:nvPicPr>
+          <p:cNvPr id="4" name="圖片 3">
+            <a:extLst>
+              <a:ext uri="{FF2B5EF4-FFF2-40B4-BE49-F238E27FC236}">
+                <a16:creationId xmlns:a16="http://schemas.microsoft.com/office/drawing/2014/main" id="{3A2F1F8F-D97A-43A4-A695-0706A21F188E}"/>
+              </a:ext>
+            </a:extLst>
+          </p:cNvPr>
+          <p:cNvPicPr>
+            <a:picLocks noChangeAspect="1"/>
+          </p:cNvPicPr>
+          <p:nvPr/>
+        </p:nvPicPr>
+        <p:blipFill>
+          <a:blip r:embed="rId3"/>
+          <a:stretch>
+            <a:fillRect/>
+          </a:stretch>
+        </p:blipFill>
+        <p:spPr>
+          <a:xfrm>
+            <a:off x="8515006" y="3485148"/>
+            <a:ext cx="2457793" cy="2934109"/>
+          </a:xfrm>
+          <a:prstGeom prst="rect">
+            <a:avLst/>
+          </a:prstGeom>
+        </p:spPr>
+      </p:pic>
+      <p:sp>
+        <p:nvSpPr>
+          <p:cNvPr id="6" name="標題 1">
+            <a:extLst>
+              <a:ext uri="{FF2B5EF4-FFF2-40B4-BE49-F238E27FC236}">
+                <a16:creationId xmlns:a16="http://schemas.microsoft.com/office/drawing/2014/main" id="{91A4396F-77E0-40EC-862A-1782E42A7540}"/>
+              </a:ext>
+            </a:extLst>
+          </p:cNvPr>
+          <p:cNvSpPr txBox="1">
+            <a:spLocks/>
+          </p:cNvSpPr>
+          <p:nvPr/>
+        </p:nvSpPr>
+        <p:spPr>
+          <a:xfrm>
+            <a:off x="8515006" y="787493"/>
+            <a:ext cx="2457793" cy="1014413"/>
+          </a:xfrm>
+          <a:prstGeom prst="rect">
+            <a:avLst/>
+          </a:prstGeom>
+        </p:spPr>
+        <p:txBody>
+          <a:bodyPr vert="horz" lIns="91440" tIns="45720" rIns="91440" bIns="45720" rtlCol="0" anchor="ctr">
+            <a:normAutofit/>
+          </a:bodyPr>
+          <a:lstStyle>
+            <a:lvl1pPr algn="l" defTabSz="914400" rtl="0" eaLnBrk="1" latinLnBrk="0" hangingPunct="1">
+              <a:lnSpc>
+                <a:spcPct val="89000"/>
+              </a:lnSpc>
+              <a:spcBef>
+                <a:spcPct val="0"/>
+              </a:spcBef>
+              <a:buNone/>
+              <a:defRPr sz="4400" kern="1200" baseline="0">
+                <a:solidFill>
+                  <a:schemeClr val="tx2"/>
+                </a:solidFill>
+                <a:latin typeface="+mj-lt"/>
+                <a:ea typeface="+mj-ea"/>
+                <a:cs typeface="+mj-cs"/>
+              </a:defRPr>
+            </a:lvl1pPr>
+          </a:lstStyle>
+          <a:p>
+            <a:r>
+              <a:rPr lang="zh-TW" altLang="en-US" dirty="0">
+                <a:latin typeface="微軟正黑體" panose="020B0604030504040204" pitchFamily="34" charset="-120"/>
+              </a:rPr>
+              <a:t>遊戲畫面</a:t>
+            </a:r>
+            <a:endParaRPr lang="zh-TW" altLang="en-US" dirty="0"/>
+          </a:p>
+        </p:txBody>
+      </p:sp>
+      <p:pic>
+        <p:nvPicPr>
+          <p:cNvPr id="7" name="圖片 6">
+            <a:extLst>
+              <a:ext uri="{FF2B5EF4-FFF2-40B4-BE49-F238E27FC236}">
+                <a16:creationId xmlns:a16="http://schemas.microsoft.com/office/drawing/2014/main" id="{DEE8C8CE-71EC-4778-B52F-110DE12B600A}"/>
+              </a:ext>
+            </a:extLst>
+          </p:cNvPr>
+          <p:cNvPicPr>
+            <a:picLocks noChangeAspect="1"/>
+          </p:cNvPicPr>
+          <p:nvPr/>
+        </p:nvPicPr>
+        <p:blipFill rotWithShape="1">
+          <a:blip r:embed="rId4"/>
+          <a:srcRect t="38469" b="12139"/>
+          <a:stretch/>
+        </p:blipFill>
+        <p:spPr>
+          <a:xfrm>
+            <a:off x="8515006" y="1921620"/>
+            <a:ext cx="2457793" cy="1449228"/>
+          </a:xfrm>
+          <a:prstGeom prst="rect">
+            <a:avLst/>
+          </a:prstGeom>
+        </p:spPr>
+      </p:pic>
+      <p:sp>
+        <p:nvSpPr>
+          <p:cNvPr id="8" name="文字方塊 7">
+            <a:extLst>
+              <a:ext uri="{FF2B5EF4-FFF2-40B4-BE49-F238E27FC236}">
+                <a16:creationId xmlns:a16="http://schemas.microsoft.com/office/drawing/2014/main" id="{ACE76D86-BC3F-4A7D-9B01-C3E9ABC77A1F}"/>
+              </a:ext>
+            </a:extLst>
+          </p:cNvPr>
+          <p:cNvSpPr txBox="1"/>
+          <p:nvPr/>
+        </p:nvSpPr>
+        <p:spPr>
+          <a:xfrm>
+            <a:off x="1775012" y="6003758"/>
+            <a:ext cx="4812215" cy="830997"/>
+          </a:xfrm>
+          <a:prstGeom prst="rect">
+            <a:avLst/>
+          </a:prstGeom>
+          <a:noFill/>
+        </p:spPr>
+        <p:txBody>
+          <a:bodyPr wrap="none" rtlCol="0">
+            <a:spAutoFit/>
+          </a:bodyPr>
+          <a:lstStyle/>
+          <a:p>
+            <a:r>
+              <a:rPr lang="zh-TW" altLang="en-US" sz="2400" dirty="0"/>
+              <a:t>遊戲玩法啟發自遊戲作品 </a:t>
+            </a:r>
+            <a:r>
+              <a:rPr lang="en-US" altLang="zh-TW" sz="2400" dirty="0"/>
+              <a:t>Helltaker</a:t>
+            </a:r>
+          </a:p>
+          <a:p>
+            <a:endParaRPr lang="zh-TW" altLang="en-US" sz="2400" dirty="0"/>
+          </a:p>
+        </p:txBody>
+      </p:sp>
+    </p:spTree>
+    <p:extLst>
+      <p:ext uri="{BB962C8B-B14F-4D97-AF65-F5344CB8AC3E}">
+        <p14:creationId xmlns:p14="http://schemas.microsoft.com/office/powerpoint/2010/main" val="2517844915"/>
+      </p:ext>
+    </p:extLst>
+  </p:cSld>
+  <p:clrMapOvr>
+    <a:masterClrMapping/>
+  </p:clrMapOvr>
+</p:sld>
+</file>
+
+<file path=ppt/slides/slide3.xml><?xml version="1.0" encoding="utf-8"?>
+<p:sld xmlns:a="http://schemas.openxmlformats.org/drawingml/2006/main" xmlns:r="http://schemas.openxmlformats.org/officeDocument/2006/relationships" xmlns:p="http://schemas.openxmlformats.org/presentationml/2006/main">
+  <p:cSld>
+    <p:spTree>
+      <p:nvGrpSpPr>
+        <p:cNvPr id="1" name=""/>
+        <p:cNvGrpSpPr/>
+        <p:nvPr/>
+      </p:nvGrpSpPr>
+      <p:grpSpPr>
+        <a:xfrm>
+          <a:off x="0" y="0"/>
+          <a:ext cx="0" cy="0"/>
+          <a:chOff x="0" y="0"/>
+          <a:chExt cx="0" cy="0"/>
+        </a:xfrm>
+      </p:grpSpPr>
+      <p:sp>
+        <p:nvSpPr>
+          <p:cNvPr id="2" name="標題 1">
+            <a:extLst>
+              <a:ext uri="{FF2B5EF4-FFF2-40B4-BE49-F238E27FC236}">
+                <a16:creationId xmlns:a16="http://schemas.microsoft.com/office/drawing/2014/main" id="{0988D19D-934E-4CE3-869A-50A478611572}"/>
+              </a:ext>
+            </a:extLst>
+          </p:cNvPr>
+          <p:cNvSpPr>
+            <a:spLocks noGrp="1"/>
+          </p:cNvSpPr>
+          <p:nvPr>
+            <p:ph type="title"/>
+          </p:nvPr>
+        </p:nvSpPr>
+        <p:spPr>
+          <a:xfrm>
+            <a:off x="1371600" y="685800"/>
+            <a:ext cx="4128986" cy="1485900"/>
+          </a:xfrm>
+        </p:spPr>
+        <p:txBody>
+          <a:bodyPr anchor="ctr"/>
+          <a:lstStyle/>
+          <a:p>
+            <a:r>
+              <a:rPr lang="zh-TW" altLang="en-US" dirty="0">
+                <a:latin typeface="微軟正黑體" panose="020B0604030504040204" pitchFamily="34" charset="-120"/>
+              </a:rPr>
+              <a:t>程式架構與流程</a:t>
+            </a:r>
+            <a:endParaRPr lang="zh-TW" altLang="en-US" dirty="0"/>
+          </a:p>
+        </p:txBody>
+      </p:sp>
+      <p:sp>
+        <p:nvSpPr>
+          <p:cNvPr id="4" name="文字方塊 3">
+            <a:extLst>
+              <a:ext uri="{FF2B5EF4-FFF2-40B4-BE49-F238E27FC236}">
+                <a16:creationId xmlns:a16="http://schemas.microsoft.com/office/drawing/2014/main" id="{71695F58-16DD-406C-BAB5-B1CC7640D13D}"/>
+              </a:ext>
+            </a:extLst>
+          </p:cNvPr>
+          <p:cNvSpPr txBox="1"/>
+          <p:nvPr/>
+        </p:nvSpPr>
+        <p:spPr>
+          <a:xfrm>
+            <a:off x="1020795" y="2030003"/>
+            <a:ext cx="5666679" cy="4278094"/>
+          </a:xfrm>
+          <a:prstGeom prst="rect">
+            <a:avLst/>
+          </a:prstGeom>
+          <a:noFill/>
+        </p:spPr>
+        <p:txBody>
+          <a:bodyPr wrap="square" rtlCol="0">
+            <a:spAutoFit/>
+          </a:bodyPr>
+          <a:lstStyle/>
+          <a:p>
+            <a:pPr marL="342900" indent="-342900">
+              <a:buFont typeface="+mj-lt"/>
+              <a:buAutoNum type="arabicPeriod"/>
+            </a:pPr>
+            <a:r>
+              <a:rPr lang="zh-TW" altLang="en-US" b="1" dirty="0"/>
+              <a:t>定義</a:t>
+            </a:r>
+            <a:r>
+              <a:rPr lang="en-US" altLang="zh-TW" b="1" dirty="0"/>
+              <a:t>WNDCLASS STRUCT </a:t>
+            </a:r>
+            <a:r>
+              <a:rPr lang="zh-TW" altLang="en-US" b="1" dirty="0"/>
+              <a:t>的內容決定多個視窗參數。</a:t>
+            </a:r>
+          </a:p>
+          <a:p>
+            <a:pPr marL="342900" indent="-342900">
+              <a:buFont typeface="+mj-lt"/>
+              <a:buAutoNum type="arabicPeriod"/>
+            </a:pPr>
+            <a:r>
+              <a:rPr lang="zh-TW" altLang="en-US" b="1" dirty="0"/>
+              <a:t>透過 </a:t>
+            </a:r>
+            <a:r>
+              <a:rPr lang="en-US" altLang="zh-TW" b="1" dirty="0"/>
+              <a:t>CreateWindow</a:t>
+            </a:r>
+            <a:r>
+              <a:rPr lang="zh-TW" altLang="en-US" b="1" dirty="0"/>
+              <a:t>建立視窗</a:t>
+            </a:r>
+          </a:p>
+          <a:p>
+            <a:pPr marL="342900" indent="-342900">
+              <a:buFont typeface="+mj-lt"/>
+              <a:buAutoNum type="arabicPeriod"/>
+            </a:pPr>
+            <a:r>
+              <a:rPr lang="zh-TW" altLang="en-US" b="1" dirty="0"/>
+              <a:t>透過</a:t>
+            </a:r>
+            <a:r>
+              <a:rPr lang="en-US" altLang="zh-TW" b="1" dirty="0"/>
+              <a:t>WIN API</a:t>
+            </a:r>
+            <a:r>
+              <a:rPr lang="zh-TW" altLang="en-US" b="1" dirty="0"/>
+              <a:t>的事件迴圈，處理事件</a:t>
+            </a:r>
+          </a:p>
+          <a:p>
+            <a:pPr marL="540000" lvl="1" indent="-285750">
+              <a:spcBef>
+                <a:spcPts val="600"/>
+              </a:spcBef>
+              <a:buFont typeface="Arial" panose="020B0604020202020204" pitchFamily="34" charset="0"/>
+              <a:buChar char="•"/>
+            </a:pPr>
+            <a:r>
+              <a:rPr lang="en-US" altLang="zh-TW" b="1" dirty="0"/>
+              <a:t>WM_CREATE</a:t>
+            </a:r>
+            <a:br>
+              <a:rPr lang="en-US" altLang="zh-TW" b="1" dirty="0"/>
+            </a:br>
+            <a:r>
+              <a:rPr lang="zh-TW" altLang="en-US" b="1" dirty="0"/>
+              <a:t>視窗創建後傳送，載入</a:t>
+            </a:r>
+            <a:r>
+              <a:rPr lang="en-US" altLang="zh-TW" b="1" dirty="0"/>
+              <a:t>Bitmaps</a:t>
+            </a:r>
+            <a:r>
+              <a:rPr lang="zh-TW" altLang="en-US" b="1" dirty="0"/>
+              <a:t>並取得它們的</a:t>
+            </a:r>
+            <a:r>
+              <a:rPr lang="en-US" altLang="zh-TW" b="1" dirty="0"/>
+              <a:t>handle</a:t>
+            </a:r>
+            <a:r>
+              <a:rPr lang="zh-TW" altLang="en-US" b="1" dirty="0"/>
+              <a:t>，供繪製畫面時使用。</a:t>
+            </a:r>
+          </a:p>
+          <a:p>
+            <a:pPr marL="540000" lvl="1" indent="-285750">
+              <a:spcBef>
+                <a:spcPts val="600"/>
+              </a:spcBef>
+              <a:buFont typeface="Arial" panose="020B0604020202020204" pitchFamily="34" charset="0"/>
+              <a:buChar char="•"/>
+            </a:pPr>
+            <a:r>
+              <a:rPr lang="en-US" altLang="zh-TW" b="1" dirty="0"/>
+              <a:t>WM_PAINT</a:t>
+            </a:r>
+            <a:br>
+              <a:rPr lang="en-US" altLang="zh-TW" b="1" dirty="0"/>
+            </a:br>
+            <a:r>
+              <a:rPr lang="zh-TW" altLang="en-US" b="1" dirty="0"/>
+              <a:t>需要更新視窗時傳送，依照每個</a:t>
+            </a:r>
+            <a:r>
+              <a:rPr lang="en-US" altLang="zh-TW" b="1" dirty="0"/>
+              <a:t>Tile</a:t>
+            </a:r>
+            <a:r>
+              <a:rPr lang="zh-TW" altLang="en-US" b="1" dirty="0"/>
+              <a:t>的狀態處理遊戲內容的渲染。</a:t>
+            </a:r>
+          </a:p>
+          <a:p>
+            <a:pPr marL="540000" lvl="1" indent="-285750">
+              <a:spcBef>
+                <a:spcPts val="600"/>
+              </a:spcBef>
+              <a:buFont typeface="Arial" panose="020B0604020202020204" pitchFamily="34" charset="0"/>
+              <a:buChar char="•"/>
+            </a:pPr>
+            <a:r>
+              <a:rPr lang="en-US" altLang="zh-TW" b="1" dirty="0"/>
+              <a:t>WM_KEYUP</a:t>
+            </a:r>
+            <a:br>
+              <a:rPr lang="en-US" altLang="zh-TW" b="1" dirty="0"/>
+            </a:br>
+            <a:r>
+              <a:rPr lang="zh-TW" altLang="en-US" b="1" dirty="0"/>
+              <a:t>針對按下按鍵的</a:t>
+            </a:r>
+            <a:r>
+              <a:rPr lang="en-US" altLang="zh-TW" b="1" dirty="0"/>
+              <a:t>Key Code</a:t>
+            </a:r>
+            <a:r>
+              <a:rPr lang="zh-TW" altLang="en-US" b="1" dirty="0"/>
+              <a:t>，依據遊戲邏輯修改狀態。</a:t>
+            </a:r>
+          </a:p>
+          <a:p>
+            <a:pPr marL="540000" lvl="1" indent="-285750">
+              <a:spcBef>
+                <a:spcPts val="600"/>
+              </a:spcBef>
+              <a:buFont typeface="Arial" panose="020B0604020202020204" pitchFamily="34" charset="0"/>
+              <a:buChar char="•"/>
+            </a:pPr>
+            <a:r>
+              <a:rPr lang="en-US" altLang="zh-TW" b="1" dirty="0"/>
+              <a:t>WM_TIMER</a:t>
+            </a:r>
+            <a:br>
+              <a:rPr lang="en-US" altLang="zh-TW" b="1" dirty="0"/>
+            </a:br>
+            <a:r>
+              <a:rPr lang="zh-TW" altLang="en-US" b="1" dirty="0"/>
+              <a:t>使用計時器處理動畫與過場。</a:t>
+            </a:r>
+            <a:endParaRPr lang="en-US" altLang="zh-TW" b="1" dirty="0"/>
+          </a:p>
+        </p:txBody>
+      </p:sp>
+      <p:sp>
+        <p:nvSpPr>
+          <p:cNvPr id="5" name="矩形: 圓角 4">
+            <a:extLst>
+              <a:ext uri="{FF2B5EF4-FFF2-40B4-BE49-F238E27FC236}">
+                <a16:creationId xmlns:a16="http://schemas.microsoft.com/office/drawing/2014/main" id="{1DB4794A-37D2-42D5-BE68-A0AB693AB3E5}"/>
+              </a:ext>
+            </a:extLst>
+          </p:cNvPr>
+          <p:cNvSpPr/>
+          <p:nvPr/>
+        </p:nvSpPr>
+        <p:spPr>
+          <a:xfrm>
+            <a:off x="9846510" y="1014130"/>
+            <a:ext cx="1595019" cy="414619"/>
+          </a:xfrm>
+          <a:prstGeom prst="roundRect">
+            <a:avLst>
+              <a:gd name="adj" fmla="val 50000"/>
+            </a:avLst>
+          </a:prstGeom>
+          <a:ln w="38100">
+            <a:noFill/>
+          </a:ln>
+        </p:spPr>
+        <p:style>
+          <a:lnRef idx="2">
+            <a:schemeClr val="accent1">
+              <a:shade val="50000"/>
+            </a:schemeClr>
+          </a:lnRef>
+          <a:fillRef idx="1">
+            <a:schemeClr val="accent1"/>
+          </a:fillRef>
+          <a:effectRef idx="0">
+            <a:schemeClr val="accent1"/>
+          </a:effectRef>
+          <a:fontRef idx="minor">
+            <a:schemeClr val="lt1"/>
+          </a:fontRef>
+        </p:style>
+        <p:txBody>
+          <a:bodyPr rtlCol="0" anchor="ctr"/>
+          <a:lstStyle/>
+          <a:p>
+            <a:pPr algn="ctr"/>
+            <a:r>
+              <a:rPr lang="en-US" altLang="zh-TW" b="1" dirty="0"/>
+              <a:t>WM_KEYUP</a:t>
+            </a:r>
+            <a:endParaRPr lang="zh-TW" altLang="en-US" b="1" dirty="0"/>
+          </a:p>
+        </p:txBody>
+      </p:sp>
+      <p:sp>
+        <p:nvSpPr>
+          <p:cNvPr id="6" name="矩形: 圓角 5">
+            <a:extLst>
+              <a:ext uri="{FF2B5EF4-FFF2-40B4-BE49-F238E27FC236}">
+                <a16:creationId xmlns:a16="http://schemas.microsoft.com/office/drawing/2014/main" id="{953D838C-15D4-47C0-9E61-645FAFC4A763}"/>
+              </a:ext>
+            </a:extLst>
+          </p:cNvPr>
+          <p:cNvSpPr/>
+          <p:nvPr/>
+        </p:nvSpPr>
+        <p:spPr>
+          <a:xfrm>
+            <a:off x="9799783" y="5162913"/>
+            <a:ext cx="1783976" cy="582706"/>
+          </a:xfrm>
+          <a:prstGeom prst="roundRect">
+            <a:avLst>
+              <a:gd name="adj" fmla="val 50000"/>
+            </a:avLst>
+          </a:prstGeom>
+          <a:ln w="38100">
+            <a:noFill/>
+          </a:ln>
+        </p:spPr>
+        <p:style>
+          <a:lnRef idx="2">
+            <a:schemeClr val="accent1">
+              <a:shade val="50000"/>
+            </a:schemeClr>
+          </a:lnRef>
+          <a:fillRef idx="1">
+            <a:schemeClr val="accent1"/>
+          </a:fillRef>
+          <a:effectRef idx="0">
+            <a:schemeClr val="accent1"/>
+          </a:effectRef>
+          <a:fontRef idx="minor">
+            <a:schemeClr val="lt1"/>
+          </a:fontRef>
+        </p:style>
+        <p:txBody>
+          <a:bodyPr rtlCol="0" anchor="ctr"/>
+          <a:lstStyle/>
+          <a:p>
+            <a:pPr algn="ctr"/>
+            <a:r>
+              <a:rPr lang="en-US" altLang="zh-TW" dirty="0"/>
+              <a:t>END</a:t>
+            </a:r>
+            <a:endParaRPr lang="zh-TW" altLang="en-US" dirty="0"/>
+          </a:p>
+        </p:txBody>
+      </p:sp>
+      <p:sp>
+        <p:nvSpPr>
+          <p:cNvPr id="7" name="流程圖: 決策 6">
+            <a:extLst>
+              <a:ext uri="{FF2B5EF4-FFF2-40B4-BE49-F238E27FC236}">
+                <a16:creationId xmlns:a16="http://schemas.microsoft.com/office/drawing/2014/main" id="{C341A0F8-5645-4003-8A20-FFBE69CF6F74}"/>
+              </a:ext>
+            </a:extLst>
+          </p:cNvPr>
+          <p:cNvSpPr/>
+          <p:nvPr/>
+        </p:nvSpPr>
+        <p:spPr>
+          <a:xfrm>
+            <a:off x="7034811" y="2205150"/>
+            <a:ext cx="1335741" cy="829238"/>
+          </a:xfrm>
+          <a:prstGeom prst="flowChartDecision">
+            <a:avLst/>
+          </a:prstGeom>
+          <a:ln w="38100">
+            <a:noFill/>
+          </a:ln>
+        </p:spPr>
+        <p:style>
+          <a:lnRef idx="2">
+            <a:schemeClr val="accent1">
+              <a:shade val="50000"/>
+            </a:schemeClr>
+          </a:lnRef>
+          <a:fillRef idx="1">
+            <a:schemeClr val="accent1"/>
+          </a:fillRef>
+          <a:effectRef idx="0">
+            <a:schemeClr val="accent1"/>
+          </a:effectRef>
+          <a:fontRef idx="minor">
+            <a:schemeClr val="lt1"/>
+          </a:fontRef>
+        </p:style>
+        <p:txBody>
+          <a:bodyPr rtlCol="0" anchor="ctr"/>
+          <a:lstStyle/>
+          <a:p>
+            <a:pPr algn="ctr"/>
+            <a:r>
+              <a:rPr lang="zh-TW" altLang="en-US" b="1" dirty="0"/>
+              <a:t>木桶</a:t>
+            </a:r>
+          </a:p>
+        </p:txBody>
+      </p:sp>
+      <p:sp>
+        <p:nvSpPr>
+          <p:cNvPr id="8" name="流程圖: 決策 7">
+            <a:extLst>
+              <a:ext uri="{FF2B5EF4-FFF2-40B4-BE49-F238E27FC236}">
+                <a16:creationId xmlns:a16="http://schemas.microsoft.com/office/drawing/2014/main" id="{7E8D6B82-AEF8-468D-BEEA-F48561E418F4}"/>
+              </a:ext>
+            </a:extLst>
+          </p:cNvPr>
+          <p:cNvSpPr/>
+          <p:nvPr/>
+        </p:nvSpPr>
+        <p:spPr>
+          <a:xfrm>
+            <a:off x="8510769" y="2205150"/>
+            <a:ext cx="1335741" cy="829238"/>
+          </a:xfrm>
+          <a:prstGeom prst="flowChartDecision">
+            <a:avLst/>
+          </a:prstGeom>
+          <a:ln w="38100">
+            <a:noFill/>
+          </a:ln>
+        </p:spPr>
+        <p:style>
+          <a:lnRef idx="2">
+            <a:schemeClr val="accent1">
+              <a:shade val="50000"/>
+            </a:schemeClr>
+          </a:lnRef>
+          <a:fillRef idx="1">
+            <a:schemeClr val="accent1"/>
+          </a:fillRef>
+          <a:effectRef idx="0">
+            <a:schemeClr val="accent1"/>
+          </a:effectRef>
+          <a:fontRef idx="minor">
+            <a:schemeClr val="lt1"/>
+          </a:fontRef>
+        </p:style>
+        <p:txBody>
+          <a:bodyPr rtlCol="0" anchor="ctr"/>
+          <a:lstStyle/>
+          <a:p>
+            <a:pPr algn="ctr"/>
+            <a:r>
+              <a:rPr lang="zh-TW" altLang="en-US" b="1" dirty="0"/>
+              <a:t>敵人</a:t>
+            </a:r>
+          </a:p>
+        </p:txBody>
+      </p:sp>
+      <p:sp>
+        <p:nvSpPr>
+          <p:cNvPr id="9" name="流程圖: 決策 8">
+            <a:extLst>
+              <a:ext uri="{FF2B5EF4-FFF2-40B4-BE49-F238E27FC236}">
+                <a16:creationId xmlns:a16="http://schemas.microsoft.com/office/drawing/2014/main" id="{F9DFB389-BBA6-4A61-883F-965A2DDE0F65}"/>
+              </a:ext>
+            </a:extLst>
+          </p:cNvPr>
+          <p:cNvSpPr/>
+          <p:nvPr/>
+        </p:nvSpPr>
+        <p:spPr>
+          <a:xfrm>
+            <a:off x="9994006" y="2202619"/>
+            <a:ext cx="1335741" cy="829238"/>
+          </a:xfrm>
+          <a:prstGeom prst="flowChartDecision">
+            <a:avLst/>
+          </a:prstGeom>
+          <a:ln w="38100">
+            <a:noFill/>
+          </a:ln>
+        </p:spPr>
+        <p:style>
+          <a:lnRef idx="2">
+            <a:schemeClr val="accent1">
+              <a:shade val="50000"/>
+            </a:schemeClr>
+          </a:lnRef>
+          <a:fillRef idx="1">
+            <a:schemeClr val="accent1"/>
+          </a:fillRef>
+          <a:effectRef idx="0">
+            <a:schemeClr val="accent1"/>
+          </a:effectRef>
+          <a:fontRef idx="minor">
+            <a:schemeClr val="lt1"/>
+          </a:fontRef>
+        </p:style>
+        <p:txBody>
+          <a:bodyPr rtlCol="0" anchor="ctr"/>
+          <a:lstStyle/>
+          <a:p>
+            <a:pPr algn="ctr"/>
+            <a:r>
+              <a:rPr lang="zh-TW" altLang="en-US" b="1" dirty="0"/>
+              <a:t>階梯</a:t>
+            </a:r>
+          </a:p>
+        </p:txBody>
+      </p:sp>
+      <p:cxnSp>
+        <p:nvCxnSpPr>
+          <p:cNvPr id="10" name="接點: 肘形 9">
+            <a:extLst>
+              <a:ext uri="{FF2B5EF4-FFF2-40B4-BE49-F238E27FC236}">
+                <a16:creationId xmlns:a16="http://schemas.microsoft.com/office/drawing/2014/main" id="{4FCCF700-F1DC-435A-B405-810CF9E5E71F}"/>
+              </a:ext>
+            </a:extLst>
+          </p:cNvPr>
+          <p:cNvCxnSpPr>
+            <a:stCxn id="7" idx="3"/>
+            <a:endCxn id="8" idx="0"/>
+          </p:cNvCxnSpPr>
+          <p:nvPr/>
+        </p:nvCxnSpPr>
+        <p:spPr>
+          <a:xfrm flipV="1">
+            <a:off x="8370552" y="2205150"/>
+            <a:ext cx="808088" cy="414619"/>
+          </a:xfrm>
+          <a:prstGeom prst="bentConnector4">
+            <a:avLst>
+              <a:gd name="adj1" fmla="val 8676"/>
+              <a:gd name="adj2" fmla="val 155135"/>
+            </a:avLst>
+          </a:prstGeom>
+          <a:ln w="38100">
+            <a:tailEnd type="triangle"/>
+          </a:ln>
+        </p:spPr>
+        <p:style>
+          <a:lnRef idx="1">
+            <a:schemeClr val="accent1"/>
+          </a:lnRef>
+          <a:fillRef idx="0">
+            <a:schemeClr val="accent1"/>
+          </a:fillRef>
+          <a:effectRef idx="0">
+            <a:schemeClr val="accent1"/>
+          </a:effectRef>
+          <a:fontRef idx="minor">
+            <a:schemeClr val="tx1"/>
+          </a:fontRef>
+        </p:style>
+      </p:cxnSp>
+      <p:cxnSp>
+        <p:nvCxnSpPr>
+          <p:cNvPr id="11" name="接點: 肘形 10">
+            <a:extLst>
+              <a:ext uri="{FF2B5EF4-FFF2-40B4-BE49-F238E27FC236}">
+                <a16:creationId xmlns:a16="http://schemas.microsoft.com/office/drawing/2014/main" id="{34C159D7-3CA0-48E9-98F8-5916081B5056}"/>
+              </a:ext>
+            </a:extLst>
+          </p:cNvPr>
+          <p:cNvCxnSpPr>
+            <a:cxnSpLocks/>
+            <a:stCxn id="8" idx="3"/>
+            <a:endCxn id="9" idx="0"/>
+          </p:cNvCxnSpPr>
+          <p:nvPr/>
+        </p:nvCxnSpPr>
+        <p:spPr>
+          <a:xfrm flipV="1">
+            <a:off x="9846510" y="2202619"/>
+            <a:ext cx="815367" cy="417150"/>
+          </a:xfrm>
+          <a:prstGeom prst="bentConnector4">
+            <a:avLst>
+              <a:gd name="adj1" fmla="val 9045"/>
+              <a:gd name="adj2" fmla="val 154800"/>
+            </a:avLst>
+          </a:prstGeom>
+          <a:ln w="38100">
+            <a:tailEnd type="triangle"/>
+          </a:ln>
+        </p:spPr>
+        <p:style>
+          <a:lnRef idx="1">
+            <a:schemeClr val="accent1"/>
+          </a:lnRef>
+          <a:fillRef idx="0">
+            <a:schemeClr val="accent1"/>
+          </a:fillRef>
+          <a:effectRef idx="0">
+            <a:schemeClr val="accent1"/>
+          </a:effectRef>
+          <a:fontRef idx="minor">
+            <a:schemeClr val="tx1"/>
+          </a:fontRef>
+        </p:style>
+      </p:cxnSp>
+      <p:cxnSp>
+        <p:nvCxnSpPr>
+          <p:cNvPr id="12" name="接點: 肘形 11">
+            <a:extLst>
+              <a:ext uri="{FF2B5EF4-FFF2-40B4-BE49-F238E27FC236}">
+                <a16:creationId xmlns:a16="http://schemas.microsoft.com/office/drawing/2014/main" id="{7E50A0EA-B16C-4FB4-B7E0-E516B9C4E84C}"/>
+              </a:ext>
+            </a:extLst>
+          </p:cNvPr>
+          <p:cNvCxnSpPr>
+            <a:cxnSpLocks/>
+            <a:stCxn id="5" idx="2"/>
+            <a:endCxn id="26" idx="0"/>
+          </p:cNvCxnSpPr>
+          <p:nvPr/>
+        </p:nvCxnSpPr>
+        <p:spPr>
+          <a:xfrm rot="5400000" flipH="1">
+            <a:off x="9262616" y="47345"/>
+            <a:ext cx="50074" cy="2712735"/>
+          </a:xfrm>
+          <a:prstGeom prst="bentConnector5">
+            <a:avLst>
+              <a:gd name="adj1" fmla="val -456524"/>
+              <a:gd name="adj2" fmla="val 50012"/>
+              <a:gd name="adj3" fmla="val 556524"/>
+            </a:avLst>
+          </a:prstGeom>
+          <a:ln w="38100">
+            <a:tailEnd type="triangle"/>
+          </a:ln>
+        </p:spPr>
+        <p:style>
+          <a:lnRef idx="1">
+            <a:schemeClr val="accent1"/>
+          </a:lnRef>
+          <a:fillRef idx="0">
+            <a:schemeClr val="accent1"/>
+          </a:fillRef>
+          <a:effectRef idx="0">
+            <a:schemeClr val="accent1"/>
+          </a:effectRef>
+          <a:fontRef idx="minor">
+            <a:schemeClr val="tx1"/>
+          </a:fontRef>
+        </p:style>
+      </p:cxnSp>
+      <p:sp>
+        <p:nvSpPr>
+          <p:cNvPr id="13" name="矩形 12">
+            <a:extLst>
+              <a:ext uri="{FF2B5EF4-FFF2-40B4-BE49-F238E27FC236}">
+                <a16:creationId xmlns:a16="http://schemas.microsoft.com/office/drawing/2014/main" id="{E63F98C7-B25A-4828-8F86-D0F1E17F26CD}"/>
+              </a:ext>
+            </a:extLst>
+          </p:cNvPr>
+          <p:cNvSpPr/>
+          <p:nvPr/>
+        </p:nvSpPr>
+        <p:spPr>
+          <a:xfrm>
+            <a:off x="10079205" y="3348846"/>
+            <a:ext cx="1854855" cy="645460"/>
+          </a:xfrm>
+          <a:prstGeom prst="rect">
+            <a:avLst/>
+          </a:prstGeom>
+          <a:ln w="38100">
+            <a:noFill/>
+          </a:ln>
+        </p:spPr>
+        <p:style>
+          <a:lnRef idx="2">
+            <a:schemeClr val="accent1">
+              <a:shade val="50000"/>
+            </a:schemeClr>
+          </a:lnRef>
+          <a:fillRef idx="1">
+            <a:schemeClr val="accent1"/>
+          </a:fillRef>
+          <a:effectRef idx="0">
+            <a:schemeClr val="accent1"/>
+          </a:effectRef>
+          <a:fontRef idx="minor">
+            <a:schemeClr val="lt1"/>
+          </a:fontRef>
+        </p:style>
+        <p:txBody>
+          <a:bodyPr rtlCol="0" anchor="ctr"/>
+          <a:lstStyle/>
+          <a:p>
+            <a:r>
+              <a:rPr lang="en-US" altLang="zh-TW" sz="1600" dirty="0"/>
+              <a:t>INC currentLevel</a:t>
+            </a:r>
+          </a:p>
+          <a:p>
+            <a:r>
+              <a:rPr lang="en-US" altLang="zh-TW" sz="1600" dirty="0"/>
+              <a:t>INVOKE</a:t>
+            </a:r>
+            <a:r>
+              <a:rPr lang="zh-TW" altLang="en-US" sz="1600" dirty="0"/>
+              <a:t> </a:t>
+            </a:r>
+            <a:r>
+              <a:rPr lang="en-US" altLang="zh-TW" sz="1600" dirty="0"/>
+              <a:t>ResetLevel</a:t>
+            </a:r>
+            <a:endParaRPr lang="zh-TW" altLang="en-US" sz="1600" dirty="0"/>
+          </a:p>
+        </p:txBody>
+      </p:sp>
+      <p:sp>
+        <p:nvSpPr>
+          <p:cNvPr id="14" name="流程圖: 決策 13">
+            <a:extLst>
+              <a:ext uri="{FF2B5EF4-FFF2-40B4-BE49-F238E27FC236}">
+                <a16:creationId xmlns:a16="http://schemas.microsoft.com/office/drawing/2014/main" id="{496905E5-489F-4C7F-B7EA-84C49C8E0285}"/>
+              </a:ext>
+            </a:extLst>
+          </p:cNvPr>
+          <p:cNvSpPr/>
+          <p:nvPr/>
+        </p:nvSpPr>
+        <p:spPr>
+          <a:xfrm>
+            <a:off x="8510778" y="3137484"/>
+            <a:ext cx="1335732" cy="853935"/>
+          </a:xfrm>
+          <a:prstGeom prst="flowChartDecision">
+            <a:avLst/>
+          </a:prstGeom>
+          <a:ln w="38100">
+            <a:noFill/>
+          </a:ln>
+        </p:spPr>
+        <p:style>
+          <a:lnRef idx="2">
+            <a:schemeClr val="accent1">
+              <a:shade val="50000"/>
+            </a:schemeClr>
+          </a:lnRef>
+          <a:fillRef idx="1">
+            <a:schemeClr val="accent1"/>
+          </a:fillRef>
+          <a:effectRef idx="0">
+            <a:schemeClr val="accent1"/>
+          </a:effectRef>
+          <a:fontRef idx="minor">
+            <a:schemeClr val="lt1"/>
+          </a:fontRef>
+        </p:style>
+        <p:txBody>
+          <a:bodyPr rtlCol="0" anchor="ctr"/>
+          <a:lstStyle/>
+          <a:p>
+            <a:pPr algn="ctr"/>
+            <a:r>
+              <a:rPr lang="zh-TW" altLang="en-US" sz="1100" b="1" dirty="0"/>
+              <a:t>下一格是否可以移動</a:t>
+            </a:r>
+          </a:p>
+        </p:txBody>
+      </p:sp>
+      <p:sp>
+        <p:nvSpPr>
+          <p:cNvPr id="15" name="流程圖: 決策 14">
+            <a:extLst>
+              <a:ext uri="{FF2B5EF4-FFF2-40B4-BE49-F238E27FC236}">
+                <a16:creationId xmlns:a16="http://schemas.microsoft.com/office/drawing/2014/main" id="{A0B6096C-0627-4AEE-AC2B-2603942BB3A1}"/>
+              </a:ext>
+            </a:extLst>
+          </p:cNvPr>
+          <p:cNvSpPr/>
+          <p:nvPr/>
+        </p:nvSpPr>
+        <p:spPr>
+          <a:xfrm>
+            <a:off x="7034810" y="3147596"/>
+            <a:ext cx="1335741" cy="824194"/>
+          </a:xfrm>
+          <a:prstGeom prst="flowChartDecision">
+            <a:avLst/>
+          </a:prstGeom>
+          <a:ln w="38100">
+            <a:noFill/>
+          </a:ln>
+        </p:spPr>
+        <p:style>
+          <a:lnRef idx="2">
+            <a:schemeClr val="accent1">
+              <a:shade val="50000"/>
+            </a:schemeClr>
+          </a:lnRef>
+          <a:fillRef idx="1">
+            <a:schemeClr val="accent1"/>
+          </a:fillRef>
+          <a:effectRef idx="0">
+            <a:schemeClr val="accent1"/>
+          </a:effectRef>
+          <a:fontRef idx="minor">
+            <a:schemeClr val="lt1"/>
+          </a:fontRef>
+        </p:style>
+        <p:txBody>
+          <a:bodyPr rtlCol="0" anchor="ctr"/>
+          <a:lstStyle/>
+          <a:p>
+            <a:pPr algn="ctr"/>
+            <a:r>
+              <a:rPr lang="zh-TW" altLang="en-US" sz="1100" b="1" dirty="0"/>
+              <a:t>下一格是否可以移動</a:t>
+            </a:r>
+          </a:p>
+        </p:txBody>
+      </p:sp>
+      <p:cxnSp>
+        <p:nvCxnSpPr>
+          <p:cNvPr id="16" name="接點: 肘形 15">
+            <a:extLst>
+              <a:ext uri="{FF2B5EF4-FFF2-40B4-BE49-F238E27FC236}">
+                <a16:creationId xmlns:a16="http://schemas.microsoft.com/office/drawing/2014/main" id="{5F2677E6-72E9-43DC-A537-1F657C6D36C6}"/>
+              </a:ext>
+            </a:extLst>
+          </p:cNvPr>
+          <p:cNvCxnSpPr>
+            <a:cxnSpLocks/>
+            <a:stCxn id="9" idx="2"/>
+            <a:endCxn id="13" idx="0"/>
+          </p:cNvCxnSpPr>
+          <p:nvPr/>
+        </p:nvCxnSpPr>
+        <p:spPr>
+          <a:xfrm rot="16200000" flipH="1">
+            <a:off x="10675761" y="3017973"/>
+            <a:ext cx="316989" cy="344756"/>
+          </a:xfrm>
+          <a:prstGeom prst="bentConnector3">
+            <a:avLst/>
+          </a:prstGeom>
+          <a:ln w="38100">
+            <a:tailEnd type="triangle"/>
+          </a:ln>
+        </p:spPr>
+        <p:style>
+          <a:lnRef idx="1">
+            <a:schemeClr val="accent1"/>
+          </a:lnRef>
+          <a:fillRef idx="0">
+            <a:schemeClr val="accent1"/>
+          </a:fillRef>
+          <a:effectRef idx="0">
+            <a:schemeClr val="accent1"/>
+          </a:effectRef>
+          <a:fontRef idx="minor">
+            <a:schemeClr val="tx1"/>
+          </a:fontRef>
+        </p:style>
+      </p:cxnSp>
+      <p:sp>
+        <p:nvSpPr>
+          <p:cNvPr id="17" name="矩形 16">
+            <a:extLst>
+              <a:ext uri="{FF2B5EF4-FFF2-40B4-BE49-F238E27FC236}">
+                <a16:creationId xmlns:a16="http://schemas.microsoft.com/office/drawing/2014/main" id="{FBB4C09C-7F21-4BB7-A8FC-4EC8D4153BBF}"/>
+              </a:ext>
+            </a:extLst>
+          </p:cNvPr>
+          <p:cNvSpPr/>
+          <p:nvPr/>
+        </p:nvSpPr>
+        <p:spPr>
+          <a:xfrm>
+            <a:off x="9386613" y="4134243"/>
+            <a:ext cx="1139077" cy="363063"/>
+          </a:xfrm>
+          <a:prstGeom prst="rect">
+            <a:avLst/>
+          </a:prstGeom>
+          <a:ln w="38100">
+            <a:noFill/>
+          </a:ln>
+        </p:spPr>
+        <p:style>
+          <a:lnRef idx="2">
+            <a:schemeClr val="accent1">
+              <a:shade val="50000"/>
+            </a:schemeClr>
+          </a:lnRef>
+          <a:fillRef idx="1">
+            <a:schemeClr val="accent1"/>
+          </a:fillRef>
+          <a:effectRef idx="0">
+            <a:schemeClr val="accent1"/>
+          </a:effectRef>
+          <a:fontRef idx="minor">
+            <a:schemeClr val="lt1"/>
+          </a:fontRef>
+        </p:style>
+        <p:txBody>
+          <a:bodyPr rtlCol="0" anchor="ctr"/>
+          <a:lstStyle/>
+          <a:p>
+            <a:r>
+              <a:rPr lang="zh-TW" altLang="en-US" b="1" dirty="0"/>
+              <a:t>擊殺敵人</a:t>
+            </a:r>
+          </a:p>
+        </p:txBody>
+      </p:sp>
+      <p:sp>
+        <p:nvSpPr>
+          <p:cNvPr id="18" name="矩形 17">
+            <a:extLst>
+              <a:ext uri="{FF2B5EF4-FFF2-40B4-BE49-F238E27FC236}">
+                <a16:creationId xmlns:a16="http://schemas.microsoft.com/office/drawing/2014/main" id="{01E1BDDA-5628-4AC8-A88E-8050B9D39260}"/>
+              </a:ext>
+            </a:extLst>
+          </p:cNvPr>
+          <p:cNvSpPr/>
+          <p:nvPr/>
+        </p:nvSpPr>
+        <p:spPr>
+          <a:xfrm>
+            <a:off x="6773890" y="4134245"/>
+            <a:ext cx="1139077" cy="363063"/>
+          </a:xfrm>
+          <a:prstGeom prst="rect">
+            <a:avLst/>
+          </a:prstGeom>
+          <a:ln w="38100">
+            <a:noFill/>
+          </a:ln>
+        </p:spPr>
+        <p:style>
+          <a:lnRef idx="2">
+            <a:schemeClr val="accent1">
+              <a:shade val="50000"/>
+            </a:schemeClr>
+          </a:lnRef>
+          <a:fillRef idx="1">
+            <a:schemeClr val="accent1"/>
+          </a:fillRef>
+          <a:effectRef idx="0">
+            <a:schemeClr val="accent1"/>
+          </a:effectRef>
+          <a:fontRef idx="minor">
+            <a:schemeClr val="lt1"/>
+          </a:fontRef>
+        </p:style>
+        <p:txBody>
+          <a:bodyPr rtlCol="0" anchor="ctr"/>
+          <a:lstStyle/>
+          <a:p>
+            <a:r>
+              <a:rPr lang="zh-TW" altLang="en-US" b="1" dirty="0"/>
+              <a:t>移動木桶</a:t>
+            </a:r>
+          </a:p>
+        </p:txBody>
+      </p:sp>
+      <p:sp>
+        <p:nvSpPr>
+          <p:cNvPr id="19" name="矩形 18">
+            <a:extLst>
+              <a:ext uri="{FF2B5EF4-FFF2-40B4-BE49-F238E27FC236}">
+                <a16:creationId xmlns:a16="http://schemas.microsoft.com/office/drawing/2014/main" id="{10B50946-00EA-4C6E-9226-9913F05BDB43}"/>
+              </a:ext>
+            </a:extLst>
+          </p:cNvPr>
+          <p:cNvSpPr/>
+          <p:nvPr/>
+        </p:nvSpPr>
+        <p:spPr>
+          <a:xfrm>
+            <a:off x="8097026" y="4134244"/>
+            <a:ext cx="1139077" cy="363063"/>
+          </a:xfrm>
+          <a:prstGeom prst="rect">
+            <a:avLst/>
+          </a:prstGeom>
+          <a:ln w="38100">
+            <a:noFill/>
+          </a:ln>
+        </p:spPr>
+        <p:style>
+          <a:lnRef idx="2">
+            <a:schemeClr val="accent1">
+              <a:shade val="50000"/>
+            </a:schemeClr>
+          </a:lnRef>
+          <a:fillRef idx="1">
+            <a:schemeClr val="accent1"/>
+          </a:fillRef>
+          <a:effectRef idx="0">
+            <a:schemeClr val="accent1"/>
+          </a:effectRef>
+          <a:fontRef idx="minor">
+            <a:schemeClr val="lt1"/>
+          </a:fontRef>
+        </p:style>
+        <p:txBody>
+          <a:bodyPr rtlCol="0" anchor="ctr"/>
+          <a:lstStyle/>
+          <a:p>
+            <a:r>
+              <a:rPr lang="zh-TW" altLang="en-US" b="1" dirty="0"/>
+              <a:t>移動敵人</a:t>
+            </a:r>
+          </a:p>
+        </p:txBody>
+      </p:sp>
+      <p:cxnSp>
+        <p:nvCxnSpPr>
+          <p:cNvPr id="20" name="接點: 肘形 19">
+            <a:extLst>
+              <a:ext uri="{FF2B5EF4-FFF2-40B4-BE49-F238E27FC236}">
+                <a16:creationId xmlns:a16="http://schemas.microsoft.com/office/drawing/2014/main" id="{29E80B2D-0292-40BF-A9B4-F0087E7CF04B}"/>
+              </a:ext>
+            </a:extLst>
+          </p:cNvPr>
+          <p:cNvCxnSpPr>
+            <a:cxnSpLocks/>
+            <a:stCxn id="14" idx="3"/>
+            <a:endCxn id="17" idx="0"/>
+          </p:cNvCxnSpPr>
+          <p:nvPr/>
+        </p:nvCxnSpPr>
+        <p:spPr>
+          <a:xfrm>
+            <a:off x="9846510" y="3564452"/>
+            <a:ext cx="109642" cy="569791"/>
+          </a:xfrm>
+          <a:prstGeom prst="bentConnector2">
+            <a:avLst/>
+          </a:prstGeom>
+          <a:ln w="38100">
+            <a:tailEnd type="triangle"/>
+          </a:ln>
+        </p:spPr>
+        <p:style>
+          <a:lnRef idx="1">
+            <a:schemeClr val="accent1"/>
+          </a:lnRef>
+          <a:fillRef idx="0">
+            <a:schemeClr val="accent1"/>
+          </a:fillRef>
+          <a:effectRef idx="0">
+            <a:schemeClr val="accent1"/>
+          </a:effectRef>
+          <a:fontRef idx="minor">
+            <a:schemeClr val="tx1"/>
+          </a:fontRef>
+        </p:style>
+      </p:cxnSp>
+      <p:cxnSp>
+        <p:nvCxnSpPr>
+          <p:cNvPr id="21" name="接點: 肘形 20">
+            <a:extLst>
+              <a:ext uri="{FF2B5EF4-FFF2-40B4-BE49-F238E27FC236}">
+                <a16:creationId xmlns:a16="http://schemas.microsoft.com/office/drawing/2014/main" id="{109123C9-98B6-4A34-B3AE-9E80CB60D2AE}"/>
+              </a:ext>
+            </a:extLst>
+          </p:cNvPr>
+          <p:cNvCxnSpPr>
+            <a:cxnSpLocks/>
+            <a:stCxn id="14" idx="2"/>
+            <a:endCxn id="19" idx="0"/>
+          </p:cNvCxnSpPr>
+          <p:nvPr/>
+        </p:nvCxnSpPr>
+        <p:spPr>
+          <a:xfrm rot="5400000">
+            <a:off x="8851193" y="3806792"/>
+            <a:ext cx="142825" cy="512079"/>
+          </a:xfrm>
+          <a:prstGeom prst="bentConnector3">
+            <a:avLst/>
+          </a:prstGeom>
+          <a:ln w="38100">
+            <a:tailEnd type="triangle"/>
+          </a:ln>
+        </p:spPr>
+        <p:style>
+          <a:lnRef idx="1">
+            <a:schemeClr val="accent1"/>
+          </a:lnRef>
+          <a:fillRef idx="0">
+            <a:schemeClr val="accent1"/>
+          </a:fillRef>
+          <a:effectRef idx="0">
+            <a:schemeClr val="accent1"/>
+          </a:effectRef>
+          <a:fontRef idx="minor">
+            <a:schemeClr val="tx1"/>
+          </a:fontRef>
+        </p:style>
+      </p:cxnSp>
+      <p:cxnSp>
+        <p:nvCxnSpPr>
+          <p:cNvPr id="22" name="接點: 肘形 21">
+            <a:extLst>
+              <a:ext uri="{FF2B5EF4-FFF2-40B4-BE49-F238E27FC236}">
+                <a16:creationId xmlns:a16="http://schemas.microsoft.com/office/drawing/2014/main" id="{9FDA75E3-22B0-4399-A556-689D2968F49B}"/>
+              </a:ext>
+            </a:extLst>
+          </p:cNvPr>
+          <p:cNvCxnSpPr>
+            <a:cxnSpLocks/>
+            <a:stCxn id="15" idx="2"/>
+            <a:endCxn id="18" idx="0"/>
+          </p:cNvCxnSpPr>
+          <p:nvPr/>
+        </p:nvCxnSpPr>
+        <p:spPr>
+          <a:xfrm rot="5400000">
+            <a:off x="7441828" y="3873391"/>
+            <a:ext cx="162455" cy="359252"/>
+          </a:xfrm>
+          <a:prstGeom prst="bentConnector3">
+            <a:avLst/>
+          </a:prstGeom>
+          <a:ln w="38100">
+            <a:tailEnd type="triangle"/>
+          </a:ln>
+        </p:spPr>
+        <p:style>
+          <a:lnRef idx="1">
+            <a:schemeClr val="accent1"/>
+          </a:lnRef>
+          <a:fillRef idx="0">
+            <a:schemeClr val="accent1"/>
+          </a:fillRef>
+          <a:effectRef idx="0">
+            <a:schemeClr val="accent1"/>
+          </a:effectRef>
+          <a:fontRef idx="minor">
+            <a:schemeClr val="tx1"/>
+          </a:fontRef>
+        </p:style>
+      </p:cxnSp>
+      <p:cxnSp>
+        <p:nvCxnSpPr>
+          <p:cNvPr id="23" name="接點: 肘形 22">
+            <a:extLst>
+              <a:ext uri="{FF2B5EF4-FFF2-40B4-BE49-F238E27FC236}">
+                <a16:creationId xmlns:a16="http://schemas.microsoft.com/office/drawing/2014/main" id="{8701D002-8392-4DCB-9661-1393D7F18127}"/>
+              </a:ext>
+            </a:extLst>
+          </p:cNvPr>
+          <p:cNvCxnSpPr>
+            <a:cxnSpLocks/>
+            <a:stCxn id="7" idx="2"/>
+            <a:endCxn id="15" idx="0"/>
+          </p:cNvCxnSpPr>
+          <p:nvPr/>
+        </p:nvCxnSpPr>
+        <p:spPr>
+          <a:xfrm rot="5400000">
+            <a:off x="7646078" y="3090992"/>
+            <a:ext cx="113208" cy="1"/>
+          </a:xfrm>
+          <a:prstGeom prst="bentConnector3">
+            <a:avLst/>
+          </a:prstGeom>
+          <a:ln w="38100">
+            <a:tailEnd type="triangle"/>
+          </a:ln>
+        </p:spPr>
+        <p:style>
+          <a:lnRef idx="1">
+            <a:schemeClr val="accent1"/>
+          </a:lnRef>
+          <a:fillRef idx="0">
+            <a:schemeClr val="accent1"/>
+          </a:fillRef>
+          <a:effectRef idx="0">
+            <a:schemeClr val="accent1"/>
+          </a:effectRef>
+          <a:fontRef idx="minor">
+            <a:schemeClr val="tx1"/>
+          </a:fontRef>
+        </p:style>
+      </p:cxnSp>
+      <p:cxnSp>
+        <p:nvCxnSpPr>
+          <p:cNvPr id="24" name="接點: 肘形 23">
+            <a:extLst>
+              <a:ext uri="{FF2B5EF4-FFF2-40B4-BE49-F238E27FC236}">
+                <a16:creationId xmlns:a16="http://schemas.microsoft.com/office/drawing/2014/main" id="{1BC44F8D-EBF8-4295-A3E4-41E9626F269B}"/>
+              </a:ext>
+            </a:extLst>
+          </p:cNvPr>
+          <p:cNvCxnSpPr>
+            <a:cxnSpLocks/>
+            <a:stCxn id="8" idx="2"/>
+            <a:endCxn id="14" idx="0"/>
+          </p:cNvCxnSpPr>
+          <p:nvPr/>
+        </p:nvCxnSpPr>
+        <p:spPr>
+          <a:xfrm rot="16200000" flipH="1">
+            <a:off x="9127094" y="3085934"/>
+            <a:ext cx="103096" cy="4"/>
+          </a:xfrm>
+          <a:prstGeom prst="bentConnector3">
+            <a:avLst/>
+          </a:prstGeom>
+          <a:ln w="38100">
+            <a:tailEnd type="triangle"/>
+          </a:ln>
+        </p:spPr>
+        <p:style>
+          <a:lnRef idx="1">
+            <a:schemeClr val="accent1"/>
+          </a:lnRef>
+          <a:fillRef idx="0">
+            <a:schemeClr val="accent1"/>
+          </a:fillRef>
+          <a:effectRef idx="0">
+            <a:schemeClr val="accent1"/>
+          </a:effectRef>
+          <a:fontRef idx="minor">
+            <a:schemeClr val="tx1"/>
+          </a:fontRef>
+        </p:style>
+      </p:cxnSp>
+      <p:sp>
+        <p:nvSpPr>
+          <p:cNvPr id="25" name="流程圖: 決策 24">
+            <a:extLst>
+              <a:ext uri="{FF2B5EF4-FFF2-40B4-BE49-F238E27FC236}">
+                <a16:creationId xmlns:a16="http://schemas.microsoft.com/office/drawing/2014/main" id="{6195F9F7-9CB6-44DC-B282-A85696C71E7D}"/>
+              </a:ext>
+            </a:extLst>
+          </p:cNvPr>
+          <p:cNvSpPr/>
+          <p:nvPr/>
+        </p:nvSpPr>
+        <p:spPr>
+          <a:xfrm>
+            <a:off x="7297903" y="4657026"/>
+            <a:ext cx="2096902" cy="829238"/>
+          </a:xfrm>
+          <a:prstGeom prst="flowChartDecision">
+            <a:avLst/>
+          </a:prstGeom>
+          <a:ln w="38100">
+            <a:noFill/>
+          </a:ln>
+        </p:spPr>
+        <p:style>
+          <a:lnRef idx="2">
+            <a:schemeClr val="accent1">
+              <a:shade val="50000"/>
+            </a:schemeClr>
+          </a:lnRef>
+          <a:fillRef idx="1">
+            <a:schemeClr val="accent1"/>
+          </a:fillRef>
+          <a:effectRef idx="0">
+            <a:schemeClr val="accent1"/>
+          </a:effectRef>
+          <a:fontRef idx="minor">
+            <a:schemeClr val="lt1"/>
+          </a:fontRef>
+        </p:style>
+        <p:txBody>
+          <a:bodyPr rtlCol="0" anchor="ctr"/>
+          <a:lstStyle/>
+          <a:p>
+            <a:pPr algn="ctr"/>
+            <a:r>
+              <a:rPr lang="zh-TW" altLang="en-US" sz="1400" b="1" dirty="0"/>
+              <a:t>是否</a:t>
+            </a:r>
+            <a:br>
+              <a:rPr lang="en-US" altLang="zh-TW" sz="1400" b="1" dirty="0"/>
+            </a:br>
+            <a:r>
+              <a:rPr lang="zh-TW" altLang="en-US" sz="1400" b="1" dirty="0"/>
+              <a:t>踩到尖刺</a:t>
+            </a:r>
+          </a:p>
+        </p:txBody>
+      </p:sp>
+      <p:sp>
+        <p:nvSpPr>
+          <p:cNvPr id="26" name="矩形 25">
+            <a:extLst>
+              <a:ext uri="{FF2B5EF4-FFF2-40B4-BE49-F238E27FC236}">
+                <a16:creationId xmlns:a16="http://schemas.microsoft.com/office/drawing/2014/main" id="{4F86C740-58CD-46D9-97EE-5F6792BB411A}"/>
+              </a:ext>
+            </a:extLst>
+          </p:cNvPr>
+          <p:cNvSpPr/>
+          <p:nvPr/>
+        </p:nvSpPr>
+        <p:spPr>
+          <a:xfrm>
+            <a:off x="7134407" y="1378675"/>
+            <a:ext cx="1593756" cy="414619"/>
+          </a:xfrm>
+          <a:prstGeom prst="rect">
+            <a:avLst/>
+          </a:prstGeom>
+          <a:ln w="38100">
+            <a:noFill/>
+          </a:ln>
+        </p:spPr>
+        <p:style>
+          <a:lnRef idx="2">
+            <a:schemeClr val="accent1">
+              <a:shade val="50000"/>
+            </a:schemeClr>
+          </a:lnRef>
+          <a:fillRef idx="1">
+            <a:schemeClr val="accent1"/>
+          </a:fillRef>
+          <a:effectRef idx="0">
+            <a:schemeClr val="accent1"/>
+          </a:effectRef>
+          <a:fontRef idx="minor">
+            <a:schemeClr val="lt1"/>
+          </a:fontRef>
+        </p:style>
+        <p:txBody>
+          <a:bodyPr rtlCol="0" anchor="ctr"/>
+          <a:lstStyle/>
+          <a:p>
+            <a:pPr algn="ctr"/>
+            <a:r>
+              <a:rPr lang="zh-TW" altLang="en-US" b="1" dirty="0"/>
+              <a:t>減少剩餘次數</a:t>
+            </a:r>
+          </a:p>
+        </p:txBody>
+      </p:sp>
+      <p:sp>
+        <p:nvSpPr>
+          <p:cNvPr id="27" name="矩形 26">
+            <a:extLst>
+              <a:ext uri="{FF2B5EF4-FFF2-40B4-BE49-F238E27FC236}">
+                <a16:creationId xmlns:a16="http://schemas.microsoft.com/office/drawing/2014/main" id="{5C5B92DF-841D-47E6-96B4-D18528D66E02}"/>
+              </a:ext>
+            </a:extLst>
+          </p:cNvPr>
+          <p:cNvSpPr/>
+          <p:nvPr/>
+        </p:nvSpPr>
+        <p:spPr>
+          <a:xfrm>
+            <a:off x="7510727" y="5597163"/>
+            <a:ext cx="1679972" cy="401174"/>
+          </a:xfrm>
+          <a:prstGeom prst="rect">
+            <a:avLst/>
+          </a:prstGeom>
+          <a:ln w="38100">
+            <a:noFill/>
+          </a:ln>
+        </p:spPr>
+        <p:style>
+          <a:lnRef idx="2">
+            <a:schemeClr val="accent1">
+              <a:shade val="50000"/>
+            </a:schemeClr>
+          </a:lnRef>
+          <a:fillRef idx="1">
+            <a:schemeClr val="accent1"/>
+          </a:fillRef>
+          <a:effectRef idx="0">
+            <a:schemeClr val="accent1"/>
+          </a:effectRef>
+          <a:fontRef idx="minor">
+            <a:schemeClr val="lt1"/>
+          </a:fontRef>
+        </p:style>
+        <p:txBody>
+          <a:bodyPr rtlCol="0" anchor="ctr"/>
+          <a:lstStyle/>
+          <a:p>
+            <a:pPr algn="ctr"/>
+            <a:r>
+              <a:rPr lang="zh-TW" altLang="en-US" b="1" dirty="0"/>
+              <a:t>減少剩餘次數</a:t>
+            </a:r>
+          </a:p>
+        </p:txBody>
+      </p:sp>
+      <p:cxnSp>
+        <p:nvCxnSpPr>
+          <p:cNvPr id="28" name="接點: 肘形 27">
+            <a:extLst>
+              <a:ext uri="{FF2B5EF4-FFF2-40B4-BE49-F238E27FC236}">
+                <a16:creationId xmlns:a16="http://schemas.microsoft.com/office/drawing/2014/main" id="{9B1A0281-C48B-4724-9FA0-74BC3BCB2EF4}"/>
+              </a:ext>
+            </a:extLst>
+          </p:cNvPr>
+          <p:cNvCxnSpPr>
+            <a:cxnSpLocks/>
+            <a:stCxn id="26" idx="2"/>
+            <a:endCxn id="7" idx="0"/>
+          </p:cNvCxnSpPr>
+          <p:nvPr/>
+        </p:nvCxnSpPr>
+        <p:spPr>
+          <a:xfrm rot="5400000">
+            <a:off x="7611056" y="1884921"/>
+            <a:ext cx="411856" cy="228603"/>
+          </a:xfrm>
+          <a:prstGeom prst="bentConnector3">
+            <a:avLst/>
+          </a:prstGeom>
+          <a:ln w="38100">
+            <a:tailEnd type="triangle"/>
+          </a:ln>
+        </p:spPr>
+        <p:style>
+          <a:lnRef idx="1">
+            <a:schemeClr val="accent1"/>
+          </a:lnRef>
+          <a:fillRef idx="0">
+            <a:schemeClr val="accent1"/>
+          </a:fillRef>
+          <a:effectRef idx="0">
+            <a:schemeClr val="accent1"/>
+          </a:effectRef>
+          <a:fontRef idx="minor">
+            <a:schemeClr val="tx1"/>
+          </a:fontRef>
+        </p:style>
+      </p:cxnSp>
+      <p:cxnSp>
+        <p:nvCxnSpPr>
+          <p:cNvPr id="29" name="接點: 肘形 28">
+            <a:extLst>
+              <a:ext uri="{FF2B5EF4-FFF2-40B4-BE49-F238E27FC236}">
+                <a16:creationId xmlns:a16="http://schemas.microsoft.com/office/drawing/2014/main" id="{316D0152-E507-479A-83DD-36C79135D37D}"/>
+              </a:ext>
+            </a:extLst>
+          </p:cNvPr>
+          <p:cNvCxnSpPr>
+            <a:cxnSpLocks/>
+            <a:stCxn id="25" idx="2"/>
+            <a:endCxn id="27" idx="0"/>
+          </p:cNvCxnSpPr>
+          <p:nvPr/>
+        </p:nvCxnSpPr>
+        <p:spPr>
+          <a:xfrm rot="16200000" flipH="1">
+            <a:off x="8293084" y="5539533"/>
+            <a:ext cx="110899" cy="4359"/>
+          </a:xfrm>
+          <a:prstGeom prst="bentConnector3">
+            <a:avLst>
+              <a:gd name="adj1" fmla="val 50000"/>
+            </a:avLst>
+          </a:prstGeom>
+          <a:ln w="38100">
+            <a:tailEnd type="triangle"/>
+          </a:ln>
+        </p:spPr>
+        <p:style>
+          <a:lnRef idx="1">
+            <a:schemeClr val="accent1"/>
+          </a:lnRef>
+          <a:fillRef idx="0">
+            <a:schemeClr val="accent1"/>
+          </a:fillRef>
+          <a:effectRef idx="0">
+            <a:schemeClr val="accent1"/>
+          </a:effectRef>
+          <a:fontRef idx="minor">
+            <a:schemeClr val="tx1"/>
+          </a:fontRef>
+        </p:style>
+      </p:cxnSp>
+      <p:cxnSp>
+        <p:nvCxnSpPr>
+          <p:cNvPr id="30" name="接點: 肘形 29">
+            <a:extLst>
+              <a:ext uri="{FF2B5EF4-FFF2-40B4-BE49-F238E27FC236}">
+                <a16:creationId xmlns:a16="http://schemas.microsoft.com/office/drawing/2014/main" id="{68CD015D-F73B-474E-A015-C64AC3FDADAA}"/>
+              </a:ext>
+            </a:extLst>
+          </p:cNvPr>
+          <p:cNvCxnSpPr>
+            <a:stCxn id="25" idx="3"/>
+            <a:endCxn id="6" idx="0"/>
+          </p:cNvCxnSpPr>
+          <p:nvPr/>
+        </p:nvCxnSpPr>
+        <p:spPr>
+          <a:xfrm>
+            <a:off x="9394805" y="5071645"/>
+            <a:ext cx="1296966" cy="91268"/>
+          </a:xfrm>
+          <a:prstGeom prst="bentConnector2">
+            <a:avLst/>
+          </a:prstGeom>
+          <a:ln w="38100">
+            <a:tailEnd type="triangle"/>
+          </a:ln>
+        </p:spPr>
+        <p:style>
+          <a:lnRef idx="1">
+            <a:schemeClr val="accent1"/>
+          </a:lnRef>
+          <a:fillRef idx="0">
+            <a:schemeClr val="accent1"/>
+          </a:fillRef>
+          <a:effectRef idx="0">
+            <a:schemeClr val="accent1"/>
+          </a:effectRef>
+          <a:fontRef idx="minor">
+            <a:schemeClr val="tx1"/>
+          </a:fontRef>
+        </p:style>
+      </p:cxnSp>
+      <p:cxnSp>
+        <p:nvCxnSpPr>
+          <p:cNvPr id="31" name="接點: 肘形 30">
+            <a:extLst>
+              <a:ext uri="{FF2B5EF4-FFF2-40B4-BE49-F238E27FC236}">
+                <a16:creationId xmlns:a16="http://schemas.microsoft.com/office/drawing/2014/main" id="{32D6816F-FD4C-4802-8A18-20DA2FC890EA}"/>
+              </a:ext>
+            </a:extLst>
+          </p:cNvPr>
+          <p:cNvCxnSpPr>
+            <a:stCxn id="18" idx="2"/>
+            <a:endCxn id="25" idx="0"/>
+          </p:cNvCxnSpPr>
+          <p:nvPr/>
+        </p:nvCxnSpPr>
+        <p:spPr>
+          <a:xfrm rot="16200000" flipH="1">
+            <a:off x="7765032" y="4075704"/>
+            <a:ext cx="159718" cy="1002925"/>
+          </a:xfrm>
+          <a:prstGeom prst="bentConnector3">
+            <a:avLst/>
+          </a:prstGeom>
+          <a:ln w="38100">
+            <a:tailEnd type="triangle"/>
+          </a:ln>
+        </p:spPr>
+        <p:style>
+          <a:lnRef idx="1">
+            <a:schemeClr val="accent1"/>
+          </a:lnRef>
+          <a:fillRef idx="0">
+            <a:schemeClr val="accent1"/>
+          </a:fillRef>
+          <a:effectRef idx="0">
+            <a:schemeClr val="accent1"/>
+          </a:effectRef>
+          <a:fontRef idx="minor">
+            <a:schemeClr val="tx1"/>
+          </a:fontRef>
+        </p:style>
+      </p:cxnSp>
+      <p:cxnSp>
+        <p:nvCxnSpPr>
+          <p:cNvPr id="32" name="接點: 肘形 31">
+            <a:extLst>
+              <a:ext uri="{FF2B5EF4-FFF2-40B4-BE49-F238E27FC236}">
+                <a16:creationId xmlns:a16="http://schemas.microsoft.com/office/drawing/2014/main" id="{50F98832-DD57-4FEC-B96F-738A14CF21F0}"/>
+              </a:ext>
+            </a:extLst>
+          </p:cNvPr>
+          <p:cNvCxnSpPr>
+            <a:cxnSpLocks/>
+            <a:stCxn id="27" idx="2"/>
+            <a:endCxn id="6" idx="0"/>
+          </p:cNvCxnSpPr>
+          <p:nvPr/>
+        </p:nvCxnSpPr>
+        <p:spPr>
+          <a:xfrm rot="5400000" flipH="1" flipV="1">
+            <a:off x="9103530" y="4410096"/>
+            <a:ext cx="835424" cy="2341058"/>
+          </a:xfrm>
+          <a:prstGeom prst="bentConnector5">
+            <a:avLst>
+              <a:gd name="adj1" fmla="val -10194"/>
+              <a:gd name="adj2" fmla="val 48889"/>
+              <a:gd name="adj3" fmla="val 111267"/>
+            </a:avLst>
+          </a:prstGeom>
+          <a:ln w="38100">
+            <a:tailEnd type="triangle"/>
+          </a:ln>
+        </p:spPr>
+        <p:style>
+          <a:lnRef idx="1">
+            <a:schemeClr val="accent1"/>
+          </a:lnRef>
+          <a:fillRef idx="0">
+            <a:schemeClr val="accent1"/>
+          </a:fillRef>
+          <a:effectRef idx="0">
+            <a:schemeClr val="accent1"/>
+          </a:effectRef>
+          <a:fontRef idx="minor">
+            <a:schemeClr val="tx1"/>
+          </a:fontRef>
+        </p:style>
+      </p:cxnSp>
+      <p:cxnSp>
+        <p:nvCxnSpPr>
+          <p:cNvPr id="33" name="接點: 肘形 32">
+            <a:extLst>
+              <a:ext uri="{FF2B5EF4-FFF2-40B4-BE49-F238E27FC236}">
+                <a16:creationId xmlns:a16="http://schemas.microsoft.com/office/drawing/2014/main" id="{0830B751-D14B-4D3C-A41C-C641EE3EDB0A}"/>
+              </a:ext>
+            </a:extLst>
+          </p:cNvPr>
+          <p:cNvCxnSpPr>
+            <a:stCxn id="19" idx="2"/>
+            <a:endCxn id="25" idx="0"/>
+          </p:cNvCxnSpPr>
+          <p:nvPr/>
+        </p:nvCxnSpPr>
+        <p:spPr>
+          <a:xfrm rot="5400000">
+            <a:off x="8426601" y="4417061"/>
+            <a:ext cx="159719" cy="320211"/>
+          </a:xfrm>
+          <a:prstGeom prst="bentConnector3">
+            <a:avLst/>
+          </a:prstGeom>
+          <a:ln w="38100">
+            <a:tailEnd type="triangle"/>
+          </a:ln>
+        </p:spPr>
+        <p:style>
+          <a:lnRef idx="1">
+            <a:schemeClr val="accent1"/>
+          </a:lnRef>
+          <a:fillRef idx="0">
+            <a:schemeClr val="accent1"/>
+          </a:fillRef>
+          <a:effectRef idx="0">
+            <a:schemeClr val="accent1"/>
+          </a:effectRef>
+          <a:fontRef idx="minor">
+            <a:schemeClr val="tx1"/>
+          </a:fontRef>
+        </p:style>
+      </p:cxnSp>
+      <p:cxnSp>
+        <p:nvCxnSpPr>
+          <p:cNvPr id="34" name="接點: 肘形 33">
+            <a:extLst>
+              <a:ext uri="{FF2B5EF4-FFF2-40B4-BE49-F238E27FC236}">
+                <a16:creationId xmlns:a16="http://schemas.microsoft.com/office/drawing/2014/main" id="{D812E9BD-AEF6-45E1-BDC2-54E7B109ACFC}"/>
+              </a:ext>
+            </a:extLst>
+          </p:cNvPr>
+          <p:cNvCxnSpPr>
+            <a:stCxn id="17" idx="2"/>
+            <a:endCxn id="25" idx="0"/>
+          </p:cNvCxnSpPr>
+          <p:nvPr/>
+        </p:nvCxnSpPr>
+        <p:spPr>
+          <a:xfrm rot="5400000">
+            <a:off x="9071393" y="3772267"/>
+            <a:ext cx="159720" cy="1609798"/>
+          </a:xfrm>
+          <a:prstGeom prst="bentConnector3">
+            <a:avLst/>
+          </a:prstGeom>
+          <a:ln w="38100">
+            <a:tailEnd type="triangle"/>
+          </a:ln>
+        </p:spPr>
+        <p:style>
+          <a:lnRef idx="1">
+            <a:schemeClr val="accent1"/>
+          </a:lnRef>
+          <a:fillRef idx="0">
+            <a:schemeClr val="accent1"/>
+          </a:fillRef>
+          <a:effectRef idx="0">
+            <a:schemeClr val="accent1"/>
+          </a:effectRef>
+          <a:fontRef idx="minor">
+            <a:schemeClr val="tx1"/>
+          </a:fontRef>
+        </p:style>
+      </p:cxnSp>
+      <p:sp>
+        <p:nvSpPr>
+          <p:cNvPr id="35" name="標題 1">
+            <a:extLst>
+              <a:ext uri="{FF2B5EF4-FFF2-40B4-BE49-F238E27FC236}">
+                <a16:creationId xmlns:a16="http://schemas.microsoft.com/office/drawing/2014/main" id="{454F5C40-1B2F-4BEB-99B0-627A281E5669}"/>
+              </a:ext>
+            </a:extLst>
+          </p:cNvPr>
+          <p:cNvSpPr txBox="1">
+            <a:spLocks/>
+          </p:cNvSpPr>
+          <p:nvPr/>
+        </p:nvSpPr>
+        <p:spPr>
+          <a:xfrm>
+            <a:off x="8536750" y="6206909"/>
+            <a:ext cx="1996264" cy="594629"/>
+          </a:xfrm>
+          <a:prstGeom prst="rect">
+            <a:avLst/>
+          </a:prstGeom>
+          <a:ln w="38100">
+            <a:noFill/>
+          </a:ln>
+        </p:spPr>
+        <p:txBody>
+          <a:bodyPr vert="horz" lIns="91440" tIns="45720" rIns="91440" bIns="45720" rtlCol="0" anchor="ctr">
+            <a:normAutofit/>
+          </a:bodyPr>
+          <a:lstStyle>
+            <a:lvl1pPr algn="l" defTabSz="914400" rtl="0" eaLnBrk="1" latinLnBrk="0" hangingPunct="1">
+              <a:lnSpc>
+                <a:spcPct val="89000"/>
+              </a:lnSpc>
+              <a:spcBef>
+                <a:spcPct val="0"/>
+              </a:spcBef>
+              <a:buNone/>
+              <a:defRPr sz="4400" kern="1200" baseline="0">
+                <a:solidFill>
+                  <a:schemeClr val="tx2"/>
+                </a:solidFill>
+                <a:latin typeface="+mj-lt"/>
+                <a:ea typeface="+mj-ea"/>
+                <a:cs typeface="+mj-cs"/>
+              </a:defRPr>
+            </a:lvl1pPr>
+          </a:lstStyle>
+          <a:p>
+            <a:r>
+              <a:rPr lang="zh-TW" altLang="en-US" sz="2000" b="1" dirty="0"/>
+              <a:t>遊戲邏輯流程圖</a:t>
+            </a:r>
+          </a:p>
+        </p:txBody>
+      </p:sp>
+    </p:spTree>
+    <p:extLst>
+      <p:ext uri="{BB962C8B-B14F-4D97-AF65-F5344CB8AC3E}">
+        <p14:creationId xmlns:p14="http://schemas.microsoft.com/office/powerpoint/2010/main" val="4287849070"/>
+      </p:ext>
+    </p:extLst>
+  </p:cSld>
+  <p:clrMapOvr>
+    <a:masterClrMapping/>
+  </p:clrMapOvr>
+</p:sld>
+</file>
+
+<file path=ppt/slides/slide4.xml><?xml version="1.0" encoding="utf-8"?>
+<p:sld xmlns:a="http://schemas.openxmlformats.org/drawingml/2006/main" xmlns:r="http://schemas.openxmlformats.org/officeDocument/2006/relationships" xmlns:p="http://schemas.openxmlformats.org/presentationml/2006/main">
+  <p:cSld>
+    <p:spTree>
+      <p:nvGrpSpPr>
+        <p:cNvPr id="1" name=""/>
+        <p:cNvGrpSpPr/>
+        <p:nvPr/>
+      </p:nvGrpSpPr>
+      <p:grpSpPr>
+        <a:xfrm>
+          <a:off x="0" y="0"/>
+          <a:ext cx="0" cy="0"/>
+          <a:chOff x="0" y="0"/>
+          <a:chExt cx="0" cy="0"/>
+        </a:xfrm>
+      </p:grpSpPr>
+      <p:sp>
+        <p:nvSpPr>
+          <p:cNvPr id="2" name="標題 1">
+            <a:extLst>
+              <a:ext uri="{FF2B5EF4-FFF2-40B4-BE49-F238E27FC236}">
+                <a16:creationId xmlns:a16="http://schemas.microsoft.com/office/drawing/2014/main" id="{25DACC8B-E631-49B9-A666-660D7F1724B6}"/>
+              </a:ext>
+            </a:extLst>
+          </p:cNvPr>
+          <p:cNvSpPr>
+            <a:spLocks noGrp="1"/>
+          </p:cNvSpPr>
+          <p:nvPr>
+            <p:ph type="title"/>
+          </p:nvPr>
+        </p:nvSpPr>
+        <p:spPr/>
+        <p:txBody>
+          <a:bodyPr numCol="1" anchor="ctr"/>
+          <a:lstStyle/>
+          <a:p>
+            <a:r>
+              <a:rPr lang="zh-TW" altLang="en-US" dirty="0">
+                <a:latin typeface="微軟正黑體" panose="020B0604030504040204" pitchFamily="34" charset="-120"/>
+              </a:rPr>
+              <a:t>使用之函示庫與圖片來源</a:t>
+            </a:r>
+            <a:endParaRPr lang="zh-TW" altLang="en-US" dirty="0"/>
+          </a:p>
+        </p:txBody>
+      </p:sp>
+      <p:sp>
+        <p:nvSpPr>
+          <p:cNvPr id="3" name="內容版面配置區 2">
+            <a:extLst>
+              <a:ext uri="{FF2B5EF4-FFF2-40B4-BE49-F238E27FC236}">
+                <a16:creationId xmlns:a16="http://schemas.microsoft.com/office/drawing/2014/main" id="{7DB32058-02AE-404E-971D-D3304527A6EB}"/>
+              </a:ext>
+            </a:extLst>
+          </p:cNvPr>
+          <p:cNvSpPr>
+            <a:spLocks noGrp="1"/>
+          </p:cNvSpPr>
+          <p:nvPr>
+            <p:ph idx="1"/>
+          </p:nvPr>
+        </p:nvSpPr>
+        <p:spPr>
+          <a:xfrm>
+            <a:off x="1371600" y="2286000"/>
+            <a:ext cx="9601200" cy="1784684"/>
+          </a:xfrm>
+        </p:spPr>
+        <p:txBody>
+          <a:bodyPr>
+            <a:normAutofit/>
+          </a:bodyPr>
+          <a:lstStyle/>
+          <a:p>
+            <a:r>
+              <a:rPr lang="en-US" altLang="zh-TW" sz="2400" b="1" dirty="0"/>
+              <a:t>Masm32 - Win32 API </a:t>
+            </a:r>
+            <a:r>
+              <a:rPr lang="en-US" altLang="zh-TW" sz="2400" dirty="0"/>
+              <a:t>( gdi32.lib user32.lib kernal32.lib masm32.lib )</a:t>
+            </a:r>
+          </a:p>
+          <a:p>
+            <a:r>
+              <a:rPr lang="en-US" altLang="zh-TW" sz="2400" dirty="0"/>
+              <a:t>Resource Compiler</a:t>
+            </a:r>
+          </a:p>
+          <a:p>
+            <a:r>
+              <a:rPr lang="en-US" altLang="zh-TW" sz="2400" dirty="0"/>
+              <a:t>Simple Dungeon Crawler 16x16 Pixel Art Asset Pack  by </a:t>
+            </a:r>
+            <a:r>
+              <a:rPr lang="en-US" altLang="zh-TW" sz="2400" b="1" dirty="0"/>
+              <a:t>o-Lobster</a:t>
+            </a:r>
+            <a:r>
+              <a:rPr lang="en-US" altLang="zh-TW" sz="2400" dirty="0"/>
+              <a:t>.</a:t>
+            </a:r>
+            <a:br>
+              <a:rPr lang="en-US" altLang="zh-TW" sz="2400" dirty="0"/>
+            </a:br>
+            <a:r>
+              <a:rPr lang="en-US" altLang="zh-TW" sz="2400" dirty="0"/>
+              <a:t>Thorough CC0 1.0 Public Domain Dedication license.</a:t>
+            </a:r>
+            <a:endParaRPr lang="zh-TW" altLang="en-US" sz="2400" dirty="0"/>
+          </a:p>
+        </p:txBody>
+      </p:sp>
+      <p:sp>
+        <p:nvSpPr>
+          <p:cNvPr id="4" name="標題 1">
+            <a:extLst>
+              <a:ext uri="{FF2B5EF4-FFF2-40B4-BE49-F238E27FC236}">
+                <a16:creationId xmlns:a16="http://schemas.microsoft.com/office/drawing/2014/main" id="{B9DB1A23-AE8C-4B5E-9B0A-DBDD7C5CC505}"/>
+              </a:ext>
+            </a:extLst>
+          </p:cNvPr>
+          <p:cNvSpPr txBox="1">
+            <a:spLocks/>
+          </p:cNvSpPr>
+          <p:nvPr/>
+        </p:nvSpPr>
+        <p:spPr>
+          <a:xfrm>
+            <a:off x="1371600" y="4918549"/>
+            <a:ext cx="3312695" cy="1014413"/>
+          </a:xfrm>
+          <a:prstGeom prst="rect">
+            <a:avLst/>
+          </a:prstGeom>
+        </p:spPr>
+        <p:txBody>
+          <a:bodyPr vert="horz" lIns="91440" tIns="45720" rIns="91440" bIns="45720" rtlCol="0" anchor="ctr">
+            <a:normAutofit/>
+          </a:bodyPr>
+          <a:lstStyle>
+            <a:lvl1pPr algn="l" defTabSz="914400" rtl="0" eaLnBrk="1" latinLnBrk="0" hangingPunct="1">
+              <a:lnSpc>
+                <a:spcPct val="89000"/>
+              </a:lnSpc>
+              <a:spcBef>
+                <a:spcPct val="0"/>
+              </a:spcBef>
+              <a:buNone/>
+              <a:defRPr sz="4400" kern="1200" baseline="0">
+                <a:solidFill>
+                  <a:schemeClr val="tx2"/>
+                </a:solidFill>
+                <a:latin typeface="+mj-lt"/>
+                <a:ea typeface="+mj-ea"/>
+                <a:cs typeface="+mj-cs"/>
+              </a:defRPr>
+            </a:lvl1pPr>
+          </a:lstStyle>
+          <a:p>
+            <a:r>
               <a:rPr lang="zh-TW" altLang="en-US" dirty="0"/>
               <a:t>組員與分工</a:t>
             </a:r>
@@ -3980,28 +6836,27 @@
       </p:sp>
       <p:graphicFrame>
         <p:nvGraphicFramePr>
-          <p:cNvPr id="6" name="內容版面配置區 5">
+          <p:cNvPr id="5" name="內容版面配置區 5">
             <a:extLst>
               <a:ext uri="{FF2B5EF4-FFF2-40B4-BE49-F238E27FC236}">
-                <a16:creationId xmlns:a16="http://schemas.microsoft.com/office/drawing/2014/main" id="{E97752E0-3207-47C5-9CBC-E92541ABD79C}"/>
+                <a16:creationId xmlns:a16="http://schemas.microsoft.com/office/drawing/2014/main" id="{044B3229-D5E1-42ED-A69D-012E1B4B473E}"/>
               </a:ext>
             </a:extLst>
           </p:cNvPr>
           <p:cNvGraphicFramePr>
-            <a:graphicFrameLocks noGrp="1"/>
+            <a:graphicFrameLocks/>
           </p:cNvGraphicFramePr>
           <p:nvPr>
-            <p:ph idx="1"/>
             <p:extLst>
               <p:ext uri="{D42A27DB-BD31-4B8C-83A1-F6EECF244321}">
-                <p14:modId xmlns:p14="http://schemas.microsoft.com/office/powerpoint/2010/main" val="119202062"/>
+                <p14:modId xmlns:p14="http://schemas.microsoft.com/office/powerpoint/2010/main" val="1945393062"/>
               </p:ext>
             </p:extLst>
           </p:nvPr>
         </p:nvGraphicFramePr>
         <p:xfrm>
-          <a:off x="1371600" y="1814513"/>
-          <a:ext cx="9601200" cy="1158240"/>
+          <a:off x="5217886" y="4774722"/>
+          <a:ext cx="3312698" cy="1158240"/>
         </p:xfrm>
         <a:graphic>
           <a:graphicData uri="http://schemas.openxmlformats.org/drawingml/2006/table">
@@ -4010,14 +6865,14 @@
                 <a:tableStyleId>{5C22544A-7EE6-4342-B048-85BDC9FD1C3A}</a:tableStyleId>
               </a:tblPr>
               <a:tblGrid>
-                <a:gridCol w="1985963">
+                <a:gridCol w="1419729">
                   <a:extLst>
                     <a:ext uri="{9D8B030D-6E8A-4147-A177-3AD203B41FA5}">
                       <a16:colId xmlns:a16="http://schemas.microsoft.com/office/drawing/2014/main" val="2875029887"/>
                     </a:ext>
                   </a:extLst>
                 </a:gridCol>
-                <a:gridCol w="7615237">
+                <a:gridCol w="1892969">
                   <a:extLst>
                     <a:ext uri="{9D8B030D-6E8A-4147-A177-3AD203B41FA5}">
                       <a16:colId xmlns:a16="http://schemas.microsoft.com/office/drawing/2014/main" val="2689425926"/>
@@ -4025,7 +6880,7 @@
                   </a:extLst>
                 </a:gridCol>
               </a:tblGrid>
-              <a:tr h="370840">
+              <a:tr h="452312">
                 <a:tc>
                   <a:txBody>
                     <a:bodyPr/>
@@ -4058,7 +6913,7 @@
                   </a:ext>
                 </a:extLst>
               </a:tr>
-              <a:tr h="370840">
+              <a:tr h="452312">
                 <a:tc>
                   <a:txBody>
                     <a:bodyPr/>
@@ -4095,265 +6950,10 @@
           </a:graphicData>
         </a:graphic>
       </p:graphicFrame>
-      <p:pic>
-        <p:nvPicPr>
-          <p:cNvPr id="7" name="圖片 6">
-            <a:extLst>
-              <a:ext uri="{FF2B5EF4-FFF2-40B4-BE49-F238E27FC236}">
-                <a16:creationId xmlns:a16="http://schemas.microsoft.com/office/drawing/2014/main" id="{CB6BA4A0-7A03-4552-8513-7ECDA6A5C643}"/>
-              </a:ext>
-            </a:extLst>
-          </p:cNvPr>
-          <p:cNvPicPr>
-            <a:picLocks noChangeAspect="1"/>
-          </p:cNvPicPr>
-          <p:nvPr/>
-        </p:nvPicPr>
-        <p:blipFill rotWithShape="1">
-          <a:blip r:embed="rId2"/>
-          <a:srcRect t="10291" r="9913" b="2349"/>
-          <a:stretch/>
-        </p:blipFill>
-        <p:spPr>
-          <a:xfrm>
-            <a:off x="2703095" y="3521243"/>
-            <a:ext cx="2454442" cy="2438400"/>
-          </a:xfrm>
-          <a:prstGeom prst="rect">
-            <a:avLst/>
-          </a:prstGeom>
-        </p:spPr>
-      </p:pic>
-      <p:pic>
-        <p:nvPicPr>
-          <p:cNvPr id="3" name="圖片 2">
-            <a:extLst>
-              <a:ext uri="{FF2B5EF4-FFF2-40B4-BE49-F238E27FC236}">
-                <a16:creationId xmlns:a16="http://schemas.microsoft.com/office/drawing/2014/main" id="{72DE9059-AEFA-43F3-9EBD-9EA37A84D918}"/>
-              </a:ext>
-            </a:extLst>
-          </p:cNvPr>
-          <p:cNvPicPr>
-            <a:picLocks noChangeAspect="1"/>
-          </p:cNvPicPr>
-          <p:nvPr/>
-        </p:nvPicPr>
-        <p:blipFill rotWithShape="1">
-          <a:blip r:embed="rId3"/>
-          <a:srcRect t="10489" r="9913" b="2151"/>
-          <a:stretch/>
-        </p:blipFill>
-        <p:spPr>
-          <a:xfrm>
-            <a:off x="7395412" y="3521242"/>
-            <a:ext cx="2454442" cy="2438401"/>
-          </a:xfrm>
-          <a:prstGeom prst="rect">
-            <a:avLst/>
-          </a:prstGeom>
-        </p:spPr>
-      </p:pic>
     </p:spTree>
     <p:extLst>
       <p:ext uri="{BB962C8B-B14F-4D97-AF65-F5344CB8AC3E}">
-        <p14:creationId xmlns:p14="http://schemas.microsoft.com/office/powerpoint/2010/main" val="1383920495"/>
-      </p:ext>
-    </p:extLst>
-  </p:cSld>
-  <p:clrMapOvr>
-    <a:masterClrMapping/>
-  </p:clrMapOvr>
-</p:sld>
-</file>
-
-<file path=ppt/slides/slide3.xml><?xml version="1.0" encoding="utf-8"?>
-<p:sld xmlns:a="http://schemas.openxmlformats.org/drawingml/2006/main" xmlns:r="http://schemas.openxmlformats.org/officeDocument/2006/relationships" xmlns:p="http://schemas.openxmlformats.org/presentationml/2006/main">
-  <p:cSld>
-    <p:spTree>
-      <p:nvGrpSpPr>
-        <p:cNvPr id="1" name=""/>
-        <p:cNvGrpSpPr/>
-        <p:nvPr/>
-      </p:nvGrpSpPr>
-      <p:grpSpPr>
-        <a:xfrm>
-          <a:off x="0" y="0"/>
-          <a:ext cx="0" cy="0"/>
-          <a:chOff x="0" y="0"/>
-          <a:chExt cx="0" cy="0"/>
-        </a:xfrm>
-      </p:grpSpPr>
-      <p:sp>
-        <p:nvSpPr>
-          <p:cNvPr id="2" name="標題 1">
-            <a:extLst>
-              <a:ext uri="{FF2B5EF4-FFF2-40B4-BE49-F238E27FC236}">
-                <a16:creationId xmlns:a16="http://schemas.microsoft.com/office/drawing/2014/main" id="{B6472800-251C-452F-ABC5-7A455BC542B2}"/>
-              </a:ext>
-            </a:extLst>
-          </p:cNvPr>
-          <p:cNvSpPr>
-            <a:spLocks noGrp="1"/>
-          </p:cNvSpPr>
-          <p:nvPr>
-            <p:ph type="title"/>
-          </p:nvPr>
-        </p:nvSpPr>
-        <p:spPr/>
-        <p:txBody>
-          <a:bodyPr anchor="ctr"/>
-          <a:lstStyle/>
-          <a:p>
-            <a:r>
-              <a:rPr lang="zh-TW" altLang="en-US" dirty="0">
-                <a:latin typeface="微軟正黑體" panose="020B0604030504040204" pitchFamily="34" charset="-120"/>
-              </a:rPr>
-              <a:t>遊戲玩法與規則</a:t>
-            </a:r>
-            <a:endParaRPr lang="zh-TW" altLang="en-US" dirty="0"/>
-          </a:p>
-        </p:txBody>
-      </p:sp>
-      <p:sp>
-        <p:nvSpPr>
-          <p:cNvPr id="3" name="內容版面配置區 2">
-            <a:extLst>
-              <a:ext uri="{FF2B5EF4-FFF2-40B4-BE49-F238E27FC236}">
-                <a16:creationId xmlns:a16="http://schemas.microsoft.com/office/drawing/2014/main" id="{D89B406C-E824-467B-9253-23F67C692545}"/>
-              </a:ext>
-            </a:extLst>
-          </p:cNvPr>
-          <p:cNvSpPr>
-            <a:spLocks noGrp="1"/>
-          </p:cNvSpPr>
-          <p:nvPr>
-            <p:ph idx="1"/>
-          </p:nvPr>
-        </p:nvSpPr>
-        <p:spPr/>
-        <p:txBody>
-          <a:bodyPr/>
-          <a:lstStyle/>
-          <a:p>
-            <a:r>
-              <a:rPr lang="zh-TW" altLang="en-US" dirty="0"/>
-              <a:t>上下左右移動角色</a:t>
-            </a:r>
-            <a:endParaRPr lang="en-US" altLang="zh-TW" dirty="0"/>
-          </a:p>
-          <a:p>
-            <a:r>
-              <a:rPr lang="zh-TW" altLang="en-US" dirty="0"/>
-              <a:t>若木桶旁有空間則可以被推動</a:t>
-            </a:r>
-            <a:endParaRPr lang="en-US" altLang="zh-TW" dirty="0"/>
-          </a:p>
-          <a:p>
-            <a:r>
-              <a:rPr lang="zh-TW" altLang="en-US" dirty="0"/>
-              <a:t>到達樓梯則進入下一層</a:t>
-            </a:r>
-            <a:endParaRPr lang="en-US" altLang="zh-TW" dirty="0"/>
-          </a:p>
-          <a:p>
-            <a:r>
-              <a:rPr lang="zh-TW" altLang="en-US"/>
-              <a:t>遇到敵人要消耗一次移動次數</a:t>
-            </a:r>
-            <a:endParaRPr lang="en-US" altLang="zh-TW" dirty="0"/>
-          </a:p>
-        </p:txBody>
-      </p:sp>
-    </p:spTree>
-    <p:extLst>
-      <p:ext uri="{BB962C8B-B14F-4D97-AF65-F5344CB8AC3E}">
-        <p14:creationId xmlns:p14="http://schemas.microsoft.com/office/powerpoint/2010/main" val="2517844915"/>
-      </p:ext>
-    </p:extLst>
-  </p:cSld>
-  <p:clrMapOvr>
-    <a:masterClrMapping/>
-  </p:clrMapOvr>
-</p:sld>
-</file>
-
-<file path=ppt/slides/slide4.xml><?xml version="1.0" encoding="utf-8"?>
-<p:sld xmlns:a="http://schemas.openxmlformats.org/drawingml/2006/main" xmlns:r="http://schemas.openxmlformats.org/officeDocument/2006/relationships" xmlns:p="http://schemas.openxmlformats.org/presentationml/2006/main">
-  <p:cSld>
-    <p:spTree>
-      <p:nvGrpSpPr>
-        <p:cNvPr id="1" name=""/>
-        <p:cNvGrpSpPr/>
-        <p:nvPr/>
-      </p:nvGrpSpPr>
-      <p:grpSpPr>
-        <a:xfrm>
-          <a:off x="0" y="0"/>
-          <a:ext cx="0" cy="0"/>
-          <a:chOff x="0" y="0"/>
-          <a:chExt cx="0" cy="0"/>
-        </a:xfrm>
-      </p:grpSpPr>
-      <p:sp>
-        <p:nvSpPr>
-          <p:cNvPr id="2" name="標題 1">
-            <a:extLst>
-              <a:ext uri="{FF2B5EF4-FFF2-40B4-BE49-F238E27FC236}">
-                <a16:creationId xmlns:a16="http://schemas.microsoft.com/office/drawing/2014/main" id="{F35B0276-913E-4FF0-B46B-15946586DD14}"/>
-              </a:ext>
-            </a:extLst>
-          </p:cNvPr>
-          <p:cNvSpPr>
-            <a:spLocks noGrp="1"/>
-          </p:cNvSpPr>
-          <p:nvPr>
-            <p:ph type="title"/>
-          </p:nvPr>
-        </p:nvSpPr>
-        <p:spPr/>
-        <p:txBody>
-          <a:bodyPr anchor="ctr"/>
-          <a:lstStyle/>
-          <a:p>
-            <a:r>
-              <a:rPr lang="zh-TW" altLang="en-US" dirty="0">
-                <a:latin typeface="微軟正黑體" panose="020B0604030504040204" pitchFamily="34" charset="-120"/>
-              </a:rPr>
-              <a:t>程式架構與流程</a:t>
-            </a:r>
-            <a:endParaRPr lang="zh-TW" altLang="en-US" dirty="0"/>
-          </a:p>
-        </p:txBody>
-      </p:sp>
-      <p:sp>
-        <p:nvSpPr>
-          <p:cNvPr id="3" name="內容版面配置區 2">
-            <a:extLst>
-              <a:ext uri="{FF2B5EF4-FFF2-40B4-BE49-F238E27FC236}">
-                <a16:creationId xmlns:a16="http://schemas.microsoft.com/office/drawing/2014/main" id="{CEBD8521-0D0D-4917-9792-70E4C521F874}"/>
-              </a:ext>
-            </a:extLst>
-          </p:cNvPr>
-          <p:cNvSpPr>
-            <a:spLocks noGrp="1"/>
-          </p:cNvSpPr>
-          <p:nvPr>
-            <p:ph idx="1"/>
-          </p:nvPr>
-        </p:nvSpPr>
-        <p:spPr/>
-        <p:txBody>
-          <a:bodyPr/>
-          <a:lstStyle/>
-          <a:p>
-            <a:endParaRPr lang="zh-TW" altLang="en-US"/>
-          </a:p>
-        </p:txBody>
-      </p:sp>
-    </p:spTree>
-    <p:extLst>
-      <p:ext uri="{BB962C8B-B14F-4D97-AF65-F5344CB8AC3E}">
-        <p14:creationId xmlns:p14="http://schemas.microsoft.com/office/powerpoint/2010/main" val="3272817308"/>
+        <p14:creationId xmlns:p14="http://schemas.microsoft.com/office/powerpoint/2010/main" val="3431709957"/>
       </p:ext>
     </p:extLst>
   </p:cSld>
@@ -4382,10 +6982,10 @@
       </p:grpSpPr>
       <p:sp>
         <p:nvSpPr>
-          <p:cNvPr id="2" name="標題 1">
+          <p:cNvPr id="10" name="標題 9">
             <a:extLst>
               <a:ext uri="{FF2B5EF4-FFF2-40B4-BE49-F238E27FC236}">
-                <a16:creationId xmlns:a16="http://schemas.microsoft.com/office/drawing/2014/main" id="{25DACC8B-E631-49B9-A666-660D7F1724B6}"/>
+                <a16:creationId xmlns:a16="http://schemas.microsoft.com/office/drawing/2014/main" id="{E6BF08EF-64DA-475E-B04F-36B6CD7D6F02}"/>
               </a:ext>
             </a:extLst>
           </p:cNvPr>
@@ -4396,57 +6996,22 @@
             <p:ph type="title"/>
           </p:nvPr>
         </p:nvSpPr>
-        <p:spPr/>
-        <p:txBody>
-          <a:bodyPr numCol="1" anchor="ctr"/>
+        <p:spPr>
+          <a:xfrm>
+            <a:off x="1371600" y="2686050"/>
+            <a:ext cx="9601200" cy="1485900"/>
+          </a:xfrm>
+        </p:spPr>
+        <p:txBody>
+          <a:bodyPr anchor="ctr"/>
           <a:lstStyle/>
           <a:p>
-            <a:r>
-              <a:rPr lang="zh-TW" altLang="en-US" dirty="0">
-                <a:latin typeface="微軟正黑體" panose="020B0604030504040204" pitchFamily="34" charset="-120"/>
+            <a:pPr algn="ctr"/>
+            <a:r>
+              <a:rPr lang="en-US" altLang="zh-TW" dirty="0">
+                <a:hlinkClick r:id="rId2" action="ppaction://hlinkfile"/>
               </a:rPr>
-              <a:t>使用之函示庫與圖片來源</a:t>
-            </a:r>
-            <a:endParaRPr lang="zh-TW" altLang="en-US" dirty="0"/>
-          </a:p>
-        </p:txBody>
-      </p:sp>
-      <p:sp>
-        <p:nvSpPr>
-          <p:cNvPr id="3" name="內容版面配置區 2">
-            <a:extLst>
-              <a:ext uri="{FF2B5EF4-FFF2-40B4-BE49-F238E27FC236}">
-                <a16:creationId xmlns:a16="http://schemas.microsoft.com/office/drawing/2014/main" id="{7DB32058-02AE-404E-971D-D3304527A6EB}"/>
-              </a:ext>
-            </a:extLst>
-          </p:cNvPr>
-          <p:cNvSpPr>
-            <a:spLocks noGrp="1"/>
-          </p:cNvSpPr>
-          <p:nvPr>
-            <p:ph idx="1"/>
-          </p:nvPr>
-        </p:nvSpPr>
-        <p:spPr/>
-        <p:txBody>
-          <a:bodyPr/>
-          <a:lstStyle/>
-          <a:p>
-            <a:r>
-              <a:rPr lang="en-US" altLang="zh-TW" dirty="0"/>
-              <a:t>Masm32 ( gdi32.lib user32.lib kernal32.lib masm32.lib )</a:t>
-            </a:r>
-          </a:p>
-          <a:p>
-            <a:r>
-              <a:rPr lang="en-US" altLang="zh-TW" dirty="0"/>
-              <a:t>Simple Dungeon Crawler 16x16 Pixel Art Asset Pack  by o-Lobster.</a:t>
-            </a:r>
-          </a:p>
-          <a:p>
-            <a:r>
-              <a:rPr lang="en-US" altLang="zh-TW" dirty="0"/>
-              <a:t>Thorough CC0 1.0 Public Domain Dedication license.</a:t>
+              <a:t>DEMO</a:t>
             </a:r>
             <a:endParaRPr lang="zh-TW" altLang="en-US" dirty="0"/>
           </a:p>
@@ -4455,7 +7020,7 @@
     </p:spTree>
     <p:extLst>
       <p:ext uri="{BB962C8B-B14F-4D97-AF65-F5344CB8AC3E}">
-        <p14:creationId xmlns:p14="http://schemas.microsoft.com/office/powerpoint/2010/main" val="3431709957"/>
+        <p14:creationId xmlns:p14="http://schemas.microsoft.com/office/powerpoint/2010/main" val="1383920495"/>
       </p:ext>
     </p:extLst>
   </p:cSld>
@@ -4721,4 +7286,299 @@
     </a:ext>
   </a:extLst>
 </a:theme>
+</file>
+
+<file path=ppt/theme/theme2.xml><?xml version="1.0" encoding="utf-8"?>
+<a:theme xmlns:a="http://schemas.openxmlformats.org/drawingml/2006/main" name="Office 佈景主題">
+  <a:themeElements>
+    <a:clrScheme name="Office">
+      <a:dk1>
+        <a:sysClr val="windowText" lastClr="000000"/>
+      </a:dk1>
+      <a:lt1>
+        <a:sysClr val="window" lastClr="FFFFFF"/>
+      </a:lt1>
+      <a:dk2>
+        <a:srgbClr val="44546A"/>
+      </a:dk2>
+      <a:lt2>
+        <a:srgbClr val="E7E6E6"/>
+      </a:lt2>
+      <a:accent1>
+        <a:srgbClr val="4472C4"/>
+      </a:accent1>
+      <a:accent2>
+        <a:srgbClr val="ED7D31"/>
+      </a:accent2>
+      <a:accent3>
+        <a:srgbClr val="A5A5A5"/>
+      </a:accent3>
+      <a:accent4>
+        <a:srgbClr val="FFC000"/>
+      </a:accent4>
+      <a:accent5>
+        <a:srgbClr val="5B9BD5"/>
+      </a:accent5>
+      <a:accent6>
+        <a:srgbClr val="70AD47"/>
+      </a:accent6>
+      <a:hlink>
+        <a:srgbClr val="0563C1"/>
+      </a:hlink>
+      <a:folHlink>
+        <a:srgbClr val="954F72"/>
+      </a:folHlink>
+    </a:clrScheme>
+    <a:fontScheme name="Office">
+      <a:majorFont>
+        <a:latin typeface="Calibri Light" panose="020F0302020204030204"/>
+        <a:ea typeface=""/>
+        <a:cs typeface=""/>
+        <a:font script="Jpan" typeface="游ゴシック Light"/>
+        <a:font script="Hang" typeface="맑은 고딕"/>
+        <a:font script="Hans" typeface="等线 Light"/>
+        <a:font script="Hant" typeface="新細明體"/>
+        <a:font script="Arab" typeface="Times New Roman"/>
+        <a:font script="Hebr" typeface="Times New Roman"/>
+        <a:font script="Thai" typeface="Angsana New"/>
+        <a:font script="Ethi" typeface="Nyala"/>
+        <a:font script="Beng" typeface="Vrinda"/>
+        <a:font script="Gujr" typeface="Shruti"/>
+        <a:font script="Khmr" typeface="MoolBoran"/>
+        <a:font script="Knda" typeface="Tunga"/>
+        <a:font script="Guru" typeface="Raavi"/>
+        <a:font script="Cans" typeface="Euphemia"/>
+        <a:font script="Cher" typeface="Plantagenet Cherokee"/>
+        <a:font script="Yiii" typeface="Microsoft Yi Baiti"/>
+        <a:font script="Tibt" typeface="Microsoft Himalaya"/>
+        <a:font script="Thaa" typeface="MV Boli"/>
+        <a:font script="Deva" typeface="Mangal"/>
+        <a:font script="Telu" typeface="Gautami"/>
+        <a:font script="Taml" typeface="Latha"/>
+        <a:font script="Syrc" typeface="Estrangelo Edessa"/>
+        <a:font script="Orya" typeface="Kalinga"/>
+        <a:font script="Mlym" typeface="Kartika"/>
+        <a:font script="Laoo" typeface="DokChampa"/>
+        <a:font script="Sinh" typeface="Iskoola Pota"/>
+        <a:font script="Mong" typeface="Mongolian Baiti"/>
+        <a:font script="Viet" typeface="Times New Roman"/>
+        <a:font script="Uigh" typeface="Microsoft Uighur"/>
+        <a:font script="Geor" typeface="Sylfaen"/>
+        <a:font script="Armn" typeface="Arial"/>
+        <a:font script="Bugi" typeface="Leelawadee UI"/>
+        <a:font script="Bopo" typeface="Microsoft JhengHei"/>
+        <a:font script="Java" typeface="Javanese Text"/>
+        <a:font script="Lisu" typeface="Segoe UI"/>
+        <a:font script="Mymr" typeface="Myanmar Text"/>
+        <a:font script="Nkoo" typeface="Ebrima"/>
+        <a:font script="Olck" typeface="Nirmala UI"/>
+        <a:font script="Osma" typeface="Ebrima"/>
+        <a:font script="Phag" typeface="Phagspa"/>
+        <a:font script="Syrn" typeface="Estrangelo Edessa"/>
+        <a:font script="Syrj" typeface="Estrangelo Edessa"/>
+        <a:font script="Syre" typeface="Estrangelo Edessa"/>
+        <a:font script="Sora" typeface="Nirmala UI"/>
+        <a:font script="Tale" typeface="Microsoft Tai Le"/>
+        <a:font script="Talu" typeface="Microsoft New Tai Lue"/>
+        <a:font script="Tfng" typeface="Ebrima"/>
+      </a:majorFont>
+      <a:minorFont>
+        <a:latin typeface="Calibri" panose="020F0502020204030204"/>
+        <a:ea typeface=""/>
+        <a:cs typeface=""/>
+        <a:font script="Jpan" typeface="游ゴシック"/>
+        <a:font script="Hang" typeface="맑은 고딕"/>
+        <a:font script="Hans" typeface="等线"/>
+        <a:font script="Hant" typeface="新細明體"/>
+        <a:font script="Arab" typeface="Arial"/>
+        <a:font script="Hebr" typeface="Arial"/>
+        <a:font script="Thai" typeface="Cordia New"/>
+        <a:font script="Ethi" typeface="Nyala"/>
+        <a:font script="Beng" typeface="Vrinda"/>
+        <a:font script="Gujr" typeface="Shruti"/>
+        <a:font script="Khmr" typeface="DaunPenh"/>
+        <a:font script="Knda" typeface="Tunga"/>
+        <a:font script="Guru" typeface="Raavi"/>
+        <a:font script="Cans" typeface="Euphemia"/>
+        <a:font script="Cher" typeface="Plantagenet Cherokee"/>
+        <a:font script="Yiii" typeface="Microsoft Yi Baiti"/>
+        <a:font script="Tibt" typeface="Microsoft Himalaya"/>
+        <a:font script="Thaa" typeface="MV Boli"/>
+        <a:font script="Deva" typeface="Mangal"/>
+        <a:font script="Telu" typeface="Gautami"/>
+        <a:font script="Taml" typeface="Latha"/>
+        <a:font script="Syrc" typeface="Estrangelo Edessa"/>
+        <a:font script="Orya" typeface="Kalinga"/>
+        <a:font script="Mlym" typeface="Kartika"/>
+        <a:font script="Laoo" typeface="DokChampa"/>
+        <a:font script="Sinh" typeface="Iskoola Pota"/>
+        <a:font script="Mong" typeface="Mongolian Baiti"/>
+        <a:font script="Viet" typeface="Arial"/>
+        <a:font script="Uigh" typeface="Microsoft Uighur"/>
+        <a:font script="Geor" typeface="Sylfaen"/>
+        <a:font script="Armn" typeface="Arial"/>
+        <a:font script="Bugi" typeface="Leelawadee UI"/>
+        <a:font script="Bopo" typeface="Microsoft JhengHei"/>
+        <a:font script="Java" typeface="Javanese Text"/>
+        <a:font script="Lisu" typeface="Segoe UI"/>
+        <a:font script="Mymr" typeface="Myanmar Text"/>
+        <a:font script="Nkoo" typeface="Ebrima"/>
+        <a:font script="Olck" typeface="Nirmala UI"/>
+        <a:font script="Osma" typeface="Ebrima"/>
+        <a:font script="Phag" typeface="Phagspa"/>
+        <a:font script="Syrn" typeface="Estrangelo Edessa"/>
+        <a:font script="Syrj" typeface="Estrangelo Edessa"/>
+        <a:font script="Syre" typeface="Estrangelo Edessa"/>
+        <a:font script="Sora" typeface="Nirmala UI"/>
+        <a:font script="Tale" typeface="Microsoft Tai Le"/>
+        <a:font script="Talu" typeface="Microsoft New Tai Lue"/>
+        <a:font script="Tfng" typeface="Ebrima"/>
+      </a:minorFont>
+    </a:fontScheme>
+    <a:fmtScheme name="Office">
+      <a:fillStyleLst>
+        <a:solidFill>
+          <a:schemeClr val="phClr"/>
+        </a:solidFill>
+        <a:gradFill rotWithShape="1">
+          <a:gsLst>
+            <a:gs pos="0">
+              <a:schemeClr val="phClr">
+                <a:lumMod val="110000"/>
+                <a:satMod val="105000"/>
+                <a:tint val="67000"/>
+              </a:schemeClr>
+            </a:gs>
+            <a:gs pos="50000">
+              <a:schemeClr val="phClr">
+                <a:lumMod val="105000"/>
+                <a:satMod val="103000"/>
+                <a:tint val="73000"/>
+              </a:schemeClr>
+            </a:gs>
+            <a:gs pos="100000">
+              <a:schemeClr val="phClr">
+                <a:lumMod val="105000"/>
+                <a:satMod val="109000"/>
+                <a:tint val="81000"/>
+              </a:schemeClr>
+            </a:gs>
+          </a:gsLst>
+          <a:lin ang="5400000" scaled="0"/>
+        </a:gradFill>
+        <a:gradFill rotWithShape="1">
+          <a:gsLst>
+            <a:gs pos="0">
+              <a:schemeClr val="phClr">
+                <a:satMod val="103000"/>
+                <a:lumMod val="102000"/>
+                <a:tint val="94000"/>
+              </a:schemeClr>
+            </a:gs>
+            <a:gs pos="50000">
+              <a:schemeClr val="phClr">
+                <a:satMod val="110000"/>
+                <a:lumMod val="100000"/>
+                <a:shade val="100000"/>
+              </a:schemeClr>
+            </a:gs>
+            <a:gs pos="100000">
+              <a:schemeClr val="phClr">
+                <a:lumMod val="99000"/>
+                <a:satMod val="120000"/>
+                <a:shade val="78000"/>
+              </a:schemeClr>
+            </a:gs>
+          </a:gsLst>
+          <a:lin ang="5400000" scaled="0"/>
+        </a:gradFill>
+      </a:fillStyleLst>
+      <a:lnStyleLst>
+        <a:ln w="6350" cap="flat" cmpd="sng" algn="ctr">
+          <a:solidFill>
+            <a:schemeClr val="phClr"/>
+          </a:solidFill>
+          <a:prstDash val="solid"/>
+          <a:miter lim="800000"/>
+        </a:ln>
+        <a:ln w="12700" cap="flat" cmpd="sng" algn="ctr">
+          <a:solidFill>
+            <a:schemeClr val="phClr"/>
+          </a:solidFill>
+          <a:prstDash val="solid"/>
+          <a:miter lim="800000"/>
+        </a:ln>
+        <a:ln w="19050" cap="flat" cmpd="sng" algn="ctr">
+          <a:solidFill>
+            <a:schemeClr val="phClr"/>
+          </a:solidFill>
+          <a:prstDash val="solid"/>
+          <a:miter lim="800000"/>
+        </a:ln>
+      </a:lnStyleLst>
+      <a:effectStyleLst>
+        <a:effectStyle>
+          <a:effectLst/>
+        </a:effectStyle>
+        <a:effectStyle>
+          <a:effectLst/>
+        </a:effectStyle>
+        <a:effectStyle>
+          <a:effectLst>
+            <a:outerShdw blurRad="57150" dist="19050" dir="5400000" algn="ctr" rotWithShape="0">
+              <a:srgbClr val="000000">
+                <a:alpha val="63000"/>
+              </a:srgbClr>
+            </a:outerShdw>
+          </a:effectLst>
+        </a:effectStyle>
+      </a:effectStyleLst>
+      <a:bgFillStyleLst>
+        <a:solidFill>
+          <a:schemeClr val="phClr"/>
+        </a:solidFill>
+        <a:solidFill>
+          <a:schemeClr val="phClr">
+            <a:tint val="95000"/>
+            <a:satMod val="170000"/>
+          </a:schemeClr>
+        </a:solidFill>
+        <a:gradFill rotWithShape="1">
+          <a:gsLst>
+            <a:gs pos="0">
+              <a:schemeClr val="phClr">
+                <a:tint val="93000"/>
+                <a:satMod val="150000"/>
+                <a:shade val="98000"/>
+                <a:lumMod val="102000"/>
+              </a:schemeClr>
+            </a:gs>
+            <a:gs pos="50000">
+              <a:schemeClr val="phClr">
+                <a:tint val="98000"/>
+                <a:satMod val="130000"/>
+                <a:shade val="90000"/>
+                <a:lumMod val="103000"/>
+              </a:schemeClr>
+            </a:gs>
+            <a:gs pos="100000">
+              <a:schemeClr val="phClr">
+                <a:shade val="63000"/>
+                <a:satMod val="120000"/>
+              </a:schemeClr>
+            </a:gs>
+          </a:gsLst>
+          <a:lin ang="5400000" scaled="0"/>
+        </a:gradFill>
+      </a:bgFillStyleLst>
+    </a:fmtScheme>
+  </a:themeElements>
+  <a:objectDefaults/>
+  <a:extraClrSchemeLst/>
+  <a:extLst>
+    <a:ext uri="{05A4C25C-085E-4340-85A3-A5531E510DB2}">
+      <thm15:themeFamily xmlns:thm15="http://schemas.microsoft.com/office/thememl/2012/main" name="Office Theme" id="{62F939B6-93AF-4DB8-9C6B-D6C7DFDC589F}" vid="{4A3C46E8-61CC-4603-A589-7422A47A8E4A}"/>
+    </a:ext>
+  </a:extLst>
+</a:theme>
 </file>
--- a/group19.pptx
+++ b/group19.pptx
@@ -512,14 +512,35 @@
           <a:bodyPr/>
           <a:lstStyle/>
           <a:p>
-            <a:r>
-              <a:rPr lang="en-US" altLang="zh-TW" dirty="0"/>
-              <a:t>ESC</a:t>
-            </a:r>
-            <a:r>
-              <a:rPr lang="zh-TW" altLang="en-US" dirty="0"/>
-              <a:t> 離開</a:t>
-            </a:r>
+            <a:pPr marL="0" marR="0" lvl="0" indent="0" algn="l" defTabSz="914400" rtl="0" eaLnBrk="1" fontAlgn="auto" latinLnBrk="0" hangingPunct="1">
+              <a:lnSpc>
+                <a:spcPct val="100000"/>
+              </a:lnSpc>
+              <a:spcBef>
+                <a:spcPts val="0"/>
+              </a:spcBef>
+              <a:spcAft>
+                <a:spcPts val="0"/>
+              </a:spcAft>
+              <a:buClrTx/>
+              <a:buSzTx/>
+              <a:buFontTx/>
+              <a:buNone/>
+              <a:tabLst/>
+              <a:defRPr/>
+            </a:pPr>
+            <a:r>
+              <a:rPr lang="zh-TW" altLang="en-US" sz="1200" dirty="0"/>
+              <a:t>遊戲玩法啟發自 </a:t>
+            </a:r>
+            <a:r>
+              <a:rPr lang="en-US" altLang="zh-TW" sz="1200" dirty="0" err="1"/>
+              <a:t>Helltaker</a:t>
+            </a:r>
+            <a:endParaRPr lang="en-US" altLang="zh-TW" sz="1200" dirty="0"/>
+          </a:p>
+          <a:p>
+            <a:endParaRPr lang="zh-TW" altLang="en-US" dirty="0"/>
           </a:p>
         </p:txBody>
       </p:sp>
@@ -602,73 +623,6 @@
         <p:txBody>
           <a:bodyPr/>
           <a:lstStyle/>
-          <a:p>
-            <a:r>
-              <a:rPr lang="zh-TW" altLang="en-US" b="1" dirty="0"/>
-              <a:t>將畫面切分成</a:t>
-            </a:r>
-            <a:r>
-              <a:rPr lang="en-US" altLang="zh-TW" b="1" dirty="0"/>
-              <a:t>Tile</a:t>
-            </a:r>
-            <a:r>
-              <a:rPr lang="zh-TW" altLang="en-US" b="1" dirty="0"/>
-              <a:t> 使用</a:t>
-            </a:r>
-            <a:r>
-              <a:rPr lang="en-US" altLang="zh-TW" b="1" dirty="0"/>
-              <a:t>Resource Compiler</a:t>
-            </a:r>
-            <a:r>
-              <a:rPr lang="zh-TW" altLang="en-US" b="1" dirty="0"/>
-              <a:t>編譯成</a:t>
-            </a:r>
-            <a:r>
-              <a:rPr lang="en-US" altLang="zh-TW" b="1" dirty="0"/>
-              <a:t>obj</a:t>
-            </a:r>
-            <a:r>
-              <a:rPr lang="zh-TW" altLang="en-US" b="1" dirty="0"/>
-              <a:t> 透過</a:t>
-            </a:r>
-            <a:r>
-              <a:rPr lang="en-US" altLang="zh-TW" b="1" dirty="0"/>
-              <a:t>link</a:t>
-            </a:r>
-            <a:r>
-              <a:rPr lang="zh-TW" altLang="en-US" b="1" dirty="0"/>
-              <a:t>連結</a:t>
-            </a:r>
-            <a:endParaRPr lang="en-US" altLang="zh-TW" b="1" dirty="0"/>
-          </a:p>
-          <a:p>
-            <a:pPr marL="0" marR="0" lvl="0" indent="0" algn="l" defTabSz="914400" rtl="0" eaLnBrk="1" fontAlgn="auto" latinLnBrk="0" hangingPunct="1">
-              <a:lnSpc>
-                <a:spcPct val="100000"/>
-              </a:lnSpc>
-              <a:spcBef>
-                <a:spcPts val="0"/>
-              </a:spcBef>
-              <a:spcAft>
-                <a:spcPts val="0"/>
-              </a:spcAft>
-              <a:buClrTx/>
-              <a:buSzTx/>
-              <a:buFontTx/>
-              <a:buNone/>
-              <a:tabLst/>
-              <a:defRPr/>
-            </a:pPr>
-            <a:r>
-              <a:rPr lang="zh-TW" altLang="en-US" b="1" dirty="0"/>
-              <a:t>右方</a:t>
-            </a:r>
-            <a:r>
-              <a:rPr lang="zh-TW" altLang="en-US" b="0" dirty="0"/>
-              <a:t>遊戲邏輯流程圖</a:t>
-            </a:r>
-            <a:endParaRPr lang="en-US" altLang="zh-TW" b="1" dirty="0"/>
-          </a:p>
           <a:p>
             <a:endParaRPr lang="en-US" altLang="zh-TW" b="1" dirty="0"/>
           </a:p>
@@ -4499,8 +4453,25 @@
         </p:nvSpPr>
         <p:spPr/>
         <p:txBody>
-          <a:bodyPr/>
+          <a:bodyPr>
+            <a:normAutofit fontScale="92500" lnSpcReduction="10000"/>
+          </a:bodyPr>
           <a:lstStyle/>
+          <a:p>
+            <a:r>
+              <a:rPr lang="zh-TW" altLang="en-US" dirty="0"/>
+              <a:t>第</a:t>
+            </a:r>
+            <a:r>
+              <a:rPr lang="en-US" altLang="zh-TW" dirty="0"/>
+              <a:t>19</a:t>
+            </a:r>
+            <a:r>
+              <a:rPr lang="zh-TW" altLang="en-US" dirty="0"/>
+              <a:t>組</a:t>
+            </a:r>
+            <a:endParaRPr lang="en-US" altLang="zh-TW" dirty="0"/>
+          </a:p>
           <a:p>
             <a:r>
               <a:rPr lang="en-US" altLang="zh-TW" dirty="0"/>
@@ -4666,7 +4637,15 @@
           <a:p>
             <a:r>
               <a:rPr lang="zh-TW" altLang="en-US" sz="2400" dirty="0"/>
-              <a:t>鍵盤上下左右移動角色</a:t>
+              <a:t>鍵盤上下左右移動角色 </a:t>
+            </a:r>
+            <a:r>
+              <a:rPr lang="en-US" altLang="zh-TW" sz="2400" dirty="0"/>
+              <a:t>ESC</a:t>
+            </a:r>
+            <a:r>
+              <a:rPr lang="zh-TW" altLang="en-US" sz="2400" dirty="0"/>
+              <a:t> 離開</a:t>
             </a:r>
             <a:endParaRPr lang="en-US" altLang="zh-TW" sz="2400" dirty="0"/>
           </a:p>
@@ -4840,48 +4819,6 @@
           </a:prstGeom>
         </p:spPr>
       </p:pic>
-      <p:sp>
-        <p:nvSpPr>
-          <p:cNvPr id="8" name="文字方塊 7">
-            <a:extLst>
-              <a:ext uri="{FF2B5EF4-FFF2-40B4-BE49-F238E27FC236}">
-                <a16:creationId xmlns:a16="http://schemas.microsoft.com/office/drawing/2014/main" id="{ACE76D86-BC3F-4A7D-9B01-C3E9ABC77A1F}"/>
-              </a:ext>
-            </a:extLst>
-          </p:cNvPr>
-          <p:cNvSpPr txBox="1"/>
-          <p:nvPr/>
-        </p:nvSpPr>
-        <p:spPr>
-          <a:xfrm>
-            <a:off x="1775012" y="6003758"/>
-            <a:ext cx="4812215" cy="830997"/>
-          </a:xfrm>
-          <a:prstGeom prst="rect">
-            <a:avLst/>
-          </a:prstGeom>
-          <a:noFill/>
-        </p:spPr>
-        <p:txBody>
-          <a:bodyPr wrap="none" rtlCol="0">
-            <a:spAutoFit/>
-          </a:bodyPr>
-          <a:lstStyle/>
-          <a:p>
-            <a:r>
-              <a:rPr lang="zh-TW" altLang="en-US" sz="2400" dirty="0"/>
-              <a:t>遊戲玩法啟發自遊戲作品 </a:t>
-            </a:r>
-            <a:r>
-              <a:rPr lang="en-US" altLang="zh-TW" sz="2400" dirty="0"/>
-              <a:t>Helltaker</a:t>
-            </a:r>
-          </a:p>
-          <a:p>
-            <a:endParaRPr lang="zh-TW" altLang="en-US" sz="2400" dirty="0"/>
-          </a:p>
-        </p:txBody>
-      </p:sp>
     </p:spTree>
     <p:extLst>
       <p:ext uri="{BB962C8B-B14F-4D97-AF65-F5344CB8AC3E}">
@@ -6698,7 +6635,12 @@
             <p:ph type="title"/>
           </p:nvPr>
         </p:nvSpPr>
-        <p:spPr/>
+        <p:spPr>
+          <a:xfrm>
+            <a:off x="1371600" y="1093567"/>
+            <a:ext cx="9601200" cy="1485900"/>
+          </a:xfrm>
+        </p:spPr>
         <p:txBody>
           <a:bodyPr numCol="1" anchor="ctr"/>
           <a:lstStyle/>
@@ -6731,8 +6673,8 @@
         </p:nvSpPr>
         <p:spPr>
           <a:xfrm>
-            <a:off x="1371600" y="2286000"/>
-            <a:ext cx="9601200" cy="1784684"/>
+            <a:off x="1371599" y="2461830"/>
+            <a:ext cx="10603149" cy="1784684"/>
           </a:xfrm>
         </p:spPr>
         <p:txBody>
@@ -6746,14 +6688,42 @@
               <a:t>Masm32 - Win32 API </a:t>
             </a:r>
             <a:r>
-              <a:rPr lang="en-US" altLang="zh-TW" sz="2400" dirty="0"/>
-              <a:t>( gdi32.lib user32.lib kernal32.lib masm32.lib )</a:t>
+              <a:rPr lang="en-US" altLang="zh-TW" sz="2100" dirty="0"/>
+              <a:t>( gdi32.lib user32.lib kernal32.lib masm32.lib </a:t>
+            </a:r>
+            <a:r>
+              <a:rPr lang="en-US" altLang="zh-TW" sz="1900" dirty="0"/>
+              <a:t>winmm.lib</a:t>
+            </a:r>
+            <a:r>
+              <a:rPr lang="zh-TW" altLang="en-US" sz="1900" dirty="0"/>
+              <a:t> </a:t>
+            </a:r>
+            <a:r>
+              <a:rPr lang="en-US" altLang="zh-TW" sz="2100" dirty="0"/>
+              <a:t>)</a:t>
             </a:r>
           </a:p>
           <a:p>
             <a:r>
               <a:rPr lang="en-US" altLang="zh-TW" sz="2400" dirty="0"/>
               <a:t>Resource Compiler</a:t>
+            </a:r>
+            <a:r>
+              <a:rPr lang="zh-TW" altLang="en-US" sz="2400" dirty="0"/>
+              <a:t> </a:t>
+            </a:r>
+            <a:r>
+              <a:rPr lang="en-US" altLang="zh-TW" sz="2400" dirty="0"/>
+              <a:t>\</a:t>
+            </a:r>
+            <a:r>
+              <a:rPr lang="zh-TW" altLang="en-US" sz="2400" dirty="0"/>
+              <a:t> </a:t>
+            </a:r>
+            <a:r>
+              <a:rPr lang="en-US" altLang="zh-TW" sz="2400" dirty="0"/>
+              <a:t>Resource To Object Converter</a:t>
             </a:r>
           </a:p>
           <a:p>
@@ -6796,7 +6766,7 @@
         </p:nvSpPr>
         <p:spPr>
           <a:xfrm>
-            <a:off x="1371600" y="4918549"/>
+            <a:off x="1500389" y="4871827"/>
             <a:ext cx="3312695" cy="1014413"/>
           </a:xfrm>
           <a:prstGeom prst="rect">
@@ -6849,13 +6819,13 @@
           <p:nvPr>
             <p:extLst>
               <p:ext uri="{D42A27DB-BD31-4B8C-83A1-F6EECF244321}">
-                <p14:modId xmlns:p14="http://schemas.microsoft.com/office/powerpoint/2010/main" val="1945393062"/>
+                <p14:modId xmlns:p14="http://schemas.microsoft.com/office/powerpoint/2010/main" val="1250468495"/>
               </p:ext>
             </p:extLst>
           </p:nvPr>
         </p:nvGraphicFramePr>
         <p:xfrm>
-          <a:off x="5217886" y="4774722"/>
+          <a:off x="4813084" y="4799914"/>
           <a:ext cx="3312698" cy="1158240"/>
         </p:xfrm>
         <a:graphic>
@@ -6886,6 +6856,7 @@
                     <a:bodyPr/>
                     <a:lstStyle/>
                     <a:p>
+                      <a:pPr algn="ctr"/>
                       <a:r>
                         <a:rPr lang="zh-TW" altLang="en-US" sz="3200" dirty="0"/>
                         <a:t>組員</a:t>
@@ -6899,6 +6870,7 @@
                     <a:bodyPr/>
                     <a:lstStyle/>
                     <a:p>
+                      <a:pPr algn="ctr"/>
                       <a:r>
                         <a:rPr lang="zh-TW" altLang="en-US" sz="3200" dirty="0"/>
                         <a:t>負責範圍</a:t>
@@ -6919,6 +6891,7 @@
                     <a:bodyPr/>
                     <a:lstStyle/>
                     <a:p>
+                      <a:pPr algn="ctr"/>
                       <a:r>
                         <a:rPr lang="zh-TW" altLang="en-US" sz="3200" dirty="0"/>
                         <a:t>林祥順</a:t>
@@ -6932,6 +6905,7 @@
                     <a:bodyPr/>
                     <a:lstStyle/>
                     <a:p>
+                      <a:pPr algn="ctr"/>
                       <a:r>
                         <a:rPr lang="zh-TW" altLang="en-US" sz="3200" dirty="0"/>
                         <a:t>全部</a:t>
@@ -6950,6 +6924,80 @@
           </a:graphicData>
         </a:graphic>
       </p:graphicFrame>
+      <p:pic>
+        <p:nvPicPr>
+          <p:cNvPr id="6" name="圖片 5">
+            <a:extLst>
+              <a:ext uri="{FF2B5EF4-FFF2-40B4-BE49-F238E27FC236}">
+                <a16:creationId xmlns:a16="http://schemas.microsoft.com/office/drawing/2014/main" id="{B5A3D949-3BEE-4474-A549-56E9637835AB}"/>
+              </a:ext>
+            </a:extLst>
+          </p:cNvPr>
+          <p:cNvPicPr>
+            <a:picLocks noChangeAspect="1"/>
+          </p:cNvPicPr>
+          <p:nvPr/>
+        </p:nvPicPr>
+        <p:blipFill>
+          <a:blip r:embed="rId2">
+            <a:extLst>
+              <a:ext uri="{BEBA8EAE-BF5A-486C-A8C5-ECC9F3942E4B}">
+                <a14:imgProps xmlns:a14="http://schemas.microsoft.com/office/drawing/2010/main">
+                  <a14:imgLayer r:embed="rId3">
+                    <a14:imgEffect>
+                      <a14:backgroundRemoval t="4859" b="93339" l="3000" r="97611">
+                        <a14:foregroundMark x1="60889" y1="66066" x2="46833" y2="53056"/>
+                        <a14:foregroundMark x1="46833" y1="53056" x2="30833" y2="34953"/>
+                        <a14:foregroundMark x1="30833" y1="34953" x2="25222" y2="33464"/>
+                        <a14:foregroundMark x1="25222" y1="33464" x2="20778" y2="36520"/>
+                        <a14:foregroundMark x1="20778" y1="36520" x2="19944" y2="43495"/>
+                        <a14:foregroundMark x1="19944" y1="43495" x2="24444" y2="48903"/>
+                        <a14:foregroundMark x1="24444" y1="48903" x2="44722" y2="61991"/>
+                        <a14:foregroundMark x1="30722" y1="82132" x2="28611" y2="75470"/>
+                        <a14:foregroundMark x1="28611" y1="75470" x2="24722" y2="70219"/>
+                        <a14:foregroundMark x1="24722" y1="70219" x2="14000" y2="64028"/>
+                        <a14:foregroundMark x1="14000" y1="64028" x2="8444" y2="63088"/>
+                        <a14:foregroundMark x1="8444" y1="63088" x2="11167" y2="70376"/>
+                        <a14:foregroundMark x1="11167" y1="70376" x2="16222" y2="75549"/>
+                        <a14:foregroundMark x1="16222" y1="75549" x2="26833" y2="79702"/>
+                        <a14:foregroundMark x1="26833" y1="79702" x2="27000" y2="79702"/>
+                        <a14:foregroundMark x1="86444" y1="30094" x2="78278" y2="20376"/>
+                        <a14:foregroundMark x1="78278" y1="20376" x2="69167" y2="12696"/>
+                        <a14:foregroundMark x1="69167" y1="12696" x2="67111" y2="19201"/>
+                        <a14:foregroundMark x1="67111" y1="19201" x2="71389" y2="23981"/>
+                        <a14:foregroundMark x1="71389" y1="23981" x2="80889" y2="27665"/>
+                        <a14:foregroundMark x1="65722" y1="10188" x2="67944" y2="4937"/>
+                        <a14:foregroundMark x1="7389" y1="52900" x2="3111" y2="57210"/>
+                        <a14:foregroundMark x1="3111" y1="57210" x2="3000" y2="64185"/>
+                        <a14:foregroundMark x1="3000" y1="64185" x2="5889" y2="69514"/>
+                        <a14:foregroundMark x1="36333" y1="86520" x2="39944" y2="91458"/>
+                        <a14:foregroundMark x1="39944" y1="91458" x2="34833" y2="90361"/>
+                        <a14:foregroundMark x1="34833" y1="90361" x2="33056" y2="93339"/>
+                        <a14:foregroundMark x1="88333" y1="33777" x2="95611" y2="43495"/>
+                        <a14:foregroundMark x1="95611" y1="43495" x2="89944" y2="30799"/>
+                        <a14:foregroundMark x1="89944" y1="30799" x2="93889" y2="31897"/>
+                        <a14:foregroundMark x1="97611" y1="45690" x2="96667" y2="42947"/>
+                      </a14:backgroundRemoval>
+                    </a14:imgEffect>
+                  </a14:imgLayer>
+                </a14:imgProps>
+              </a:ext>
+            </a:extLst>
+          </a:blip>
+          <a:stretch>
+            <a:fillRect/>
+          </a:stretch>
+        </p:blipFill>
+        <p:spPr>
+          <a:xfrm flipH="1">
+            <a:off x="8798242" y="4640094"/>
+            <a:ext cx="2867982" cy="2033081"/>
+          </a:xfrm>
+          <a:prstGeom prst="rect">
+            <a:avLst/>
+          </a:prstGeom>
+        </p:spPr>
+      </p:pic>
     </p:spTree>
     <p:extLst>
       <p:ext uri="{BB962C8B-B14F-4D97-AF65-F5344CB8AC3E}">
@@ -7008,12 +7056,61 @@
           <a:p>
             <a:pPr algn="ctr"/>
             <a:r>
-              <a:rPr lang="en-US" altLang="zh-TW" dirty="0">
-                <a:hlinkClick r:id="rId2" action="ppaction://hlinkfile"/>
-              </a:rPr>
+              <a:rPr lang="en-US" altLang="zh-TW" dirty="0"/>
               <a:t>DEMO</a:t>
             </a:r>
             <a:endParaRPr lang="zh-TW" altLang="en-US" dirty="0"/>
+          </a:p>
+        </p:txBody>
+      </p:sp>
+      <p:sp>
+        <p:nvSpPr>
+          <p:cNvPr id="2" name="矩形 1">
+            <a:hlinkClick r:id="rId2" action="ppaction://hlinkfile"/>
+            <a:extLst>
+              <a:ext uri="{FF2B5EF4-FFF2-40B4-BE49-F238E27FC236}">
+                <a16:creationId xmlns:a16="http://schemas.microsoft.com/office/drawing/2014/main" id="{2BAD1A9C-9205-4AB6-9B4F-5807EB4CEBE6}"/>
+              </a:ext>
+            </a:extLst>
+          </p:cNvPr>
+          <p:cNvSpPr/>
+          <p:nvPr/>
+        </p:nvSpPr>
+        <p:spPr>
+          <a:xfrm>
+            <a:off x="5247861" y="3051313"/>
+            <a:ext cx="1848678" cy="755374"/>
+          </a:xfrm>
+          <a:prstGeom prst="rect">
+            <a:avLst/>
+          </a:prstGeom>
+          <a:noFill/>
+          <a:ln>
+            <a:noFill/>
+          </a:ln>
+        </p:spPr>
+        <p:style>
+          <a:lnRef idx="2">
+            <a:schemeClr val="accent1">
+              <a:shade val="50000"/>
+            </a:schemeClr>
+          </a:lnRef>
+          <a:fillRef idx="1">
+            <a:schemeClr val="accent1"/>
+          </a:fillRef>
+          <a:effectRef idx="0">
+            <a:schemeClr val="accent1"/>
+          </a:effectRef>
+          <a:fontRef idx="minor">
+            <a:schemeClr val="lt1"/>
+          </a:fontRef>
+        </p:style>
+        <p:txBody>
+          <a:bodyPr rtlCol="0" anchor="ctr"/>
+          <a:lstStyle/>
+          <a:p>
+            <a:pPr algn="ctr"/>
+            <a:endParaRPr lang="zh-TW" altLang="en-US"/>
           </a:p>
         </p:txBody>
       </p:sp>

--- a/group19.pptx
+++ b/group19.pptx
@@ -5,14 +5,15 @@
     <p:sldMasterId id="2147483660" r:id="rId1"/>
   </p:sldMasterIdLst>
   <p:notesMasterIdLst>
-    <p:notesMasterId r:id="rId7"/>
+    <p:notesMasterId r:id="rId8"/>
   </p:notesMasterIdLst>
   <p:sldIdLst>
     <p:sldId id="256" r:id="rId2"/>
     <p:sldId id="258" r:id="rId3"/>
     <p:sldId id="261" r:id="rId4"/>
     <p:sldId id="260" r:id="rId5"/>
-    <p:sldId id="257" r:id="rId6"/>
+    <p:sldId id="263" r:id="rId6"/>
+    <p:sldId id="262" r:id="rId7"/>
   </p:sldIdLst>
   <p:sldSz cx="12192000" cy="6858000"/>
   <p:notesSz cx="6858000" cy="9144000"/>
@@ -655,6 +656,90 @@
     <p:extLst>
       <p:ext uri="{BB962C8B-B14F-4D97-AF65-F5344CB8AC3E}">
         <p14:creationId xmlns:p14="http://schemas.microsoft.com/office/powerpoint/2010/main" val="1761270733"/>
+      </p:ext>
+    </p:extLst>
+  </p:cSld>
+  <p:clrMapOvr>
+    <a:masterClrMapping/>
+  </p:clrMapOvr>
+</p:notes>
+</file>
+
+<file path=ppt/notesSlides/notesSlide3.xml><?xml version="1.0" encoding="utf-8"?>
+<p:notes xmlns:a="http://schemas.openxmlformats.org/drawingml/2006/main" xmlns:r="http://schemas.openxmlformats.org/officeDocument/2006/relationships" xmlns:p="http://schemas.openxmlformats.org/presentationml/2006/main">
+  <p:cSld>
+    <p:spTree>
+      <p:nvGrpSpPr>
+        <p:cNvPr id="1" name=""/>
+        <p:cNvGrpSpPr/>
+        <p:nvPr/>
+      </p:nvGrpSpPr>
+      <p:grpSpPr>
+        <a:xfrm>
+          <a:off x="0" y="0"/>
+          <a:ext cx="0" cy="0"/>
+          <a:chOff x="0" y="0"/>
+          <a:chExt cx="0" cy="0"/>
+        </a:xfrm>
+      </p:grpSpPr>
+      <p:sp>
+        <p:nvSpPr>
+          <p:cNvPr id="2" name="投影片影像版面配置區 1"/>
+          <p:cNvSpPr>
+            <a:spLocks noGrp="1" noRot="1" noChangeAspect="1"/>
+          </p:cNvSpPr>
+          <p:nvPr>
+            <p:ph type="sldImg"/>
+          </p:nvPr>
+        </p:nvSpPr>
+        <p:spPr/>
+      </p:sp>
+      <p:sp>
+        <p:nvSpPr>
+          <p:cNvPr id="3" name="備忘稿版面配置區 2"/>
+          <p:cNvSpPr>
+            <a:spLocks noGrp="1"/>
+          </p:cNvSpPr>
+          <p:nvPr>
+            <p:ph type="body" idx="1"/>
+          </p:nvPr>
+        </p:nvSpPr>
+        <p:spPr/>
+        <p:txBody>
+          <a:bodyPr/>
+          <a:lstStyle/>
+          <a:p>
+            <a:endParaRPr lang="en-US" altLang="zh-TW" b="1" dirty="0"/>
+          </a:p>
+        </p:txBody>
+      </p:sp>
+      <p:sp>
+        <p:nvSpPr>
+          <p:cNvPr id="4" name="投影片編號版面配置區 3"/>
+          <p:cNvSpPr>
+            <a:spLocks noGrp="1"/>
+          </p:cNvSpPr>
+          <p:nvPr>
+            <p:ph type="sldNum" sz="quarter" idx="5"/>
+          </p:nvPr>
+        </p:nvSpPr>
+        <p:spPr/>
+        <p:txBody>
+          <a:bodyPr/>
+          <a:lstStyle/>
+          <a:p>
+            <a:fld id="{518DE363-99AB-4E1F-93EC-5DED477F94EE}" type="slidenum">
+              <a:rPr lang="zh-TW" altLang="en-US" smtClean="0"/>
+              <a:t>5</a:t>
+            </a:fld>
+            <a:endParaRPr lang="zh-TW" altLang="en-US"/>
+          </a:p>
+        </p:txBody>
+      </p:sp>
+    </p:spTree>
+    <p:extLst>
+      <p:ext uri="{BB962C8B-B14F-4D97-AF65-F5344CB8AC3E}">
+        <p14:creationId xmlns:p14="http://schemas.microsoft.com/office/powerpoint/2010/main" val="3530563750"/>
       </p:ext>
     </p:extLst>
   </p:cSld>
@@ -4636,67 +4721,67 @@
           <a:lstStyle/>
           <a:p>
             <a:r>
-              <a:rPr lang="zh-TW" altLang="en-US" sz="2400" dirty="0"/>
+              <a:rPr lang="zh-TW" altLang="en-US" sz="2400" b="1" dirty="0"/>
               <a:t>鍵盤上下左右移動角色 </a:t>
             </a:r>
             <a:r>
-              <a:rPr lang="en-US" altLang="zh-TW" sz="2400" dirty="0"/>
+              <a:rPr lang="en-US" altLang="zh-TW" sz="2400" b="1" dirty="0"/>
               <a:t>ESC</a:t>
             </a:r>
             <a:r>
-              <a:rPr lang="zh-TW" altLang="en-US" sz="2400" dirty="0"/>
+              <a:rPr lang="zh-TW" altLang="en-US" sz="2400" b="1" dirty="0"/>
               <a:t> 離開</a:t>
             </a:r>
-            <a:endParaRPr lang="en-US" altLang="zh-TW" sz="2400" dirty="0"/>
-          </a:p>
-          <a:p>
-            <a:r>
-              <a:rPr lang="zh-TW" altLang="en-US" sz="2400" dirty="0"/>
+            <a:endParaRPr lang="en-US" altLang="zh-TW" sz="2400" b="1" dirty="0"/>
+          </a:p>
+          <a:p>
+            <a:r>
+              <a:rPr lang="zh-TW" altLang="en-US" sz="2400" b="1" dirty="0"/>
               <a:t>若木桶旁有空間則可以被推動</a:t>
             </a:r>
-            <a:endParaRPr lang="en-US" altLang="zh-TW" sz="2400" dirty="0"/>
-          </a:p>
-          <a:p>
-            <a:r>
-              <a:rPr lang="zh-TW" altLang="en-US" sz="2400" dirty="0"/>
+            <a:endParaRPr lang="en-US" altLang="zh-TW" sz="2400" b="1" dirty="0"/>
+          </a:p>
+          <a:p>
+            <a:r>
+              <a:rPr lang="zh-TW" altLang="en-US" sz="2400" b="1" dirty="0"/>
               <a:t>不能一次推動兩個木桶</a:t>
             </a:r>
-            <a:endParaRPr lang="en-US" altLang="zh-TW" sz="2400" dirty="0"/>
-          </a:p>
-          <a:p>
-            <a:r>
-              <a:rPr lang="zh-TW" altLang="en-US" sz="2400" dirty="0"/>
+            <a:endParaRPr lang="en-US" altLang="zh-TW" sz="2400" b="1" dirty="0"/>
+          </a:p>
+          <a:p>
+            <a:r>
+              <a:rPr lang="zh-TW" altLang="en-US" sz="2400" b="1" dirty="0"/>
               <a:t>遇到敵人可以推動，要消耗一次移動次數</a:t>
             </a:r>
-            <a:endParaRPr lang="en-US" altLang="zh-TW" sz="2400" dirty="0"/>
-          </a:p>
-          <a:p>
-            <a:r>
-              <a:rPr lang="zh-TW" altLang="en-US" sz="2400" dirty="0"/>
+            <a:endParaRPr lang="en-US" altLang="zh-TW" sz="2400" b="1" dirty="0"/>
+          </a:p>
+          <a:p>
+            <a:r>
+              <a:rPr lang="zh-TW" altLang="en-US" sz="2400" b="1" dirty="0"/>
               <a:t>若將敵人推向牆壁或尖刺可以消滅敵人</a:t>
             </a:r>
-            <a:endParaRPr lang="en-US" altLang="zh-TW" sz="2400" dirty="0"/>
-          </a:p>
-          <a:p>
-            <a:r>
-              <a:rPr lang="zh-TW" altLang="en-US" sz="2400" dirty="0"/>
+            <a:endParaRPr lang="en-US" altLang="zh-TW" sz="2400" b="1" dirty="0"/>
+          </a:p>
+          <a:p>
+            <a:r>
+              <a:rPr lang="zh-TW" altLang="en-US" sz="2400" b="1" dirty="0"/>
               <a:t>每個關卡有限定移動次數</a:t>
             </a:r>
             <a:br>
-              <a:rPr lang="en-US" altLang="zh-TW" sz="2400" dirty="0"/>
+              <a:rPr lang="en-US" altLang="zh-TW" sz="2400" b="1" dirty="0"/>
             </a:br>
             <a:r>
-              <a:rPr lang="zh-TW" altLang="en-US" sz="2400" dirty="0"/>
+              <a:rPr lang="zh-TW" altLang="en-US" sz="2400" b="1" dirty="0"/>
               <a:t>次數用盡則關卡重啟</a:t>
             </a:r>
-            <a:endParaRPr lang="en-US" altLang="zh-TW" sz="2400" dirty="0"/>
-          </a:p>
-          <a:p>
-            <a:r>
-              <a:rPr lang="zh-TW" altLang="en-US" sz="2400" dirty="0"/>
+            <a:endParaRPr lang="en-US" altLang="zh-TW" sz="2400" b="1" dirty="0"/>
+          </a:p>
+          <a:p>
+            <a:r>
+              <a:rPr lang="zh-TW" altLang="en-US" sz="2400" b="1" dirty="0"/>
               <a:t>到達樓梯則進入下一層</a:t>
             </a:r>
-            <a:endParaRPr lang="en-US" altLang="zh-TW" sz="2400" dirty="0"/>
+            <a:endParaRPr lang="en-US" altLang="zh-TW" sz="2400" b="1" dirty="0"/>
           </a:p>
           <a:p>
             <a:endParaRPr lang="en-US" altLang="zh-TW" dirty="0"/>
@@ -4899,8 +4984,8 @@
         </p:nvSpPr>
         <p:spPr>
           <a:xfrm>
-            <a:off x="1020795" y="2030003"/>
-            <a:ext cx="5666679" cy="4278094"/>
+            <a:off x="1020815" y="1722756"/>
+            <a:ext cx="5666679" cy="5186035"/>
           </a:xfrm>
           <a:prstGeom prst="rect">
             <a:avLst/>
@@ -4983,7 +5068,15 @@
             </a:br>
             <a:r>
               <a:rPr lang="zh-TW" altLang="en-US" b="1" dirty="0"/>
-              <a:t>視窗創建後傳送，載入</a:t>
+              <a:t>視窗創建後傳送，</a:t>
+            </a:r>
+            <a:r>
+              <a:rPr lang="en-US" altLang="zh-TW" b="1" dirty="0"/>
+              <a:t>LoadBitmapHandlers</a:t>
+            </a:r>
+            <a:r>
+              <a:rPr lang="zh-TW" altLang="en-US" b="1" dirty="0"/>
+              <a:t> 在遊戲開始時讀取會重複用到的</a:t>
             </a:r>
             <a:r>
               <a:rPr lang="en-US" altLang="zh-TW" b="1" dirty="0"/>
@@ -4991,11 +5084,26 @@
             </a:r>
             <a:r>
               <a:rPr lang="zh-TW" altLang="en-US" b="1" dirty="0"/>
-              <a:t>並取得它們的</a:t>
+              <a:t>與</a:t>
             </a:r>
             <a:r>
               <a:rPr lang="en-US" altLang="zh-TW" b="1" dirty="0"/>
-              <a:t>handle</a:t>
+              <a:t>Mask</a:t>
+            </a:r>
+            <a:r>
+              <a:rPr lang="zh-TW" altLang="en-US" b="1" dirty="0"/>
+              <a:t>，</a:t>
+            </a:r>
+            <a:br>
+              <a:rPr lang="en-US" altLang="zh-TW" b="1" dirty="0"/>
+            </a:br>
+            <a:r>
+              <a:rPr lang="zh-TW" altLang="en-US" b="1" dirty="0"/>
+              <a:t>取得他們的</a:t>
+            </a:r>
+            <a:r>
+              <a:rPr lang="en-US" altLang="zh-TW" b="1" dirty="0"/>
+              <a:t>Handle</a:t>
             </a:r>
             <a:r>
               <a:rPr lang="zh-TW" altLang="en-US" b="1" dirty="0"/>
@@ -5055,7 +5163,27 @@
             </a:r>
             <a:r>
               <a:rPr lang="zh-TW" altLang="en-US" b="1" dirty="0"/>
-              <a:t>，依據遊戲邏輯修改狀態。</a:t>
+              <a:t>，依據遊戲邏輯 </a:t>
+            </a:r>
+            <a:r>
+              <a:rPr lang="en-US" altLang="zh-TW" dirty="0"/>
+              <a:t>(</a:t>
+            </a:r>
+            <a:r>
+              <a:rPr lang="zh-TW" altLang="en-US" b="1" dirty="0"/>
+              <a:t> </a:t>
+            </a:r>
+            <a:r>
+              <a:rPr lang="en-US" altLang="zh-TW" dirty="0"/>
+              <a:t>ProcessMovement )</a:t>
+            </a:r>
+            <a:r>
+              <a:rPr lang="zh-TW" altLang="en-US" dirty="0"/>
+              <a:t> </a:t>
+            </a:r>
+            <a:r>
+              <a:rPr lang="zh-TW" altLang="en-US" b="1" dirty="0"/>
+              <a:t>修改狀態。</a:t>
             </a:r>
           </a:p>
           <a:p>
@@ -5076,6 +5204,48 @@
             <a:r>
               <a:rPr lang="zh-TW" altLang="en-US" b="1" dirty="0"/>
               <a:t>使用計時器處理動畫與過場。</a:t>
+            </a:r>
+            <a:endParaRPr lang="en-US" altLang="zh-TW" b="1" dirty="0"/>
+          </a:p>
+          <a:p>
+            <a:pPr marL="139950" indent="-342900">
+              <a:spcBef>
+                <a:spcPts val="600"/>
+              </a:spcBef>
+              <a:buFont typeface="+mj-lt"/>
+              <a:buAutoNum type="arabicPeriod"/>
+            </a:pPr>
+            <a:r>
+              <a:rPr lang="en-US" altLang="zh-TW" b="1" dirty="0"/>
+              <a:t>ResetGame </a:t>
+            </a:r>
+            <a:r>
+              <a:rPr lang="zh-TW" altLang="en-US" b="1" dirty="0"/>
+              <a:t>處理每次關卡開始前的重設，包含起始</a:t>
+            </a:r>
+            <a:r>
+              <a:rPr lang="en-US" altLang="zh-TW" b="1" dirty="0"/>
+              <a:t>	</a:t>
+            </a:r>
+            <a:r>
+              <a:rPr lang="zh-TW" altLang="en-US" b="1" dirty="0"/>
+              <a:t>位置、</a:t>
+            </a:r>
+            <a:r>
+              <a:rPr lang="en-US" altLang="zh-TW" b="1" dirty="0"/>
+              <a:t>Tile </a:t>
+            </a:r>
+            <a:r>
+              <a:rPr lang="zh-TW" altLang="en-US" b="1" dirty="0"/>
+              <a:t>狀態、</a:t>
+            </a:r>
+            <a:r>
+              <a:rPr lang="en-US" altLang="zh-TW" b="1" dirty="0"/>
+              <a:t>Timer</a:t>
+            </a:r>
+            <a:r>
+              <a:rPr lang="zh-TW" altLang="en-US" b="1" dirty="0"/>
+              <a:t>。</a:t>
             </a:r>
             <a:endParaRPr lang="en-US" altLang="zh-TW" b="1" dirty="0"/>
           </a:p>
@@ -6706,23 +6876,23 @@
           </a:p>
           <a:p>
             <a:r>
-              <a:rPr lang="en-US" altLang="zh-TW" sz="2400" dirty="0"/>
-              <a:t>Resource Compiler</a:t>
+              <a:rPr lang="en-US" altLang="zh-TW" sz="2400" b="1" dirty="0"/>
+              <a:t>Masm32 - Resource Compiler</a:t>
+            </a:r>
+            <a:r>
+              <a:rPr lang="zh-TW" altLang="en-US" sz="2400" b="1" dirty="0"/>
+              <a:t> </a:t>
+            </a:r>
+            <a:r>
+              <a:rPr lang="en-US" altLang="zh-TW" sz="2400" b="1" dirty="0"/>
+              <a:t>\</a:t>
             </a:r>
             <a:r>
               <a:rPr lang="zh-TW" altLang="en-US" sz="2400" dirty="0"/>
               <a:t> </a:t>
             </a:r>
             <a:r>
-              <a:rPr lang="en-US" altLang="zh-TW" sz="2400" dirty="0"/>
-              <a:t>\</a:t>
-            </a:r>
-            <a:r>
-              <a:rPr lang="zh-TW" altLang="en-US" sz="2400" dirty="0"/>
-              <a:t> </a:t>
-            </a:r>
-            <a:r>
-              <a:rPr lang="en-US" altLang="zh-TW" sz="2400" dirty="0"/>
+              <a:rPr lang="en-US" altLang="zh-TW" sz="2400" b="1" dirty="0"/>
               <a:t>Resource To Object Converter</a:t>
             </a:r>
           </a:p>
@@ -6998,6 +7168,57 @@
           </a:prstGeom>
         </p:spPr>
       </p:pic>
+      <p:sp>
+        <p:nvSpPr>
+          <p:cNvPr id="7" name="矩形 6">
+            <a:hlinkClick r:id="rId4" action="ppaction://hlinkfile"/>
+            <a:extLst>
+              <a:ext uri="{FF2B5EF4-FFF2-40B4-BE49-F238E27FC236}">
+                <a16:creationId xmlns:a16="http://schemas.microsoft.com/office/drawing/2014/main" id="{882530F2-74B2-4D6C-8CFE-6861F8CE8803}"/>
+              </a:ext>
+            </a:extLst>
+          </p:cNvPr>
+          <p:cNvSpPr/>
+          <p:nvPr/>
+        </p:nvSpPr>
+        <p:spPr>
+          <a:xfrm>
+            <a:off x="8597643" y="4494139"/>
+            <a:ext cx="3312697" cy="2179035"/>
+          </a:xfrm>
+          <a:prstGeom prst="rect">
+            <a:avLst/>
+          </a:prstGeom>
+          <a:noFill/>
+          <a:ln>
+            <a:noFill/>
+          </a:ln>
+        </p:spPr>
+        <p:style>
+          <a:lnRef idx="2">
+            <a:schemeClr val="accent1">
+              <a:shade val="50000"/>
+            </a:schemeClr>
+          </a:lnRef>
+          <a:fillRef idx="1">
+            <a:schemeClr val="accent1"/>
+          </a:fillRef>
+          <a:effectRef idx="0">
+            <a:schemeClr val="accent1"/>
+          </a:effectRef>
+          <a:fontRef idx="minor">
+            <a:schemeClr val="lt1"/>
+          </a:fontRef>
+        </p:style>
+        <p:txBody>
+          <a:bodyPr rtlCol="0" anchor="ctr"/>
+          <a:lstStyle/>
+          <a:p>
+            <a:pPr algn="ctr"/>
+            <a:endParaRPr lang="zh-TW" altLang="en-US"/>
+          </a:p>
+        </p:txBody>
+      </p:sp>
     </p:spTree>
     <p:extLst>
       <p:ext uri="{BB962C8B-B14F-4D97-AF65-F5344CB8AC3E}">
@@ -7012,7 +7233,7 @@
 </file>
 
 <file path=ppt/slides/slide5.xml><?xml version="1.0" encoding="utf-8"?>
-<p:sld xmlns:a="http://schemas.openxmlformats.org/drawingml/2006/main" xmlns:r="http://schemas.openxmlformats.org/officeDocument/2006/relationships" xmlns:p="http://schemas.openxmlformats.org/presentationml/2006/main">
+<p:sld xmlns:a="http://schemas.openxmlformats.org/drawingml/2006/main" xmlns:r="http://schemas.openxmlformats.org/officeDocument/2006/relationships" xmlns:p="http://schemas.openxmlformats.org/presentationml/2006/main" show="0">
   <p:cSld>
     <p:spTree>
       <p:nvGrpSpPr>
@@ -7030,10 +7251,10 @@
       </p:grpSpPr>
       <p:sp>
         <p:nvSpPr>
-          <p:cNvPr id="10" name="標題 9">
+          <p:cNvPr id="2" name="標題 1">
             <a:extLst>
               <a:ext uri="{FF2B5EF4-FFF2-40B4-BE49-F238E27FC236}">
-                <a16:creationId xmlns:a16="http://schemas.microsoft.com/office/drawing/2014/main" id="{E6BF08EF-64DA-475E-B04F-36B6CD7D6F02}"/>
+                <a16:creationId xmlns:a16="http://schemas.microsoft.com/office/drawing/2014/main" id="{0988D19D-934E-4CE3-869A-50A478611572}"/>
               </a:ext>
             </a:extLst>
           </p:cNvPr>
@@ -7046,18 +7267,19 @@
         </p:nvSpPr>
         <p:spPr>
           <a:xfrm>
-            <a:off x="1371600" y="2686050"/>
-            <a:ext cx="9601200" cy="1485900"/>
+            <a:off x="1371600" y="685800"/>
+            <a:ext cx="4128986" cy="1485900"/>
           </a:xfrm>
         </p:spPr>
         <p:txBody>
           <a:bodyPr anchor="ctr"/>
           <a:lstStyle/>
           <a:p>
-            <a:pPr algn="ctr"/>
-            <a:r>
-              <a:rPr lang="en-US" altLang="zh-TW" dirty="0"/>
-              <a:t>DEMO</a:t>
+            <a:r>
+              <a:rPr lang="zh-TW" altLang="en-US" dirty="0">
+                <a:latin typeface="微軟正黑體" panose="020B0604030504040204" pitchFamily="34" charset="-120"/>
+              </a:rPr>
+              <a:t>程式架構與流程</a:t>
             </a:r>
             <a:endParaRPr lang="zh-TW" altLang="en-US" dirty="0"/>
           </a:p>
@@ -7065,11 +7287,435 @@
       </p:sp>
       <p:sp>
         <p:nvSpPr>
-          <p:cNvPr id="2" name="矩形 1">
-            <a:hlinkClick r:id="rId2" action="ppaction://hlinkfile"/>
+          <p:cNvPr id="4" name="文字方塊 3">
             <a:extLst>
               <a:ext uri="{FF2B5EF4-FFF2-40B4-BE49-F238E27FC236}">
-                <a16:creationId xmlns:a16="http://schemas.microsoft.com/office/drawing/2014/main" id="{2BAD1A9C-9205-4AB6-9B4F-5807EB4CEBE6}"/>
+                <a16:creationId xmlns:a16="http://schemas.microsoft.com/office/drawing/2014/main" id="{71695F58-16DD-406C-BAB5-B1CC7640D13D}"/>
+              </a:ext>
+            </a:extLst>
+          </p:cNvPr>
+          <p:cNvSpPr txBox="1"/>
+          <p:nvPr/>
+        </p:nvSpPr>
+        <p:spPr>
+          <a:xfrm>
+            <a:off x="1131230" y="2171700"/>
+            <a:ext cx="10588329" cy="3447098"/>
+          </a:xfrm>
+          <a:prstGeom prst="rect">
+            <a:avLst/>
+          </a:prstGeom>
+          <a:noFill/>
+        </p:spPr>
+        <p:txBody>
+          <a:bodyPr wrap="square" rtlCol="0">
+            <a:spAutoFit/>
+          </a:bodyPr>
+          <a:lstStyle/>
+          <a:p>
+            <a:pPr marL="342900" indent="-342900">
+              <a:spcBef>
+                <a:spcPts val="1200"/>
+              </a:spcBef>
+              <a:buFont typeface="+mj-lt"/>
+              <a:buAutoNum type="arabicPeriod"/>
+            </a:pPr>
+            <a:r>
+              <a:rPr lang="zh-TW" altLang="en-US" sz="2400" b="1" dirty="0"/>
+              <a:t>使用</a:t>
+            </a:r>
+            <a:r>
+              <a:rPr lang="en-US" altLang="zh-TW" sz="2400" b="1" dirty="0"/>
+              <a:t>RC.exe</a:t>
+            </a:r>
+            <a:r>
+              <a:rPr lang="zh-TW" altLang="en-US" sz="2400" b="1" dirty="0"/>
+              <a:t>將</a:t>
+            </a:r>
+            <a:r>
+              <a:rPr lang="en-US" altLang="zh-TW" sz="2400" b="1" dirty="0"/>
+              <a:t>BMP</a:t>
+            </a:r>
+            <a:r>
+              <a:rPr lang="zh-TW" altLang="en-US" sz="2400" b="1" dirty="0"/>
+              <a:t>檔編譯成</a:t>
+            </a:r>
+            <a:r>
+              <a:rPr lang="en-US" altLang="zh-TW" sz="2400" b="1" dirty="0"/>
+              <a:t>Resource object</a:t>
+            </a:r>
+            <a:r>
+              <a:rPr lang="zh-TW" altLang="en-US" sz="2400" b="1" dirty="0"/>
+              <a:t>，並在編譯時</a:t>
+            </a:r>
+            <a:r>
+              <a:rPr lang="en-US" altLang="zh-TW" sz="2400" b="1" dirty="0"/>
+              <a:t>LINK</a:t>
+            </a:r>
+            <a:r>
+              <a:rPr lang="zh-TW" altLang="en-US" sz="2400" b="1" dirty="0"/>
+              <a:t>到主程式中。</a:t>
+            </a:r>
+            <a:endParaRPr lang="en-US" altLang="zh-TW" sz="2400" b="1" dirty="0"/>
+          </a:p>
+          <a:p>
+            <a:pPr marL="342900" indent="-342900">
+              <a:spcBef>
+                <a:spcPts val="1200"/>
+              </a:spcBef>
+              <a:buFont typeface="+mj-lt"/>
+              <a:buAutoNum type="arabicPeriod"/>
+            </a:pPr>
+            <a:r>
+              <a:rPr lang="zh-TW" altLang="en-US" sz="2400" b="1" dirty="0"/>
+              <a:t>定義</a:t>
+            </a:r>
+            <a:r>
+              <a:rPr lang="en-US" altLang="zh-TW" sz="2400" b="1" dirty="0"/>
+              <a:t>WNDCLASS STRUCT</a:t>
+            </a:r>
+            <a:r>
+              <a:rPr lang="zh-TW" altLang="en-US" sz="2400" b="1" dirty="0"/>
+              <a:t>的內容決定多個視窗參數，包含外觀、</a:t>
+            </a:r>
+            <a:r>
+              <a:rPr lang="en-US" altLang="zh-TW" sz="2400" b="1" dirty="0"/>
+              <a:t>ICON</a:t>
+            </a:r>
+            <a:r>
+              <a:rPr lang="zh-TW" altLang="en-US" sz="2400" b="1" dirty="0"/>
+              <a:t>、名稱。</a:t>
+            </a:r>
+          </a:p>
+          <a:p>
+            <a:pPr marL="342900" indent="-342900">
+              <a:spcBef>
+                <a:spcPts val="1200"/>
+              </a:spcBef>
+              <a:buFont typeface="+mj-lt"/>
+              <a:buAutoNum type="arabicPeriod"/>
+            </a:pPr>
+            <a:r>
+              <a:rPr lang="zh-TW" altLang="en-US" sz="2400" b="1" dirty="0"/>
+              <a:t>透過 </a:t>
+            </a:r>
+            <a:r>
+              <a:rPr lang="en-US" altLang="zh-TW" sz="2400" b="1" dirty="0"/>
+              <a:t>CreateWindow</a:t>
+            </a:r>
+            <a:r>
+              <a:rPr lang="zh-TW" altLang="en-US" sz="2400" b="1" dirty="0"/>
+              <a:t>建立視窗。</a:t>
+            </a:r>
+          </a:p>
+          <a:p>
+            <a:pPr marL="342900" indent="-342900">
+              <a:spcBef>
+                <a:spcPts val="1200"/>
+              </a:spcBef>
+              <a:buFont typeface="+mj-lt"/>
+              <a:buAutoNum type="arabicPeriod"/>
+            </a:pPr>
+            <a:r>
+              <a:rPr lang="zh-TW" altLang="en-US" sz="2400" b="1" dirty="0"/>
+              <a:t>透過</a:t>
+            </a:r>
+            <a:r>
+              <a:rPr lang="en-US" altLang="zh-TW" sz="2400" b="1" dirty="0"/>
+              <a:t>WIN API</a:t>
+            </a:r>
+            <a:r>
+              <a:rPr lang="zh-TW" altLang="en-US" sz="2400" b="1" dirty="0"/>
+              <a:t>的事件迴圈，處理重繪、鍵盤事件。</a:t>
+            </a:r>
+            <a:endParaRPr lang="en-US" altLang="zh-TW" sz="2400" b="1" dirty="0"/>
+          </a:p>
+          <a:p>
+            <a:pPr marL="342900" indent="-342900">
+              <a:spcBef>
+                <a:spcPts val="1200"/>
+              </a:spcBef>
+              <a:buFont typeface="+mj-lt"/>
+              <a:buAutoNum type="arabicPeriod"/>
+            </a:pPr>
+            <a:r>
+              <a:rPr lang="en-US" altLang="zh-TW" sz="2400" b="1" dirty="0"/>
+              <a:t>LoadBitmapHandlers</a:t>
+            </a:r>
+            <a:r>
+              <a:rPr lang="zh-TW" altLang="en-US" sz="2400" b="1" dirty="0"/>
+              <a:t> 在遊戲開始時讀取會重複用到的</a:t>
+            </a:r>
+            <a:r>
+              <a:rPr lang="en-US" altLang="zh-TW" sz="2400" b="1" dirty="0"/>
+              <a:t>Bitmaps</a:t>
+            </a:r>
+            <a:r>
+              <a:rPr lang="zh-TW" altLang="en-US" sz="2400" b="1" dirty="0"/>
+              <a:t>與</a:t>
+            </a:r>
+            <a:r>
+              <a:rPr lang="en-US" altLang="zh-TW" sz="2400" b="1" dirty="0"/>
+              <a:t>Mask</a:t>
+            </a:r>
+            <a:r>
+              <a:rPr lang="zh-TW" altLang="en-US" sz="2400" b="1" dirty="0"/>
+              <a:t>，</a:t>
+            </a:r>
+            <a:br>
+              <a:rPr lang="en-US" altLang="zh-TW" sz="2400" b="1" dirty="0"/>
+            </a:br>
+            <a:r>
+              <a:rPr lang="zh-TW" altLang="en-US" sz="2400" b="1" dirty="0"/>
+              <a:t>取得他們的</a:t>
+            </a:r>
+            <a:r>
+              <a:rPr lang="en-US" altLang="zh-TW" sz="2400" b="1" dirty="0"/>
+              <a:t>Handle</a:t>
+            </a:r>
+            <a:r>
+              <a:rPr lang="zh-TW" altLang="en-US" sz="2400" b="1" dirty="0"/>
+              <a:t>。</a:t>
+            </a:r>
+            <a:endParaRPr lang="en-US" altLang="zh-TW" sz="2400" b="1" dirty="0"/>
+          </a:p>
+          <a:p>
+            <a:pPr marL="342900" indent="-342900">
+              <a:spcBef>
+                <a:spcPts val="1200"/>
+              </a:spcBef>
+              <a:buFont typeface="+mj-lt"/>
+              <a:buAutoNum type="arabicPeriod"/>
+            </a:pPr>
+            <a:r>
+              <a:rPr lang="en-US" altLang="zh-TW" sz="2400" b="1" dirty="0"/>
+              <a:t>ResetGame </a:t>
+            </a:r>
+            <a:r>
+              <a:rPr lang="zh-TW" altLang="en-US" sz="2400" b="1" dirty="0"/>
+              <a:t>處理每次關卡開始前的重設，包含起始位置、</a:t>
+            </a:r>
+            <a:r>
+              <a:rPr lang="en-US" altLang="zh-TW" sz="2400" b="1" dirty="0"/>
+              <a:t>Tile </a:t>
+            </a:r>
+            <a:r>
+              <a:rPr lang="zh-TW" altLang="en-US" sz="2400" b="1" dirty="0"/>
+              <a:t>狀態、</a:t>
+            </a:r>
+            <a:r>
+              <a:rPr lang="en-US" altLang="zh-TW" sz="2400" b="1" dirty="0"/>
+              <a:t>Timer</a:t>
+            </a:r>
+            <a:r>
+              <a:rPr lang="zh-TW" altLang="en-US" sz="2400" b="1" dirty="0"/>
+              <a:t>。</a:t>
+            </a:r>
+            <a:endParaRPr lang="en-US" altLang="zh-TW" sz="2400" b="1" dirty="0"/>
+          </a:p>
+        </p:txBody>
+      </p:sp>
+    </p:spTree>
+    <p:extLst>
+      <p:ext uri="{BB962C8B-B14F-4D97-AF65-F5344CB8AC3E}">
+        <p14:creationId xmlns:p14="http://schemas.microsoft.com/office/powerpoint/2010/main" val="1361813538"/>
+      </p:ext>
+    </p:extLst>
+  </p:cSld>
+  <p:clrMapOvr>
+    <a:masterClrMapping/>
+  </p:clrMapOvr>
+</p:sld>
+</file>
+
+<file path=ppt/slides/slide6.xml><?xml version="1.0" encoding="utf-8"?>
+<p:sld xmlns:a="http://schemas.openxmlformats.org/drawingml/2006/main" xmlns:r="http://schemas.openxmlformats.org/officeDocument/2006/relationships" xmlns:p="http://schemas.openxmlformats.org/presentationml/2006/main" show="0">
+  <p:cSld>
+    <p:spTree>
+      <p:nvGrpSpPr>
+        <p:cNvPr id="1" name=""/>
+        <p:cNvGrpSpPr/>
+        <p:nvPr/>
+      </p:nvGrpSpPr>
+      <p:grpSpPr>
+        <a:xfrm>
+          <a:off x="0" y="0"/>
+          <a:ext cx="0" cy="0"/>
+          <a:chOff x="0" y="0"/>
+          <a:chExt cx="0" cy="0"/>
+        </a:xfrm>
+      </p:grpSpPr>
+      <p:sp>
+        <p:nvSpPr>
+          <p:cNvPr id="4" name="文字方塊 3">
+            <a:extLst>
+              <a:ext uri="{FF2B5EF4-FFF2-40B4-BE49-F238E27FC236}">
+                <a16:creationId xmlns:a16="http://schemas.microsoft.com/office/drawing/2014/main" id="{DCF88886-FD42-4DE8-8DDC-865F2C2BBF5C}"/>
+              </a:ext>
+            </a:extLst>
+          </p:cNvPr>
+          <p:cNvSpPr txBox="1"/>
+          <p:nvPr/>
+        </p:nvSpPr>
+        <p:spPr>
+          <a:xfrm>
+            <a:off x="1051741" y="1334792"/>
+            <a:ext cx="5666679" cy="4585871"/>
+          </a:xfrm>
+          <a:prstGeom prst="rect">
+            <a:avLst/>
+          </a:prstGeom>
+          <a:noFill/>
+        </p:spPr>
+        <p:txBody>
+          <a:bodyPr wrap="square" rtlCol="0">
+            <a:spAutoFit/>
+          </a:bodyPr>
+          <a:lstStyle/>
+          <a:p>
+            <a:r>
+              <a:rPr lang="en-US" altLang="zh-TW" sz="3200" b="1" dirty="0"/>
+              <a:t>Message loop</a:t>
+            </a:r>
+            <a:endParaRPr lang="zh-TW" altLang="en-US" sz="3200" b="1" dirty="0"/>
+          </a:p>
+          <a:p>
+            <a:pPr marL="540000" lvl="1" indent="-285750">
+              <a:spcBef>
+                <a:spcPts val="1200"/>
+              </a:spcBef>
+              <a:buFont typeface="Arial" panose="020B0604020202020204" pitchFamily="34" charset="0"/>
+              <a:buChar char="•"/>
+            </a:pPr>
+            <a:r>
+              <a:rPr lang="en-US" altLang="zh-TW" sz="2000" b="1" dirty="0"/>
+              <a:t>WM_CREATE</a:t>
+            </a:r>
+            <a:br>
+              <a:rPr lang="en-US" altLang="zh-TW" sz="2000" b="1" dirty="0"/>
+            </a:br>
+            <a:r>
+              <a:rPr lang="zh-TW" altLang="en-US" sz="2000" b="1" dirty="0"/>
+              <a:t>視窗創建後傳送，載入</a:t>
+            </a:r>
+            <a:r>
+              <a:rPr lang="en-US" altLang="zh-TW" sz="2000" b="1" dirty="0"/>
+              <a:t>Bitmaps</a:t>
+            </a:r>
+            <a:r>
+              <a:rPr lang="zh-TW" altLang="en-US" sz="2000" b="1" dirty="0"/>
+              <a:t>並取得它們的</a:t>
+            </a:r>
+            <a:r>
+              <a:rPr lang="en-US" altLang="zh-TW" sz="2000" b="1" dirty="0"/>
+              <a:t>handle</a:t>
+            </a:r>
+            <a:r>
+              <a:rPr lang="zh-TW" altLang="en-US" sz="2000" b="1" dirty="0"/>
+              <a:t>，供繪製畫面時使用。</a:t>
+            </a:r>
+          </a:p>
+          <a:p>
+            <a:pPr marL="540000" lvl="1" indent="-285750">
+              <a:spcBef>
+                <a:spcPts val="1200"/>
+              </a:spcBef>
+              <a:buFont typeface="Arial" panose="020B0604020202020204" pitchFamily="34" charset="0"/>
+              <a:buChar char="•"/>
+            </a:pPr>
+            <a:r>
+              <a:rPr lang="en-US" altLang="zh-TW" sz="2000" b="1" dirty="0"/>
+              <a:t>WM_PAINT</a:t>
+            </a:r>
+            <a:br>
+              <a:rPr lang="en-US" altLang="zh-TW" sz="2000" b="1" dirty="0"/>
+            </a:br>
+            <a:r>
+              <a:rPr lang="zh-TW" altLang="en-US" sz="2000" b="1" dirty="0"/>
+              <a:t>需要更新視窗時傳送，依照每個</a:t>
+            </a:r>
+            <a:r>
+              <a:rPr lang="en-US" altLang="zh-TW" sz="2000" b="1" dirty="0"/>
+              <a:t>Tile</a:t>
+            </a:r>
+            <a:r>
+              <a:rPr lang="zh-TW" altLang="en-US" sz="2000" b="1" dirty="0"/>
+              <a:t>的狀態處理遊戲內容的渲染。</a:t>
+            </a:r>
+          </a:p>
+          <a:p>
+            <a:pPr marL="540000" lvl="1" indent="-285750">
+              <a:spcBef>
+                <a:spcPts val="1200"/>
+              </a:spcBef>
+              <a:buFont typeface="Arial" panose="020B0604020202020204" pitchFamily="34" charset="0"/>
+              <a:buChar char="•"/>
+            </a:pPr>
+            <a:r>
+              <a:rPr lang="en-US" altLang="zh-TW" sz="2000" b="1" dirty="0"/>
+              <a:t>WM_KEYUP</a:t>
+            </a:r>
+            <a:br>
+              <a:rPr lang="en-US" altLang="zh-TW" sz="2000" b="1" dirty="0"/>
+            </a:br>
+            <a:r>
+              <a:rPr lang="zh-TW" altLang="en-US" sz="2000" b="1" dirty="0"/>
+              <a:t>針對按下按鍵的</a:t>
+            </a:r>
+            <a:r>
+              <a:rPr lang="en-US" altLang="zh-TW" sz="2000" b="1" dirty="0"/>
+              <a:t>Key Code</a:t>
+            </a:r>
+            <a:r>
+              <a:rPr lang="zh-TW" altLang="en-US" sz="2000" b="1" dirty="0"/>
+              <a:t>，依據遊戲邏輯 </a:t>
+            </a:r>
+            <a:r>
+              <a:rPr lang="en-US" altLang="zh-TW" sz="2000" b="1" dirty="0"/>
+              <a:t>(</a:t>
+            </a:r>
+            <a:r>
+              <a:rPr lang="zh-TW" altLang="en-US" sz="2000" b="1" dirty="0"/>
+              <a:t> </a:t>
+            </a:r>
+            <a:r>
+              <a:rPr lang="en-US" altLang="zh-TW" sz="2000" b="1" dirty="0"/>
+              <a:t>ProcessMovement )</a:t>
+            </a:r>
+            <a:r>
+              <a:rPr lang="zh-TW" altLang="en-US" sz="2000" b="1" dirty="0"/>
+              <a:t> 修改狀態。</a:t>
+            </a:r>
+          </a:p>
+          <a:p>
+            <a:pPr marL="540000" lvl="1" indent="-285750">
+              <a:spcBef>
+                <a:spcPts val="1200"/>
+              </a:spcBef>
+              <a:buFont typeface="Arial" panose="020B0604020202020204" pitchFamily="34" charset="0"/>
+              <a:buChar char="•"/>
+            </a:pPr>
+            <a:r>
+              <a:rPr lang="en-US" altLang="zh-TW" sz="2000" b="1" dirty="0"/>
+              <a:t>WM_TIMER</a:t>
+            </a:r>
+            <a:br>
+              <a:rPr lang="en-US" altLang="zh-TW" sz="2000" b="1" dirty="0"/>
+            </a:br>
+            <a:r>
+              <a:rPr lang="zh-TW" altLang="en-US" sz="2000" b="1" dirty="0"/>
+              <a:t>使用計時器處理動畫與過場。</a:t>
+            </a:r>
+            <a:endParaRPr lang="en-US" altLang="zh-TW" sz="2000" b="1" dirty="0"/>
+          </a:p>
+        </p:txBody>
+      </p:sp>
+      <p:sp>
+        <p:nvSpPr>
+          <p:cNvPr id="5" name="矩形: 圓角 4">
+            <a:extLst>
+              <a:ext uri="{FF2B5EF4-FFF2-40B4-BE49-F238E27FC236}">
+                <a16:creationId xmlns:a16="http://schemas.microsoft.com/office/drawing/2014/main" id="{64C79914-0107-45F7-980F-258DBEC79475}"/>
               </a:ext>
             </a:extLst>
           </p:cNvPr>
@@ -7078,14 +7724,15 @@
         </p:nvSpPr>
         <p:spPr>
           <a:xfrm>
-            <a:off x="5247861" y="3051313"/>
-            <a:ext cx="1848678" cy="755374"/>
-          </a:xfrm>
-          <a:prstGeom prst="rect">
-            <a:avLst/>
+            <a:off x="9846510" y="1014130"/>
+            <a:ext cx="1595019" cy="414619"/>
+          </a:xfrm>
+          <a:prstGeom prst="roundRect">
+            <a:avLst>
+              <a:gd name="adj" fmla="val 50000"/>
+            </a:avLst>
           </a:prstGeom>
-          <a:noFill/>
-          <a:ln>
+          <a:ln w="38100">
             <a:noFill/>
           </a:ln>
         </p:spPr>
@@ -7110,14 +7757,1471 @@
           <a:lstStyle/>
           <a:p>
             <a:pPr algn="ctr"/>
-            <a:endParaRPr lang="zh-TW" altLang="en-US"/>
+            <a:r>
+              <a:rPr lang="en-US" altLang="zh-TW" b="1" dirty="0"/>
+              <a:t>WM_KEYUP</a:t>
+            </a:r>
+            <a:endParaRPr lang="zh-TW" altLang="en-US" b="1" dirty="0"/>
+          </a:p>
+        </p:txBody>
+      </p:sp>
+      <p:sp>
+        <p:nvSpPr>
+          <p:cNvPr id="6" name="矩形: 圓角 5">
+            <a:extLst>
+              <a:ext uri="{FF2B5EF4-FFF2-40B4-BE49-F238E27FC236}">
+                <a16:creationId xmlns:a16="http://schemas.microsoft.com/office/drawing/2014/main" id="{EBFEE32A-7570-4D05-AF7E-447C21B66879}"/>
+              </a:ext>
+            </a:extLst>
+          </p:cNvPr>
+          <p:cNvSpPr/>
+          <p:nvPr/>
+        </p:nvSpPr>
+        <p:spPr>
+          <a:xfrm>
+            <a:off x="9799783" y="5162913"/>
+            <a:ext cx="1783976" cy="582706"/>
+          </a:xfrm>
+          <a:prstGeom prst="roundRect">
+            <a:avLst>
+              <a:gd name="adj" fmla="val 50000"/>
+            </a:avLst>
+          </a:prstGeom>
+          <a:ln w="38100">
+            <a:noFill/>
+          </a:ln>
+        </p:spPr>
+        <p:style>
+          <a:lnRef idx="2">
+            <a:schemeClr val="accent1">
+              <a:shade val="50000"/>
+            </a:schemeClr>
+          </a:lnRef>
+          <a:fillRef idx="1">
+            <a:schemeClr val="accent1"/>
+          </a:fillRef>
+          <a:effectRef idx="0">
+            <a:schemeClr val="accent1"/>
+          </a:effectRef>
+          <a:fontRef idx="minor">
+            <a:schemeClr val="lt1"/>
+          </a:fontRef>
+        </p:style>
+        <p:txBody>
+          <a:bodyPr rtlCol="0" anchor="ctr"/>
+          <a:lstStyle/>
+          <a:p>
+            <a:pPr algn="ctr"/>
+            <a:r>
+              <a:rPr lang="en-US" altLang="zh-TW" dirty="0"/>
+              <a:t>END</a:t>
+            </a:r>
+            <a:endParaRPr lang="zh-TW" altLang="en-US" dirty="0"/>
+          </a:p>
+        </p:txBody>
+      </p:sp>
+      <p:sp>
+        <p:nvSpPr>
+          <p:cNvPr id="7" name="流程圖: 決策 6">
+            <a:extLst>
+              <a:ext uri="{FF2B5EF4-FFF2-40B4-BE49-F238E27FC236}">
+                <a16:creationId xmlns:a16="http://schemas.microsoft.com/office/drawing/2014/main" id="{243E9045-8B31-4F3B-9723-B0D94A36CEAE}"/>
+              </a:ext>
+            </a:extLst>
+          </p:cNvPr>
+          <p:cNvSpPr/>
+          <p:nvPr/>
+        </p:nvSpPr>
+        <p:spPr>
+          <a:xfrm>
+            <a:off x="7034811" y="2205150"/>
+            <a:ext cx="1335741" cy="829238"/>
+          </a:xfrm>
+          <a:prstGeom prst="flowChartDecision">
+            <a:avLst/>
+          </a:prstGeom>
+          <a:ln w="38100">
+            <a:noFill/>
+          </a:ln>
+        </p:spPr>
+        <p:style>
+          <a:lnRef idx="2">
+            <a:schemeClr val="accent1">
+              <a:shade val="50000"/>
+            </a:schemeClr>
+          </a:lnRef>
+          <a:fillRef idx="1">
+            <a:schemeClr val="accent1"/>
+          </a:fillRef>
+          <a:effectRef idx="0">
+            <a:schemeClr val="accent1"/>
+          </a:effectRef>
+          <a:fontRef idx="minor">
+            <a:schemeClr val="lt1"/>
+          </a:fontRef>
+        </p:style>
+        <p:txBody>
+          <a:bodyPr rtlCol="0" anchor="ctr"/>
+          <a:lstStyle/>
+          <a:p>
+            <a:pPr algn="ctr"/>
+            <a:r>
+              <a:rPr lang="zh-TW" altLang="en-US" b="1" dirty="0"/>
+              <a:t>木桶</a:t>
+            </a:r>
+          </a:p>
+        </p:txBody>
+      </p:sp>
+      <p:sp>
+        <p:nvSpPr>
+          <p:cNvPr id="8" name="流程圖: 決策 7">
+            <a:extLst>
+              <a:ext uri="{FF2B5EF4-FFF2-40B4-BE49-F238E27FC236}">
+                <a16:creationId xmlns:a16="http://schemas.microsoft.com/office/drawing/2014/main" id="{5347A4AB-F8E8-483C-9ABB-CCAB9DCA146B}"/>
+              </a:ext>
+            </a:extLst>
+          </p:cNvPr>
+          <p:cNvSpPr/>
+          <p:nvPr/>
+        </p:nvSpPr>
+        <p:spPr>
+          <a:xfrm>
+            <a:off x="8510769" y="2205150"/>
+            <a:ext cx="1335741" cy="829238"/>
+          </a:xfrm>
+          <a:prstGeom prst="flowChartDecision">
+            <a:avLst/>
+          </a:prstGeom>
+          <a:ln w="38100">
+            <a:noFill/>
+          </a:ln>
+        </p:spPr>
+        <p:style>
+          <a:lnRef idx="2">
+            <a:schemeClr val="accent1">
+              <a:shade val="50000"/>
+            </a:schemeClr>
+          </a:lnRef>
+          <a:fillRef idx="1">
+            <a:schemeClr val="accent1"/>
+          </a:fillRef>
+          <a:effectRef idx="0">
+            <a:schemeClr val="accent1"/>
+          </a:effectRef>
+          <a:fontRef idx="minor">
+            <a:schemeClr val="lt1"/>
+          </a:fontRef>
+        </p:style>
+        <p:txBody>
+          <a:bodyPr rtlCol="0" anchor="ctr"/>
+          <a:lstStyle/>
+          <a:p>
+            <a:pPr algn="ctr"/>
+            <a:r>
+              <a:rPr lang="zh-TW" altLang="en-US" b="1" dirty="0"/>
+              <a:t>敵人</a:t>
+            </a:r>
+          </a:p>
+        </p:txBody>
+      </p:sp>
+      <p:sp>
+        <p:nvSpPr>
+          <p:cNvPr id="9" name="流程圖: 決策 8">
+            <a:extLst>
+              <a:ext uri="{FF2B5EF4-FFF2-40B4-BE49-F238E27FC236}">
+                <a16:creationId xmlns:a16="http://schemas.microsoft.com/office/drawing/2014/main" id="{31CDB41C-7AB5-46E1-9450-2E6CE5A0CF5C}"/>
+              </a:ext>
+            </a:extLst>
+          </p:cNvPr>
+          <p:cNvSpPr/>
+          <p:nvPr/>
+        </p:nvSpPr>
+        <p:spPr>
+          <a:xfrm>
+            <a:off x="9994006" y="2202619"/>
+            <a:ext cx="1335741" cy="829238"/>
+          </a:xfrm>
+          <a:prstGeom prst="flowChartDecision">
+            <a:avLst/>
+          </a:prstGeom>
+          <a:ln w="38100">
+            <a:noFill/>
+          </a:ln>
+        </p:spPr>
+        <p:style>
+          <a:lnRef idx="2">
+            <a:schemeClr val="accent1">
+              <a:shade val="50000"/>
+            </a:schemeClr>
+          </a:lnRef>
+          <a:fillRef idx="1">
+            <a:schemeClr val="accent1"/>
+          </a:fillRef>
+          <a:effectRef idx="0">
+            <a:schemeClr val="accent1"/>
+          </a:effectRef>
+          <a:fontRef idx="minor">
+            <a:schemeClr val="lt1"/>
+          </a:fontRef>
+        </p:style>
+        <p:txBody>
+          <a:bodyPr rtlCol="0" anchor="ctr"/>
+          <a:lstStyle/>
+          <a:p>
+            <a:pPr algn="ctr"/>
+            <a:r>
+              <a:rPr lang="zh-TW" altLang="en-US" b="1" dirty="0"/>
+              <a:t>階梯</a:t>
+            </a:r>
+          </a:p>
+        </p:txBody>
+      </p:sp>
+      <p:cxnSp>
+        <p:nvCxnSpPr>
+          <p:cNvPr id="10" name="接點: 肘形 9">
+            <a:extLst>
+              <a:ext uri="{FF2B5EF4-FFF2-40B4-BE49-F238E27FC236}">
+                <a16:creationId xmlns:a16="http://schemas.microsoft.com/office/drawing/2014/main" id="{4752DB59-AE8F-44E0-8BEB-FAEBEE150562}"/>
+              </a:ext>
+            </a:extLst>
+          </p:cNvPr>
+          <p:cNvCxnSpPr>
+            <a:stCxn id="7" idx="3"/>
+            <a:endCxn id="8" idx="0"/>
+          </p:cNvCxnSpPr>
+          <p:nvPr/>
+        </p:nvCxnSpPr>
+        <p:spPr>
+          <a:xfrm flipV="1">
+            <a:off x="8370552" y="2205150"/>
+            <a:ext cx="808088" cy="414619"/>
+          </a:xfrm>
+          <a:prstGeom prst="bentConnector4">
+            <a:avLst>
+              <a:gd name="adj1" fmla="val 8676"/>
+              <a:gd name="adj2" fmla="val 155135"/>
+            </a:avLst>
+          </a:prstGeom>
+          <a:ln w="38100">
+            <a:tailEnd type="triangle"/>
+          </a:ln>
+        </p:spPr>
+        <p:style>
+          <a:lnRef idx="1">
+            <a:schemeClr val="accent1"/>
+          </a:lnRef>
+          <a:fillRef idx="0">
+            <a:schemeClr val="accent1"/>
+          </a:fillRef>
+          <a:effectRef idx="0">
+            <a:schemeClr val="accent1"/>
+          </a:effectRef>
+          <a:fontRef idx="minor">
+            <a:schemeClr val="tx1"/>
+          </a:fontRef>
+        </p:style>
+      </p:cxnSp>
+      <p:cxnSp>
+        <p:nvCxnSpPr>
+          <p:cNvPr id="11" name="接點: 肘形 10">
+            <a:extLst>
+              <a:ext uri="{FF2B5EF4-FFF2-40B4-BE49-F238E27FC236}">
+                <a16:creationId xmlns:a16="http://schemas.microsoft.com/office/drawing/2014/main" id="{003B1EAB-078E-42C1-BB69-136FBF29064F}"/>
+              </a:ext>
+            </a:extLst>
+          </p:cNvPr>
+          <p:cNvCxnSpPr>
+            <a:cxnSpLocks/>
+            <a:stCxn id="8" idx="3"/>
+            <a:endCxn id="9" idx="0"/>
+          </p:cNvCxnSpPr>
+          <p:nvPr/>
+        </p:nvCxnSpPr>
+        <p:spPr>
+          <a:xfrm flipV="1">
+            <a:off x="9846510" y="2202619"/>
+            <a:ext cx="815367" cy="417150"/>
+          </a:xfrm>
+          <a:prstGeom prst="bentConnector4">
+            <a:avLst>
+              <a:gd name="adj1" fmla="val 9045"/>
+              <a:gd name="adj2" fmla="val 154800"/>
+            </a:avLst>
+          </a:prstGeom>
+          <a:ln w="38100">
+            <a:tailEnd type="triangle"/>
+          </a:ln>
+        </p:spPr>
+        <p:style>
+          <a:lnRef idx="1">
+            <a:schemeClr val="accent1"/>
+          </a:lnRef>
+          <a:fillRef idx="0">
+            <a:schemeClr val="accent1"/>
+          </a:fillRef>
+          <a:effectRef idx="0">
+            <a:schemeClr val="accent1"/>
+          </a:effectRef>
+          <a:fontRef idx="minor">
+            <a:schemeClr val="tx1"/>
+          </a:fontRef>
+        </p:style>
+      </p:cxnSp>
+      <p:cxnSp>
+        <p:nvCxnSpPr>
+          <p:cNvPr id="12" name="接點: 肘形 11">
+            <a:extLst>
+              <a:ext uri="{FF2B5EF4-FFF2-40B4-BE49-F238E27FC236}">
+                <a16:creationId xmlns:a16="http://schemas.microsoft.com/office/drawing/2014/main" id="{ADC58160-4853-465E-BD80-6AA20D843633}"/>
+              </a:ext>
+            </a:extLst>
+          </p:cNvPr>
+          <p:cNvCxnSpPr>
+            <a:cxnSpLocks/>
+            <a:stCxn id="5" idx="2"/>
+            <a:endCxn id="26" idx="0"/>
+          </p:cNvCxnSpPr>
+          <p:nvPr/>
+        </p:nvCxnSpPr>
+        <p:spPr>
+          <a:xfrm rot="5400000" flipH="1">
+            <a:off x="9262616" y="47345"/>
+            <a:ext cx="50074" cy="2712735"/>
+          </a:xfrm>
+          <a:prstGeom prst="bentConnector5">
+            <a:avLst>
+              <a:gd name="adj1" fmla="val -456524"/>
+              <a:gd name="adj2" fmla="val 50012"/>
+              <a:gd name="adj3" fmla="val 556524"/>
+            </a:avLst>
+          </a:prstGeom>
+          <a:ln w="38100">
+            <a:tailEnd type="triangle"/>
+          </a:ln>
+        </p:spPr>
+        <p:style>
+          <a:lnRef idx="1">
+            <a:schemeClr val="accent1"/>
+          </a:lnRef>
+          <a:fillRef idx="0">
+            <a:schemeClr val="accent1"/>
+          </a:fillRef>
+          <a:effectRef idx="0">
+            <a:schemeClr val="accent1"/>
+          </a:effectRef>
+          <a:fontRef idx="minor">
+            <a:schemeClr val="tx1"/>
+          </a:fontRef>
+        </p:style>
+      </p:cxnSp>
+      <p:sp>
+        <p:nvSpPr>
+          <p:cNvPr id="13" name="矩形 12">
+            <a:extLst>
+              <a:ext uri="{FF2B5EF4-FFF2-40B4-BE49-F238E27FC236}">
+                <a16:creationId xmlns:a16="http://schemas.microsoft.com/office/drawing/2014/main" id="{9192438F-0980-4D2B-A98A-3865BDC6C89E}"/>
+              </a:ext>
+            </a:extLst>
+          </p:cNvPr>
+          <p:cNvSpPr/>
+          <p:nvPr/>
+        </p:nvSpPr>
+        <p:spPr>
+          <a:xfrm>
+            <a:off x="10079205" y="3348846"/>
+            <a:ext cx="1854855" cy="645460"/>
+          </a:xfrm>
+          <a:prstGeom prst="rect">
+            <a:avLst/>
+          </a:prstGeom>
+          <a:ln w="38100">
+            <a:noFill/>
+          </a:ln>
+        </p:spPr>
+        <p:style>
+          <a:lnRef idx="2">
+            <a:schemeClr val="accent1">
+              <a:shade val="50000"/>
+            </a:schemeClr>
+          </a:lnRef>
+          <a:fillRef idx="1">
+            <a:schemeClr val="accent1"/>
+          </a:fillRef>
+          <a:effectRef idx="0">
+            <a:schemeClr val="accent1"/>
+          </a:effectRef>
+          <a:fontRef idx="minor">
+            <a:schemeClr val="lt1"/>
+          </a:fontRef>
+        </p:style>
+        <p:txBody>
+          <a:bodyPr rtlCol="0" anchor="ctr"/>
+          <a:lstStyle/>
+          <a:p>
+            <a:r>
+              <a:rPr lang="en-US" altLang="zh-TW" sz="1600" dirty="0"/>
+              <a:t>INC currentLevel</a:t>
+            </a:r>
+          </a:p>
+          <a:p>
+            <a:r>
+              <a:rPr lang="en-US" altLang="zh-TW" sz="1600" dirty="0"/>
+              <a:t>INVOKE</a:t>
+            </a:r>
+            <a:r>
+              <a:rPr lang="zh-TW" altLang="en-US" sz="1600" dirty="0"/>
+              <a:t> </a:t>
+            </a:r>
+            <a:r>
+              <a:rPr lang="en-US" altLang="zh-TW" sz="1600" dirty="0"/>
+              <a:t>ResetLevel</a:t>
+            </a:r>
+            <a:endParaRPr lang="zh-TW" altLang="en-US" sz="1600" dirty="0"/>
+          </a:p>
+        </p:txBody>
+      </p:sp>
+      <p:sp>
+        <p:nvSpPr>
+          <p:cNvPr id="14" name="流程圖: 決策 13">
+            <a:extLst>
+              <a:ext uri="{FF2B5EF4-FFF2-40B4-BE49-F238E27FC236}">
+                <a16:creationId xmlns:a16="http://schemas.microsoft.com/office/drawing/2014/main" id="{F1BAE2DB-CD95-4B4A-ADBB-FEC5E7022639}"/>
+              </a:ext>
+            </a:extLst>
+          </p:cNvPr>
+          <p:cNvSpPr/>
+          <p:nvPr/>
+        </p:nvSpPr>
+        <p:spPr>
+          <a:xfrm>
+            <a:off x="8510778" y="3137484"/>
+            <a:ext cx="1335732" cy="853935"/>
+          </a:xfrm>
+          <a:prstGeom prst="flowChartDecision">
+            <a:avLst/>
+          </a:prstGeom>
+          <a:ln w="38100">
+            <a:noFill/>
+          </a:ln>
+        </p:spPr>
+        <p:style>
+          <a:lnRef idx="2">
+            <a:schemeClr val="accent1">
+              <a:shade val="50000"/>
+            </a:schemeClr>
+          </a:lnRef>
+          <a:fillRef idx="1">
+            <a:schemeClr val="accent1"/>
+          </a:fillRef>
+          <a:effectRef idx="0">
+            <a:schemeClr val="accent1"/>
+          </a:effectRef>
+          <a:fontRef idx="minor">
+            <a:schemeClr val="lt1"/>
+          </a:fontRef>
+        </p:style>
+        <p:txBody>
+          <a:bodyPr rtlCol="0" anchor="ctr"/>
+          <a:lstStyle/>
+          <a:p>
+            <a:pPr algn="ctr"/>
+            <a:r>
+              <a:rPr lang="zh-TW" altLang="en-US" sz="1100" b="1" dirty="0"/>
+              <a:t>下一格是否可以移動</a:t>
+            </a:r>
+          </a:p>
+        </p:txBody>
+      </p:sp>
+      <p:sp>
+        <p:nvSpPr>
+          <p:cNvPr id="15" name="流程圖: 決策 14">
+            <a:extLst>
+              <a:ext uri="{FF2B5EF4-FFF2-40B4-BE49-F238E27FC236}">
+                <a16:creationId xmlns:a16="http://schemas.microsoft.com/office/drawing/2014/main" id="{165697E4-8883-47E5-A87F-FAF8BCCBB052}"/>
+              </a:ext>
+            </a:extLst>
+          </p:cNvPr>
+          <p:cNvSpPr/>
+          <p:nvPr/>
+        </p:nvSpPr>
+        <p:spPr>
+          <a:xfrm>
+            <a:off x="7034810" y="3147596"/>
+            <a:ext cx="1335741" cy="824194"/>
+          </a:xfrm>
+          <a:prstGeom prst="flowChartDecision">
+            <a:avLst/>
+          </a:prstGeom>
+          <a:ln w="38100">
+            <a:noFill/>
+          </a:ln>
+        </p:spPr>
+        <p:style>
+          <a:lnRef idx="2">
+            <a:schemeClr val="accent1">
+              <a:shade val="50000"/>
+            </a:schemeClr>
+          </a:lnRef>
+          <a:fillRef idx="1">
+            <a:schemeClr val="accent1"/>
+          </a:fillRef>
+          <a:effectRef idx="0">
+            <a:schemeClr val="accent1"/>
+          </a:effectRef>
+          <a:fontRef idx="minor">
+            <a:schemeClr val="lt1"/>
+          </a:fontRef>
+        </p:style>
+        <p:txBody>
+          <a:bodyPr rtlCol="0" anchor="ctr"/>
+          <a:lstStyle/>
+          <a:p>
+            <a:pPr algn="ctr"/>
+            <a:r>
+              <a:rPr lang="zh-TW" altLang="en-US" sz="1100" b="1" dirty="0"/>
+              <a:t>下一格是否可以移動</a:t>
+            </a:r>
+          </a:p>
+        </p:txBody>
+      </p:sp>
+      <p:cxnSp>
+        <p:nvCxnSpPr>
+          <p:cNvPr id="16" name="接點: 肘形 15">
+            <a:extLst>
+              <a:ext uri="{FF2B5EF4-FFF2-40B4-BE49-F238E27FC236}">
+                <a16:creationId xmlns:a16="http://schemas.microsoft.com/office/drawing/2014/main" id="{FA9545D8-CCB2-4D98-8846-5E482603720D}"/>
+              </a:ext>
+            </a:extLst>
+          </p:cNvPr>
+          <p:cNvCxnSpPr>
+            <a:cxnSpLocks/>
+            <a:stCxn id="9" idx="2"/>
+            <a:endCxn id="13" idx="0"/>
+          </p:cNvCxnSpPr>
+          <p:nvPr/>
+        </p:nvCxnSpPr>
+        <p:spPr>
+          <a:xfrm rot="16200000" flipH="1">
+            <a:off x="10675761" y="3017973"/>
+            <a:ext cx="316989" cy="344756"/>
+          </a:xfrm>
+          <a:prstGeom prst="bentConnector3">
+            <a:avLst/>
+          </a:prstGeom>
+          <a:ln w="38100">
+            <a:tailEnd type="triangle"/>
+          </a:ln>
+        </p:spPr>
+        <p:style>
+          <a:lnRef idx="1">
+            <a:schemeClr val="accent1"/>
+          </a:lnRef>
+          <a:fillRef idx="0">
+            <a:schemeClr val="accent1"/>
+          </a:fillRef>
+          <a:effectRef idx="0">
+            <a:schemeClr val="accent1"/>
+          </a:effectRef>
+          <a:fontRef idx="minor">
+            <a:schemeClr val="tx1"/>
+          </a:fontRef>
+        </p:style>
+      </p:cxnSp>
+      <p:sp>
+        <p:nvSpPr>
+          <p:cNvPr id="17" name="矩形 16">
+            <a:extLst>
+              <a:ext uri="{FF2B5EF4-FFF2-40B4-BE49-F238E27FC236}">
+                <a16:creationId xmlns:a16="http://schemas.microsoft.com/office/drawing/2014/main" id="{B0637DEF-A160-44EB-A848-75066484543A}"/>
+              </a:ext>
+            </a:extLst>
+          </p:cNvPr>
+          <p:cNvSpPr/>
+          <p:nvPr/>
+        </p:nvSpPr>
+        <p:spPr>
+          <a:xfrm>
+            <a:off x="9386613" y="4134243"/>
+            <a:ext cx="1139077" cy="363063"/>
+          </a:xfrm>
+          <a:prstGeom prst="rect">
+            <a:avLst/>
+          </a:prstGeom>
+          <a:ln w="38100">
+            <a:noFill/>
+          </a:ln>
+        </p:spPr>
+        <p:style>
+          <a:lnRef idx="2">
+            <a:schemeClr val="accent1">
+              <a:shade val="50000"/>
+            </a:schemeClr>
+          </a:lnRef>
+          <a:fillRef idx="1">
+            <a:schemeClr val="accent1"/>
+          </a:fillRef>
+          <a:effectRef idx="0">
+            <a:schemeClr val="accent1"/>
+          </a:effectRef>
+          <a:fontRef idx="minor">
+            <a:schemeClr val="lt1"/>
+          </a:fontRef>
+        </p:style>
+        <p:txBody>
+          <a:bodyPr rtlCol="0" anchor="ctr"/>
+          <a:lstStyle/>
+          <a:p>
+            <a:r>
+              <a:rPr lang="zh-TW" altLang="en-US" b="1" dirty="0"/>
+              <a:t>擊殺敵人</a:t>
+            </a:r>
+          </a:p>
+        </p:txBody>
+      </p:sp>
+      <p:sp>
+        <p:nvSpPr>
+          <p:cNvPr id="18" name="矩形 17">
+            <a:extLst>
+              <a:ext uri="{FF2B5EF4-FFF2-40B4-BE49-F238E27FC236}">
+                <a16:creationId xmlns:a16="http://schemas.microsoft.com/office/drawing/2014/main" id="{0928F2AD-FAD2-4DAA-85D6-83FC82139DF3}"/>
+              </a:ext>
+            </a:extLst>
+          </p:cNvPr>
+          <p:cNvSpPr/>
+          <p:nvPr/>
+        </p:nvSpPr>
+        <p:spPr>
+          <a:xfrm>
+            <a:off x="6773890" y="4134245"/>
+            <a:ext cx="1139077" cy="363063"/>
+          </a:xfrm>
+          <a:prstGeom prst="rect">
+            <a:avLst/>
+          </a:prstGeom>
+          <a:ln w="38100">
+            <a:noFill/>
+          </a:ln>
+        </p:spPr>
+        <p:style>
+          <a:lnRef idx="2">
+            <a:schemeClr val="accent1">
+              <a:shade val="50000"/>
+            </a:schemeClr>
+          </a:lnRef>
+          <a:fillRef idx="1">
+            <a:schemeClr val="accent1"/>
+          </a:fillRef>
+          <a:effectRef idx="0">
+            <a:schemeClr val="accent1"/>
+          </a:effectRef>
+          <a:fontRef idx="minor">
+            <a:schemeClr val="lt1"/>
+          </a:fontRef>
+        </p:style>
+        <p:txBody>
+          <a:bodyPr rtlCol="0" anchor="ctr"/>
+          <a:lstStyle/>
+          <a:p>
+            <a:r>
+              <a:rPr lang="zh-TW" altLang="en-US" b="1" dirty="0"/>
+              <a:t>移動木桶</a:t>
+            </a:r>
+          </a:p>
+        </p:txBody>
+      </p:sp>
+      <p:sp>
+        <p:nvSpPr>
+          <p:cNvPr id="19" name="矩形 18">
+            <a:extLst>
+              <a:ext uri="{FF2B5EF4-FFF2-40B4-BE49-F238E27FC236}">
+                <a16:creationId xmlns:a16="http://schemas.microsoft.com/office/drawing/2014/main" id="{4C18693E-317D-4A17-9AF6-E363112376E6}"/>
+              </a:ext>
+            </a:extLst>
+          </p:cNvPr>
+          <p:cNvSpPr/>
+          <p:nvPr/>
+        </p:nvSpPr>
+        <p:spPr>
+          <a:xfrm>
+            <a:off x="8097026" y="4134244"/>
+            <a:ext cx="1139077" cy="363063"/>
+          </a:xfrm>
+          <a:prstGeom prst="rect">
+            <a:avLst/>
+          </a:prstGeom>
+          <a:ln w="38100">
+            <a:noFill/>
+          </a:ln>
+        </p:spPr>
+        <p:style>
+          <a:lnRef idx="2">
+            <a:schemeClr val="accent1">
+              <a:shade val="50000"/>
+            </a:schemeClr>
+          </a:lnRef>
+          <a:fillRef idx="1">
+            <a:schemeClr val="accent1"/>
+          </a:fillRef>
+          <a:effectRef idx="0">
+            <a:schemeClr val="accent1"/>
+          </a:effectRef>
+          <a:fontRef idx="minor">
+            <a:schemeClr val="lt1"/>
+          </a:fontRef>
+        </p:style>
+        <p:txBody>
+          <a:bodyPr rtlCol="0" anchor="ctr"/>
+          <a:lstStyle/>
+          <a:p>
+            <a:r>
+              <a:rPr lang="zh-TW" altLang="en-US" b="1" dirty="0"/>
+              <a:t>移動敵人</a:t>
+            </a:r>
+          </a:p>
+        </p:txBody>
+      </p:sp>
+      <p:cxnSp>
+        <p:nvCxnSpPr>
+          <p:cNvPr id="20" name="接點: 肘形 19">
+            <a:extLst>
+              <a:ext uri="{FF2B5EF4-FFF2-40B4-BE49-F238E27FC236}">
+                <a16:creationId xmlns:a16="http://schemas.microsoft.com/office/drawing/2014/main" id="{3CAC80AD-4A1C-4789-A7FE-3E9DD04D2BBE}"/>
+              </a:ext>
+            </a:extLst>
+          </p:cNvPr>
+          <p:cNvCxnSpPr>
+            <a:cxnSpLocks/>
+            <a:stCxn id="14" idx="3"/>
+            <a:endCxn id="17" idx="0"/>
+          </p:cNvCxnSpPr>
+          <p:nvPr/>
+        </p:nvCxnSpPr>
+        <p:spPr>
+          <a:xfrm>
+            <a:off x="9846510" y="3564452"/>
+            <a:ext cx="109642" cy="569791"/>
+          </a:xfrm>
+          <a:prstGeom prst="bentConnector2">
+            <a:avLst/>
+          </a:prstGeom>
+          <a:ln w="38100">
+            <a:tailEnd type="triangle"/>
+          </a:ln>
+        </p:spPr>
+        <p:style>
+          <a:lnRef idx="1">
+            <a:schemeClr val="accent1"/>
+          </a:lnRef>
+          <a:fillRef idx="0">
+            <a:schemeClr val="accent1"/>
+          </a:fillRef>
+          <a:effectRef idx="0">
+            <a:schemeClr val="accent1"/>
+          </a:effectRef>
+          <a:fontRef idx="minor">
+            <a:schemeClr val="tx1"/>
+          </a:fontRef>
+        </p:style>
+      </p:cxnSp>
+      <p:cxnSp>
+        <p:nvCxnSpPr>
+          <p:cNvPr id="21" name="接點: 肘形 20">
+            <a:extLst>
+              <a:ext uri="{FF2B5EF4-FFF2-40B4-BE49-F238E27FC236}">
+                <a16:creationId xmlns:a16="http://schemas.microsoft.com/office/drawing/2014/main" id="{4D621818-07FB-49CA-9157-89159A666A62}"/>
+              </a:ext>
+            </a:extLst>
+          </p:cNvPr>
+          <p:cNvCxnSpPr>
+            <a:cxnSpLocks/>
+            <a:stCxn id="14" idx="2"/>
+            <a:endCxn id="19" idx="0"/>
+          </p:cNvCxnSpPr>
+          <p:nvPr/>
+        </p:nvCxnSpPr>
+        <p:spPr>
+          <a:xfrm rot="5400000">
+            <a:off x="8851193" y="3806792"/>
+            <a:ext cx="142825" cy="512079"/>
+          </a:xfrm>
+          <a:prstGeom prst="bentConnector3">
+            <a:avLst/>
+          </a:prstGeom>
+          <a:ln w="38100">
+            <a:tailEnd type="triangle"/>
+          </a:ln>
+        </p:spPr>
+        <p:style>
+          <a:lnRef idx="1">
+            <a:schemeClr val="accent1"/>
+          </a:lnRef>
+          <a:fillRef idx="0">
+            <a:schemeClr val="accent1"/>
+          </a:fillRef>
+          <a:effectRef idx="0">
+            <a:schemeClr val="accent1"/>
+          </a:effectRef>
+          <a:fontRef idx="minor">
+            <a:schemeClr val="tx1"/>
+          </a:fontRef>
+        </p:style>
+      </p:cxnSp>
+      <p:cxnSp>
+        <p:nvCxnSpPr>
+          <p:cNvPr id="22" name="接點: 肘形 21">
+            <a:extLst>
+              <a:ext uri="{FF2B5EF4-FFF2-40B4-BE49-F238E27FC236}">
+                <a16:creationId xmlns:a16="http://schemas.microsoft.com/office/drawing/2014/main" id="{E43A2EC2-633A-4815-96C4-66C0D3BA86E3}"/>
+              </a:ext>
+            </a:extLst>
+          </p:cNvPr>
+          <p:cNvCxnSpPr>
+            <a:cxnSpLocks/>
+            <a:stCxn id="15" idx="2"/>
+            <a:endCxn id="18" idx="0"/>
+          </p:cNvCxnSpPr>
+          <p:nvPr/>
+        </p:nvCxnSpPr>
+        <p:spPr>
+          <a:xfrm rot="5400000">
+            <a:off x="7441828" y="3873391"/>
+            <a:ext cx="162455" cy="359252"/>
+          </a:xfrm>
+          <a:prstGeom prst="bentConnector3">
+            <a:avLst/>
+          </a:prstGeom>
+          <a:ln w="38100">
+            <a:tailEnd type="triangle"/>
+          </a:ln>
+        </p:spPr>
+        <p:style>
+          <a:lnRef idx="1">
+            <a:schemeClr val="accent1"/>
+          </a:lnRef>
+          <a:fillRef idx="0">
+            <a:schemeClr val="accent1"/>
+          </a:fillRef>
+          <a:effectRef idx="0">
+            <a:schemeClr val="accent1"/>
+          </a:effectRef>
+          <a:fontRef idx="minor">
+            <a:schemeClr val="tx1"/>
+          </a:fontRef>
+        </p:style>
+      </p:cxnSp>
+      <p:cxnSp>
+        <p:nvCxnSpPr>
+          <p:cNvPr id="23" name="接點: 肘形 22">
+            <a:extLst>
+              <a:ext uri="{FF2B5EF4-FFF2-40B4-BE49-F238E27FC236}">
+                <a16:creationId xmlns:a16="http://schemas.microsoft.com/office/drawing/2014/main" id="{7139EEB9-F38A-4D97-8BD2-D0A9D910FF52}"/>
+              </a:ext>
+            </a:extLst>
+          </p:cNvPr>
+          <p:cNvCxnSpPr>
+            <a:cxnSpLocks/>
+            <a:stCxn id="7" idx="2"/>
+            <a:endCxn id="15" idx="0"/>
+          </p:cNvCxnSpPr>
+          <p:nvPr/>
+        </p:nvCxnSpPr>
+        <p:spPr>
+          <a:xfrm rot="5400000">
+            <a:off x="7646078" y="3090992"/>
+            <a:ext cx="113208" cy="1"/>
+          </a:xfrm>
+          <a:prstGeom prst="bentConnector3">
+            <a:avLst/>
+          </a:prstGeom>
+          <a:ln w="38100">
+            <a:tailEnd type="triangle"/>
+          </a:ln>
+        </p:spPr>
+        <p:style>
+          <a:lnRef idx="1">
+            <a:schemeClr val="accent1"/>
+          </a:lnRef>
+          <a:fillRef idx="0">
+            <a:schemeClr val="accent1"/>
+          </a:fillRef>
+          <a:effectRef idx="0">
+            <a:schemeClr val="accent1"/>
+          </a:effectRef>
+          <a:fontRef idx="minor">
+            <a:schemeClr val="tx1"/>
+          </a:fontRef>
+        </p:style>
+      </p:cxnSp>
+      <p:cxnSp>
+        <p:nvCxnSpPr>
+          <p:cNvPr id="24" name="接點: 肘形 23">
+            <a:extLst>
+              <a:ext uri="{FF2B5EF4-FFF2-40B4-BE49-F238E27FC236}">
+                <a16:creationId xmlns:a16="http://schemas.microsoft.com/office/drawing/2014/main" id="{D3DA1FB1-56E5-43AE-814F-61E63B1F92B5}"/>
+              </a:ext>
+            </a:extLst>
+          </p:cNvPr>
+          <p:cNvCxnSpPr>
+            <a:cxnSpLocks/>
+            <a:stCxn id="8" idx="2"/>
+            <a:endCxn id="14" idx="0"/>
+          </p:cNvCxnSpPr>
+          <p:nvPr/>
+        </p:nvCxnSpPr>
+        <p:spPr>
+          <a:xfrm rot="16200000" flipH="1">
+            <a:off x="9127094" y="3085934"/>
+            <a:ext cx="103096" cy="4"/>
+          </a:xfrm>
+          <a:prstGeom prst="bentConnector3">
+            <a:avLst/>
+          </a:prstGeom>
+          <a:ln w="38100">
+            <a:tailEnd type="triangle"/>
+          </a:ln>
+        </p:spPr>
+        <p:style>
+          <a:lnRef idx="1">
+            <a:schemeClr val="accent1"/>
+          </a:lnRef>
+          <a:fillRef idx="0">
+            <a:schemeClr val="accent1"/>
+          </a:fillRef>
+          <a:effectRef idx="0">
+            <a:schemeClr val="accent1"/>
+          </a:effectRef>
+          <a:fontRef idx="minor">
+            <a:schemeClr val="tx1"/>
+          </a:fontRef>
+        </p:style>
+      </p:cxnSp>
+      <p:sp>
+        <p:nvSpPr>
+          <p:cNvPr id="25" name="流程圖: 決策 24">
+            <a:extLst>
+              <a:ext uri="{FF2B5EF4-FFF2-40B4-BE49-F238E27FC236}">
+                <a16:creationId xmlns:a16="http://schemas.microsoft.com/office/drawing/2014/main" id="{F8E018BB-1029-4900-B1E7-4FBA02A2B4BE}"/>
+              </a:ext>
+            </a:extLst>
+          </p:cNvPr>
+          <p:cNvSpPr/>
+          <p:nvPr/>
+        </p:nvSpPr>
+        <p:spPr>
+          <a:xfrm>
+            <a:off x="7297903" y="4657026"/>
+            <a:ext cx="2096902" cy="829238"/>
+          </a:xfrm>
+          <a:prstGeom prst="flowChartDecision">
+            <a:avLst/>
+          </a:prstGeom>
+          <a:ln w="38100">
+            <a:noFill/>
+          </a:ln>
+        </p:spPr>
+        <p:style>
+          <a:lnRef idx="2">
+            <a:schemeClr val="accent1">
+              <a:shade val="50000"/>
+            </a:schemeClr>
+          </a:lnRef>
+          <a:fillRef idx="1">
+            <a:schemeClr val="accent1"/>
+          </a:fillRef>
+          <a:effectRef idx="0">
+            <a:schemeClr val="accent1"/>
+          </a:effectRef>
+          <a:fontRef idx="minor">
+            <a:schemeClr val="lt1"/>
+          </a:fontRef>
+        </p:style>
+        <p:txBody>
+          <a:bodyPr rtlCol="0" anchor="ctr"/>
+          <a:lstStyle/>
+          <a:p>
+            <a:pPr algn="ctr"/>
+            <a:r>
+              <a:rPr lang="zh-TW" altLang="en-US" sz="1400" b="1" dirty="0"/>
+              <a:t>是否</a:t>
+            </a:r>
+            <a:br>
+              <a:rPr lang="en-US" altLang="zh-TW" sz="1400" b="1" dirty="0"/>
+            </a:br>
+            <a:r>
+              <a:rPr lang="zh-TW" altLang="en-US" sz="1400" b="1" dirty="0"/>
+              <a:t>踩到尖刺</a:t>
+            </a:r>
+          </a:p>
+        </p:txBody>
+      </p:sp>
+      <p:sp>
+        <p:nvSpPr>
+          <p:cNvPr id="26" name="矩形 25">
+            <a:extLst>
+              <a:ext uri="{FF2B5EF4-FFF2-40B4-BE49-F238E27FC236}">
+                <a16:creationId xmlns:a16="http://schemas.microsoft.com/office/drawing/2014/main" id="{3CB3132A-0747-4DE3-A8C7-2BEE5BEC9501}"/>
+              </a:ext>
+            </a:extLst>
+          </p:cNvPr>
+          <p:cNvSpPr/>
+          <p:nvPr/>
+        </p:nvSpPr>
+        <p:spPr>
+          <a:xfrm>
+            <a:off x="7134407" y="1378675"/>
+            <a:ext cx="1593756" cy="414619"/>
+          </a:xfrm>
+          <a:prstGeom prst="rect">
+            <a:avLst/>
+          </a:prstGeom>
+          <a:ln w="38100">
+            <a:noFill/>
+          </a:ln>
+        </p:spPr>
+        <p:style>
+          <a:lnRef idx="2">
+            <a:schemeClr val="accent1">
+              <a:shade val="50000"/>
+            </a:schemeClr>
+          </a:lnRef>
+          <a:fillRef idx="1">
+            <a:schemeClr val="accent1"/>
+          </a:fillRef>
+          <a:effectRef idx="0">
+            <a:schemeClr val="accent1"/>
+          </a:effectRef>
+          <a:fontRef idx="minor">
+            <a:schemeClr val="lt1"/>
+          </a:fontRef>
+        </p:style>
+        <p:txBody>
+          <a:bodyPr rtlCol="0" anchor="ctr"/>
+          <a:lstStyle/>
+          <a:p>
+            <a:pPr algn="ctr"/>
+            <a:r>
+              <a:rPr lang="zh-TW" altLang="en-US" b="1" dirty="0"/>
+              <a:t>減少剩餘次數</a:t>
+            </a:r>
+          </a:p>
+        </p:txBody>
+      </p:sp>
+      <p:sp>
+        <p:nvSpPr>
+          <p:cNvPr id="27" name="矩形 26">
+            <a:extLst>
+              <a:ext uri="{FF2B5EF4-FFF2-40B4-BE49-F238E27FC236}">
+                <a16:creationId xmlns:a16="http://schemas.microsoft.com/office/drawing/2014/main" id="{ECAC011F-C3D7-48E3-9D7D-0C4D71C56239}"/>
+              </a:ext>
+            </a:extLst>
+          </p:cNvPr>
+          <p:cNvSpPr/>
+          <p:nvPr/>
+        </p:nvSpPr>
+        <p:spPr>
+          <a:xfrm>
+            <a:off x="7510727" y="5597163"/>
+            <a:ext cx="1679972" cy="401174"/>
+          </a:xfrm>
+          <a:prstGeom prst="rect">
+            <a:avLst/>
+          </a:prstGeom>
+          <a:ln w="38100">
+            <a:noFill/>
+          </a:ln>
+        </p:spPr>
+        <p:style>
+          <a:lnRef idx="2">
+            <a:schemeClr val="accent1">
+              <a:shade val="50000"/>
+            </a:schemeClr>
+          </a:lnRef>
+          <a:fillRef idx="1">
+            <a:schemeClr val="accent1"/>
+          </a:fillRef>
+          <a:effectRef idx="0">
+            <a:schemeClr val="accent1"/>
+          </a:effectRef>
+          <a:fontRef idx="minor">
+            <a:schemeClr val="lt1"/>
+          </a:fontRef>
+        </p:style>
+        <p:txBody>
+          <a:bodyPr rtlCol="0" anchor="ctr"/>
+          <a:lstStyle/>
+          <a:p>
+            <a:pPr algn="ctr"/>
+            <a:r>
+              <a:rPr lang="zh-TW" altLang="en-US" b="1" dirty="0"/>
+              <a:t>減少剩餘次數</a:t>
+            </a:r>
+          </a:p>
+        </p:txBody>
+      </p:sp>
+      <p:cxnSp>
+        <p:nvCxnSpPr>
+          <p:cNvPr id="28" name="接點: 肘形 27">
+            <a:extLst>
+              <a:ext uri="{FF2B5EF4-FFF2-40B4-BE49-F238E27FC236}">
+                <a16:creationId xmlns:a16="http://schemas.microsoft.com/office/drawing/2014/main" id="{85AA8BE7-376D-4D6E-9C58-F216214866A8}"/>
+              </a:ext>
+            </a:extLst>
+          </p:cNvPr>
+          <p:cNvCxnSpPr>
+            <a:cxnSpLocks/>
+            <a:stCxn id="26" idx="2"/>
+            <a:endCxn id="7" idx="0"/>
+          </p:cNvCxnSpPr>
+          <p:nvPr/>
+        </p:nvCxnSpPr>
+        <p:spPr>
+          <a:xfrm rot="5400000">
+            <a:off x="7611056" y="1884921"/>
+            <a:ext cx="411856" cy="228603"/>
+          </a:xfrm>
+          <a:prstGeom prst="bentConnector3">
+            <a:avLst/>
+          </a:prstGeom>
+          <a:ln w="38100">
+            <a:tailEnd type="triangle"/>
+          </a:ln>
+        </p:spPr>
+        <p:style>
+          <a:lnRef idx="1">
+            <a:schemeClr val="accent1"/>
+          </a:lnRef>
+          <a:fillRef idx="0">
+            <a:schemeClr val="accent1"/>
+          </a:fillRef>
+          <a:effectRef idx="0">
+            <a:schemeClr val="accent1"/>
+          </a:effectRef>
+          <a:fontRef idx="minor">
+            <a:schemeClr val="tx1"/>
+          </a:fontRef>
+        </p:style>
+      </p:cxnSp>
+      <p:cxnSp>
+        <p:nvCxnSpPr>
+          <p:cNvPr id="29" name="接點: 肘形 28">
+            <a:extLst>
+              <a:ext uri="{FF2B5EF4-FFF2-40B4-BE49-F238E27FC236}">
+                <a16:creationId xmlns:a16="http://schemas.microsoft.com/office/drawing/2014/main" id="{1E0F70FC-D096-4016-ADB4-9C9D90EB735E}"/>
+              </a:ext>
+            </a:extLst>
+          </p:cNvPr>
+          <p:cNvCxnSpPr>
+            <a:cxnSpLocks/>
+            <a:stCxn id="25" idx="2"/>
+            <a:endCxn id="27" idx="0"/>
+          </p:cNvCxnSpPr>
+          <p:nvPr/>
+        </p:nvCxnSpPr>
+        <p:spPr>
+          <a:xfrm rot="16200000" flipH="1">
+            <a:off x="8293084" y="5539533"/>
+            <a:ext cx="110899" cy="4359"/>
+          </a:xfrm>
+          <a:prstGeom prst="bentConnector3">
+            <a:avLst>
+              <a:gd name="adj1" fmla="val 50000"/>
+            </a:avLst>
+          </a:prstGeom>
+          <a:ln w="38100">
+            <a:tailEnd type="triangle"/>
+          </a:ln>
+        </p:spPr>
+        <p:style>
+          <a:lnRef idx="1">
+            <a:schemeClr val="accent1"/>
+          </a:lnRef>
+          <a:fillRef idx="0">
+            <a:schemeClr val="accent1"/>
+          </a:fillRef>
+          <a:effectRef idx="0">
+            <a:schemeClr val="accent1"/>
+          </a:effectRef>
+          <a:fontRef idx="minor">
+            <a:schemeClr val="tx1"/>
+          </a:fontRef>
+        </p:style>
+      </p:cxnSp>
+      <p:cxnSp>
+        <p:nvCxnSpPr>
+          <p:cNvPr id="30" name="接點: 肘形 29">
+            <a:extLst>
+              <a:ext uri="{FF2B5EF4-FFF2-40B4-BE49-F238E27FC236}">
+                <a16:creationId xmlns:a16="http://schemas.microsoft.com/office/drawing/2014/main" id="{0B2FD6C0-EC22-4330-9058-6AF64B8BF798}"/>
+              </a:ext>
+            </a:extLst>
+          </p:cNvPr>
+          <p:cNvCxnSpPr>
+            <a:stCxn id="25" idx="3"/>
+            <a:endCxn id="6" idx="0"/>
+          </p:cNvCxnSpPr>
+          <p:nvPr/>
+        </p:nvCxnSpPr>
+        <p:spPr>
+          <a:xfrm>
+            <a:off x="9394805" y="5071645"/>
+            <a:ext cx="1296966" cy="91268"/>
+          </a:xfrm>
+          <a:prstGeom prst="bentConnector2">
+            <a:avLst/>
+          </a:prstGeom>
+          <a:ln w="38100">
+            <a:tailEnd type="triangle"/>
+          </a:ln>
+        </p:spPr>
+        <p:style>
+          <a:lnRef idx="1">
+            <a:schemeClr val="accent1"/>
+          </a:lnRef>
+          <a:fillRef idx="0">
+            <a:schemeClr val="accent1"/>
+          </a:fillRef>
+          <a:effectRef idx="0">
+            <a:schemeClr val="accent1"/>
+          </a:effectRef>
+          <a:fontRef idx="minor">
+            <a:schemeClr val="tx1"/>
+          </a:fontRef>
+        </p:style>
+      </p:cxnSp>
+      <p:cxnSp>
+        <p:nvCxnSpPr>
+          <p:cNvPr id="31" name="接點: 肘形 30">
+            <a:extLst>
+              <a:ext uri="{FF2B5EF4-FFF2-40B4-BE49-F238E27FC236}">
+                <a16:creationId xmlns:a16="http://schemas.microsoft.com/office/drawing/2014/main" id="{4813360D-5D6B-4394-9C00-2BD3D5CC4F71}"/>
+              </a:ext>
+            </a:extLst>
+          </p:cNvPr>
+          <p:cNvCxnSpPr>
+            <a:stCxn id="18" idx="2"/>
+            <a:endCxn id="25" idx="0"/>
+          </p:cNvCxnSpPr>
+          <p:nvPr/>
+        </p:nvCxnSpPr>
+        <p:spPr>
+          <a:xfrm rot="16200000" flipH="1">
+            <a:off x="7765032" y="4075704"/>
+            <a:ext cx="159718" cy="1002925"/>
+          </a:xfrm>
+          <a:prstGeom prst="bentConnector3">
+            <a:avLst/>
+          </a:prstGeom>
+          <a:ln w="38100">
+            <a:tailEnd type="triangle"/>
+          </a:ln>
+        </p:spPr>
+        <p:style>
+          <a:lnRef idx="1">
+            <a:schemeClr val="accent1"/>
+          </a:lnRef>
+          <a:fillRef idx="0">
+            <a:schemeClr val="accent1"/>
+          </a:fillRef>
+          <a:effectRef idx="0">
+            <a:schemeClr val="accent1"/>
+          </a:effectRef>
+          <a:fontRef idx="minor">
+            <a:schemeClr val="tx1"/>
+          </a:fontRef>
+        </p:style>
+      </p:cxnSp>
+      <p:cxnSp>
+        <p:nvCxnSpPr>
+          <p:cNvPr id="32" name="接點: 肘形 31">
+            <a:extLst>
+              <a:ext uri="{FF2B5EF4-FFF2-40B4-BE49-F238E27FC236}">
+                <a16:creationId xmlns:a16="http://schemas.microsoft.com/office/drawing/2014/main" id="{3D895E39-4A30-448F-AC9B-56FF5EFE0F4B}"/>
+              </a:ext>
+            </a:extLst>
+          </p:cNvPr>
+          <p:cNvCxnSpPr>
+            <a:cxnSpLocks/>
+            <a:stCxn id="27" idx="2"/>
+            <a:endCxn id="6" idx="0"/>
+          </p:cNvCxnSpPr>
+          <p:nvPr/>
+        </p:nvCxnSpPr>
+        <p:spPr>
+          <a:xfrm rot="5400000" flipH="1" flipV="1">
+            <a:off x="9103530" y="4410096"/>
+            <a:ext cx="835424" cy="2341058"/>
+          </a:xfrm>
+          <a:prstGeom prst="bentConnector5">
+            <a:avLst>
+              <a:gd name="adj1" fmla="val -10194"/>
+              <a:gd name="adj2" fmla="val 48889"/>
+              <a:gd name="adj3" fmla="val 111267"/>
+            </a:avLst>
+          </a:prstGeom>
+          <a:ln w="38100">
+            <a:tailEnd type="triangle"/>
+          </a:ln>
+        </p:spPr>
+        <p:style>
+          <a:lnRef idx="1">
+            <a:schemeClr val="accent1"/>
+          </a:lnRef>
+          <a:fillRef idx="0">
+            <a:schemeClr val="accent1"/>
+          </a:fillRef>
+          <a:effectRef idx="0">
+            <a:schemeClr val="accent1"/>
+          </a:effectRef>
+          <a:fontRef idx="minor">
+            <a:schemeClr val="tx1"/>
+          </a:fontRef>
+        </p:style>
+      </p:cxnSp>
+      <p:cxnSp>
+        <p:nvCxnSpPr>
+          <p:cNvPr id="33" name="接點: 肘形 32">
+            <a:extLst>
+              <a:ext uri="{FF2B5EF4-FFF2-40B4-BE49-F238E27FC236}">
+                <a16:creationId xmlns:a16="http://schemas.microsoft.com/office/drawing/2014/main" id="{8D010528-59A0-4C5B-B1C6-356227F30C32}"/>
+              </a:ext>
+            </a:extLst>
+          </p:cNvPr>
+          <p:cNvCxnSpPr>
+            <a:stCxn id="19" idx="2"/>
+            <a:endCxn id="25" idx="0"/>
+          </p:cNvCxnSpPr>
+          <p:nvPr/>
+        </p:nvCxnSpPr>
+        <p:spPr>
+          <a:xfrm rot="5400000">
+            <a:off x="8426601" y="4417061"/>
+            <a:ext cx="159719" cy="320211"/>
+          </a:xfrm>
+          <a:prstGeom prst="bentConnector3">
+            <a:avLst/>
+          </a:prstGeom>
+          <a:ln w="38100">
+            <a:tailEnd type="triangle"/>
+          </a:ln>
+        </p:spPr>
+        <p:style>
+          <a:lnRef idx="1">
+            <a:schemeClr val="accent1"/>
+          </a:lnRef>
+          <a:fillRef idx="0">
+            <a:schemeClr val="accent1"/>
+          </a:fillRef>
+          <a:effectRef idx="0">
+            <a:schemeClr val="accent1"/>
+          </a:effectRef>
+          <a:fontRef idx="minor">
+            <a:schemeClr val="tx1"/>
+          </a:fontRef>
+        </p:style>
+      </p:cxnSp>
+      <p:cxnSp>
+        <p:nvCxnSpPr>
+          <p:cNvPr id="34" name="接點: 肘形 33">
+            <a:extLst>
+              <a:ext uri="{FF2B5EF4-FFF2-40B4-BE49-F238E27FC236}">
+                <a16:creationId xmlns:a16="http://schemas.microsoft.com/office/drawing/2014/main" id="{979BA29D-80FF-4AEE-AE38-69C075671AED}"/>
+              </a:ext>
+            </a:extLst>
+          </p:cNvPr>
+          <p:cNvCxnSpPr>
+            <a:stCxn id="17" idx="2"/>
+            <a:endCxn id="25" idx="0"/>
+          </p:cNvCxnSpPr>
+          <p:nvPr/>
+        </p:nvCxnSpPr>
+        <p:spPr>
+          <a:xfrm rot="5400000">
+            <a:off x="9071393" y="3772267"/>
+            <a:ext cx="159720" cy="1609798"/>
+          </a:xfrm>
+          <a:prstGeom prst="bentConnector3">
+            <a:avLst/>
+          </a:prstGeom>
+          <a:ln w="38100">
+            <a:tailEnd type="triangle"/>
+          </a:ln>
+        </p:spPr>
+        <p:style>
+          <a:lnRef idx="1">
+            <a:schemeClr val="accent1"/>
+          </a:lnRef>
+          <a:fillRef idx="0">
+            <a:schemeClr val="accent1"/>
+          </a:fillRef>
+          <a:effectRef idx="0">
+            <a:schemeClr val="accent1"/>
+          </a:effectRef>
+          <a:fontRef idx="minor">
+            <a:schemeClr val="tx1"/>
+          </a:fontRef>
+        </p:style>
+      </p:cxnSp>
+      <p:sp>
+        <p:nvSpPr>
+          <p:cNvPr id="35" name="標題 1">
+            <a:extLst>
+              <a:ext uri="{FF2B5EF4-FFF2-40B4-BE49-F238E27FC236}">
+                <a16:creationId xmlns:a16="http://schemas.microsoft.com/office/drawing/2014/main" id="{D96207C7-57D4-453D-9FC6-6436313D23AC}"/>
+              </a:ext>
+            </a:extLst>
+          </p:cNvPr>
+          <p:cNvSpPr txBox="1">
+            <a:spLocks/>
+          </p:cNvSpPr>
+          <p:nvPr/>
+        </p:nvSpPr>
+        <p:spPr>
+          <a:xfrm>
+            <a:off x="8536750" y="6206909"/>
+            <a:ext cx="1996264" cy="594629"/>
+          </a:xfrm>
+          <a:prstGeom prst="rect">
+            <a:avLst/>
+          </a:prstGeom>
+          <a:ln w="38100">
+            <a:noFill/>
+          </a:ln>
+        </p:spPr>
+        <p:txBody>
+          <a:bodyPr vert="horz" lIns="91440" tIns="45720" rIns="91440" bIns="45720" rtlCol="0" anchor="ctr">
+            <a:normAutofit/>
+          </a:bodyPr>
+          <a:lstStyle>
+            <a:lvl1pPr algn="l" defTabSz="914400" rtl="0" eaLnBrk="1" latinLnBrk="0" hangingPunct="1">
+              <a:lnSpc>
+                <a:spcPct val="89000"/>
+              </a:lnSpc>
+              <a:spcBef>
+                <a:spcPct val="0"/>
+              </a:spcBef>
+              <a:buNone/>
+              <a:defRPr sz="4400" kern="1200" baseline="0">
+                <a:solidFill>
+                  <a:schemeClr val="tx2"/>
+                </a:solidFill>
+                <a:latin typeface="+mj-lt"/>
+                <a:ea typeface="+mj-ea"/>
+                <a:cs typeface="+mj-cs"/>
+              </a:defRPr>
+            </a:lvl1pPr>
+          </a:lstStyle>
+          <a:p>
+            <a:r>
+              <a:rPr lang="zh-TW" altLang="en-US" sz="2000" b="1" dirty="0"/>
+              <a:t>遊戲邏輯流程圖</a:t>
+            </a:r>
           </a:p>
         </p:txBody>
       </p:sp>
     </p:spTree>
     <p:extLst>
       <p:ext uri="{BB962C8B-B14F-4D97-AF65-F5344CB8AC3E}">
-        <p14:creationId xmlns:p14="http://schemas.microsoft.com/office/powerpoint/2010/main" val="1383920495"/>
+        <p14:creationId xmlns:p14="http://schemas.microsoft.com/office/powerpoint/2010/main" val="3158272200"/>
       </p:ext>
     </p:extLst>
   </p:cSld>
